--- a/Lecture materials (Antonius)/R0027-Luento-1-Intro.pptx
+++ b/Lecture materials (Antonius)/R0027-Luento-1-Intro.pptx
@@ -408,10 +408,10 @@
                 <c:formatCode>General</c:formatCode>
                 <c:ptCount val="3"/>
                 <c:pt idx="0">
-                  <c:v>33</c:v>
+                  <c:v>30</c:v>
                 </c:pt>
                 <c:pt idx="1">
-                  <c:v>32</c:v>
+                  <c:v>35</c:v>
                 </c:pt>
                 <c:pt idx="2">
                   <c:v>70</c:v>
@@ -495,328 +495,7 @@
 </c:chartSpace>
 </file>
 
-<file path=ppt/charts/chart2.xml><?xml version="1.0" encoding="utf-8"?>
-<c:chartSpace xmlns:c="http://schemas.openxmlformats.org/drawingml/2006/chart" xmlns:a="http://schemas.openxmlformats.org/drawingml/2006/main" xmlns:r="http://schemas.openxmlformats.org/officeDocument/2006/relationships">
-  <c:date1904 val="0"/>
-  <c:lang val="en-US"/>
-  <c:roundedCorners val="0"/>
-  <mc:AlternateContent xmlns:mc="http://schemas.openxmlformats.org/markup-compatibility/2006">
-    <mc:Choice xmlns:c14="http://schemas.microsoft.com/office/drawing/2007/8/2/chart" Requires="c14">
-      <c14:style val="102"/>
-    </mc:Choice>
-    <mc:Fallback>
-      <c:style val="2"/>
-    </mc:Fallback>
-  </mc:AlternateContent>
-  <c:clrMapOvr bg1="lt1" tx1="dk1" bg2="lt2" tx2="dk2" accent1="accent1" accent2="accent2" accent3="accent3" accent4="accent4" accent5="accent5" accent6="accent6" hlink="hlink" folHlink="folHlink"/>
-  <c:chart>
-    <c:title>
-      <c:layout/>
-      <c:overlay val="0"/>
-      <c:spPr>
-        <a:noFill/>
-        <a:ln>
-          <a:noFill/>
-        </a:ln>
-        <a:effectLst/>
-      </c:spPr>
-      <c:txPr>
-        <a:bodyPr rot="0" spcFirstLastPara="1" vertOverflow="ellipsis" vert="horz" wrap="square" anchor="ctr" anchorCtr="1"/>
-        <a:lstStyle/>
-        <a:p>
-          <a:pPr>
-            <a:defRPr sz="1400" b="1" i="0" u="none" strike="noStrike" kern="1200" baseline="0">
-              <a:solidFill>
-                <a:schemeClr val="tx2"/>
-              </a:solidFill>
-              <a:latin typeface="+mn-lt"/>
-              <a:ea typeface="+mn-ea"/>
-              <a:cs typeface="+mn-cs"/>
-            </a:defRPr>
-          </a:pPr>
-          <a:endParaRPr lang="en-US"/>
-        </a:p>
-      </c:txPr>
-    </c:title>
-    <c:autoTitleDeleted val="0"/>
-    <c:plotArea>
-      <c:layout/>
-      <c:pieChart>
-        <c:varyColors val="1"/>
-        <c:ser>
-          <c:idx val="0"/>
-          <c:order val="0"/>
-          <c:tx>
-            <c:strRef>
-              <c:f>Sheet1!$B$1</c:f>
-              <c:strCache>
-                <c:ptCount val="1"/>
-                <c:pt idx="0">
-                  <c:v>Evaluation (points) - max 100 points</c:v>
-                </c:pt>
-              </c:strCache>
-            </c:strRef>
-          </c:tx>
-          <c:spPr>
-            <a:solidFill>
-              <a:srgbClr val="FFC000"/>
-            </a:solidFill>
-            <a:ln>
-              <a:solidFill>
-                <a:schemeClr val="tx1"/>
-              </a:solidFill>
-            </a:ln>
-          </c:spPr>
-          <c:dPt>
-            <c:idx val="0"/>
-            <c:bubble3D val="0"/>
-            <c:spPr>
-              <a:solidFill>
-                <a:srgbClr val="FFFFCC"/>
-              </a:solidFill>
-              <a:ln>
-                <a:solidFill>
-                  <a:schemeClr val="tx1"/>
-                </a:solidFill>
-              </a:ln>
-              <a:effectLst/>
-            </c:spPr>
-          </c:dPt>
-          <c:dPt>
-            <c:idx val="1"/>
-            <c:bubble3D val="0"/>
-            <c:spPr>
-              <a:solidFill>
-                <a:srgbClr val="CCFFFF"/>
-              </a:solidFill>
-              <a:ln>
-                <a:solidFill>
-                  <a:schemeClr val="tx1"/>
-                </a:solidFill>
-              </a:ln>
-              <a:effectLst/>
-            </c:spPr>
-          </c:dPt>
-          <c:dPt>
-            <c:idx val="2"/>
-            <c:bubble3D val="0"/>
-            <c:spPr>
-              <a:solidFill>
-                <a:srgbClr val="FFC000"/>
-              </a:solidFill>
-              <a:ln>
-                <a:solidFill>
-                  <a:schemeClr val="tx1"/>
-                </a:solidFill>
-              </a:ln>
-              <a:effectLst/>
-            </c:spPr>
-          </c:dPt>
-          <c:dLbls>
-            <c:spPr>
-              <a:noFill/>
-              <a:ln>
-                <a:noFill/>
-              </a:ln>
-              <a:effectLst/>
-            </c:spPr>
-            <c:txPr>
-              <a:bodyPr rot="0" spcFirstLastPara="1" vertOverflow="ellipsis" vert="horz" wrap="square" lIns="38100" tIns="19050" rIns="38100" bIns="19050" anchor="ctr" anchorCtr="1">
-                <a:spAutoFit/>
-              </a:bodyPr>
-              <a:lstStyle/>
-              <a:p>
-                <a:pPr>
-                  <a:defRPr sz="1197" b="0" i="0" u="none" strike="noStrike" kern="1200" baseline="0">
-                    <a:solidFill>
-                      <a:schemeClr val="tx2"/>
-                    </a:solidFill>
-                    <a:latin typeface="+mn-lt"/>
-                    <a:ea typeface="+mn-ea"/>
-                    <a:cs typeface="+mn-cs"/>
-                  </a:defRPr>
-                </a:pPr>
-                <a:endParaRPr lang="en-US"/>
-              </a:p>
-            </c:txPr>
-            <c:showLegendKey val="0"/>
-            <c:showVal val="1"/>
-            <c:showCatName val="0"/>
-            <c:showSerName val="0"/>
-            <c:showPercent val="0"/>
-            <c:showBubbleSize val="0"/>
-            <c:showLeaderLines val="1"/>
-            <c:leaderLines>
-              <c:spPr>
-                <a:ln w="9525">
-                  <a:solidFill>
-                    <a:schemeClr val="tx2">
-                      <a:lumMod val="35000"/>
-                      <a:lumOff val="65000"/>
-                    </a:schemeClr>
-                  </a:solidFill>
-                </a:ln>
-                <a:effectLst/>
-              </c:spPr>
-            </c:leaderLines>
-            <c:extLst>
-              <c:ext xmlns:c15="http://schemas.microsoft.com/office/drawing/2012/chart" uri="{CE6537A1-D6FC-4f65-9D91-7224C49458BB}">
-                <c15:layout/>
-              </c:ext>
-            </c:extLst>
-          </c:dLbls>
-          <c:cat>
-            <c:strRef>
-              <c:f>Sheet1!$A$2:$A$4</c:f>
-              <c:strCache>
-                <c:ptCount val="3"/>
-                <c:pt idx="0">
-                  <c:v>Participation in classes (individual)</c:v>
-                </c:pt>
-                <c:pt idx="1">
-                  <c:v>Completing Viope online course (individual)</c:v>
-                </c:pt>
-                <c:pt idx="2">
-                  <c:v>Final exam (individual)</c:v>
-                </c:pt>
-              </c:strCache>
-            </c:strRef>
-          </c:cat>
-          <c:val>
-            <c:numRef>
-              <c:f>Sheet1!$B$2:$B$4</c:f>
-              <c:numCache>
-                <c:formatCode>General</c:formatCode>
-                <c:ptCount val="3"/>
-                <c:pt idx="0">
-                  <c:v>25</c:v>
-                </c:pt>
-                <c:pt idx="1">
-                  <c:v>15</c:v>
-                </c:pt>
-                <c:pt idx="2">
-                  <c:v>60</c:v>
-                </c:pt>
-              </c:numCache>
-            </c:numRef>
-          </c:val>
-        </c:ser>
-        <c:dLbls>
-          <c:showLegendKey val="0"/>
-          <c:showVal val="0"/>
-          <c:showCatName val="0"/>
-          <c:showSerName val="0"/>
-          <c:showPercent val="0"/>
-          <c:showBubbleSize val="0"/>
-          <c:showLeaderLines val="1"/>
-        </c:dLbls>
-        <c:firstSliceAng val="0"/>
-      </c:pieChart>
-      <c:spPr>
-        <a:noFill/>
-        <a:ln>
-          <a:noFill/>
-        </a:ln>
-        <a:effectLst/>
-      </c:spPr>
-    </c:plotArea>
-    <c:legend>
-      <c:legendPos val="b"/>
-      <c:layout/>
-      <c:overlay val="0"/>
-      <c:spPr>
-        <a:noFill/>
-        <a:ln>
-          <a:noFill/>
-        </a:ln>
-        <a:effectLst/>
-      </c:spPr>
-      <c:txPr>
-        <a:bodyPr rot="0" spcFirstLastPara="1" vertOverflow="ellipsis" vert="horz" wrap="square" anchor="ctr" anchorCtr="1"/>
-        <a:lstStyle/>
-        <a:p>
-          <a:pPr>
-            <a:defRPr sz="1197" b="0" i="0" u="none" strike="noStrike" kern="1200" baseline="0">
-              <a:solidFill>
-                <a:schemeClr val="tx2"/>
-              </a:solidFill>
-              <a:latin typeface="+mn-lt"/>
-              <a:ea typeface="+mn-ea"/>
-              <a:cs typeface="+mn-cs"/>
-            </a:defRPr>
-          </a:pPr>
-          <a:endParaRPr lang="en-US"/>
-        </a:p>
-      </c:txPr>
-    </c:legend>
-    <c:plotVisOnly val="1"/>
-    <c:dispBlanksAs val="gap"/>
-    <c:showDLblsOverMax val="0"/>
-  </c:chart>
-  <c:spPr>
-    <a:noFill/>
-    <a:ln>
-      <a:noFill/>
-    </a:ln>
-    <a:effectLst/>
-  </c:spPr>
-  <c:txPr>
-    <a:bodyPr/>
-    <a:lstStyle/>
-    <a:p>
-      <a:pPr>
-        <a:defRPr/>
-      </a:pPr>
-      <a:endParaRPr lang="en-US"/>
-    </a:p>
-  </c:txPr>
-  <c:externalData r:id="rId4">
-    <c:autoUpdate val="0"/>
-  </c:externalData>
-</c:chartSpace>
-</file>
-
 <file path=ppt/charts/colors1.xml><?xml version="1.0" encoding="utf-8"?>
-<cs:colorStyle xmlns:cs="http://schemas.microsoft.com/office/drawing/2012/chartStyle" xmlns:a="http://schemas.openxmlformats.org/drawingml/2006/main" meth="cycle" id="10">
-  <a:schemeClr val="accent1"/>
-  <a:schemeClr val="accent2"/>
-  <a:schemeClr val="accent3"/>
-  <a:schemeClr val="accent4"/>
-  <a:schemeClr val="accent5"/>
-  <a:schemeClr val="accent6"/>
-  <cs:variation/>
-  <cs:variation>
-    <a:lumMod val="60000"/>
-  </cs:variation>
-  <cs:variation>
-    <a:lumMod val="80000"/>
-    <a:lumOff val="20000"/>
-  </cs:variation>
-  <cs:variation>
-    <a:lumMod val="80000"/>
-  </cs:variation>
-  <cs:variation>
-    <a:lumMod val="60000"/>
-    <a:lumOff val="40000"/>
-  </cs:variation>
-  <cs:variation>
-    <a:lumMod val="50000"/>
-  </cs:variation>
-  <cs:variation>
-    <a:lumMod val="70000"/>
-    <a:lumOff val="30000"/>
-  </cs:variation>
-  <cs:variation>
-    <a:lumMod val="70000"/>
-  </cs:variation>
-  <cs:variation>
-    <a:lumMod val="50000"/>
-    <a:lumOff val="50000"/>
-  </cs:variation>
-</cs:colorStyle>
-</file>
-
-<file path=ppt/charts/colors2.xml><?xml version="1.0" encoding="utf-8"?>
 <cs:colorStyle xmlns:cs="http://schemas.microsoft.com/office/drawing/2012/chartStyle" xmlns:a="http://schemas.openxmlformats.org/drawingml/2006/main" meth="cycle" id="10">
   <a:schemeClr val="accent1"/>
   <a:schemeClr val="accent2"/>
@@ -1324,474 +1003,6 @@
 </cs:chartStyle>
 </file>
 
-<file path=ppt/charts/style2.xml><?xml version="1.0" encoding="utf-8"?>
-<cs:chartStyle xmlns:cs="http://schemas.microsoft.com/office/drawing/2012/chartStyle" xmlns:a="http://schemas.openxmlformats.org/drawingml/2006/main" id="255">
-  <cs:axisTitle>
-    <cs:lnRef idx="0"/>
-    <cs:fillRef idx="0"/>
-    <cs:effectRef idx="0"/>
-    <cs:fontRef idx="minor">
-      <a:schemeClr val="tx2"/>
-    </cs:fontRef>
-    <cs:defRPr sz="1197" b="1" kern="1200"/>
-  </cs:axisTitle>
-  <cs:categoryAxis>
-    <cs:lnRef idx="0"/>
-    <cs:fillRef idx="0"/>
-    <cs:effectRef idx="0"/>
-    <cs:fontRef idx="minor">
-      <a:schemeClr val="tx2"/>
-    </cs:fontRef>
-    <cs:spPr>
-      <a:ln w="9525" cap="flat" cmpd="sng" algn="ctr">
-        <a:solidFill>
-          <a:schemeClr val="tx2">
-            <a:lumMod val="15000"/>
-            <a:lumOff val="85000"/>
-          </a:schemeClr>
-        </a:solidFill>
-        <a:round/>
-      </a:ln>
-    </cs:spPr>
-    <cs:defRPr sz="1197" kern="1200"/>
-  </cs:categoryAxis>
-  <cs:chartArea mods="allowNoFillOverride allowNoLineOverride">
-    <cs:lnRef idx="0"/>
-    <cs:fillRef idx="0"/>
-    <cs:effectRef idx="0"/>
-    <cs:fontRef idx="minor">
-      <a:schemeClr val="tx2"/>
-    </cs:fontRef>
-    <cs:spPr>
-      <a:solidFill>
-        <a:schemeClr val="bg1"/>
-      </a:solidFill>
-      <a:ln w="9525" cap="flat" cmpd="sng" algn="ctr">
-        <a:solidFill>
-          <a:schemeClr val="tx2">
-            <a:lumMod val="15000"/>
-            <a:lumOff val="85000"/>
-          </a:schemeClr>
-        </a:solidFill>
-        <a:round/>
-      </a:ln>
-    </cs:spPr>
-    <cs:defRPr sz="1197" kern="1200"/>
-  </cs:chartArea>
-  <cs:dataLabel>
-    <cs:lnRef idx="0"/>
-    <cs:fillRef idx="0"/>
-    <cs:effectRef idx="0"/>
-    <cs:fontRef idx="minor">
-      <a:schemeClr val="tx2"/>
-    </cs:fontRef>
-    <cs:defRPr sz="1197" kern="1200"/>
-  </cs:dataLabel>
-  <cs:dataLabelCallout>
-    <cs:lnRef idx="0"/>
-    <cs:fillRef idx="0"/>
-    <cs:effectRef idx="0"/>
-    <cs:fontRef idx="minor">
-      <a:schemeClr val="dk2">
-        <a:lumMod val="75000"/>
-      </a:schemeClr>
-    </cs:fontRef>
-    <cs:spPr>
-      <a:solidFill>
-        <a:schemeClr val="lt1"/>
-      </a:solidFill>
-      <a:ln>
-        <a:solidFill>
-          <a:schemeClr val="dk1">
-            <a:lumMod val="25000"/>
-            <a:lumOff val="75000"/>
-          </a:schemeClr>
-        </a:solidFill>
-      </a:ln>
-    </cs:spPr>
-    <cs:defRPr sz="1197" kern="1200"/>
-    <cs:bodyPr rot="0" spcFirstLastPara="1" vertOverflow="clip" horzOverflow="clip" vert="horz" wrap="square" lIns="36576" tIns="18288" rIns="36576" bIns="18288" anchor="ctr" anchorCtr="1">
-      <a:spAutoFit/>
-    </cs:bodyPr>
-  </cs:dataLabelCallout>
-  <cs:dataPoint>
-    <cs:lnRef idx="0"/>
-    <cs:fillRef idx="3">
-      <cs:styleClr val="auto"/>
-    </cs:fillRef>
-    <cs:effectRef idx="2"/>
-    <cs:fontRef idx="minor">
-      <a:schemeClr val="tx2"/>
-    </cs:fontRef>
-  </cs:dataPoint>
-  <cs:dataPoint3D>
-    <cs:lnRef idx="0"/>
-    <cs:fillRef idx="3">
-      <cs:styleClr val="auto"/>
-    </cs:fillRef>
-    <cs:effectRef idx="2"/>
-    <cs:fontRef idx="minor">
-      <a:schemeClr val="tx2"/>
-    </cs:fontRef>
-  </cs:dataPoint3D>
-  <cs:dataPointLine>
-    <cs:lnRef idx="0">
-      <cs:styleClr val="auto"/>
-    </cs:lnRef>
-    <cs:fillRef idx="3"/>
-    <cs:effectRef idx="2"/>
-    <cs:fontRef idx="minor">
-      <a:schemeClr val="tx2"/>
-    </cs:fontRef>
-    <cs:spPr>
-      <a:ln w="31750" cap="rnd">
-        <a:solidFill>
-          <a:schemeClr val="phClr"/>
-        </a:solidFill>
-        <a:round/>
-      </a:ln>
-    </cs:spPr>
-  </cs:dataPointLine>
-  <cs:dataPointMarker>
-    <cs:lnRef idx="0"/>
-    <cs:fillRef idx="3">
-      <cs:styleClr val="auto"/>
-    </cs:fillRef>
-    <cs:effectRef idx="2"/>
-    <cs:fontRef idx="minor">
-      <a:schemeClr val="tx2"/>
-    </cs:fontRef>
-    <cs:spPr>
-      <a:ln w="12700">
-        <a:solidFill>
-          <a:schemeClr val="lt2"/>
-        </a:solidFill>
-        <a:round/>
-      </a:ln>
-    </cs:spPr>
-  </cs:dataPointMarker>
-  <cs:dataPointMarkerLayout symbol="circle" size="6"/>
-  <cs:dataPointWireframe>
-    <cs:lnRef idx="0">
-      <cs:styleClr val="auto"/>
-    </cs:lnRef>
-    <cs:fillRef idx="3"/>
-    <cs:effectRef idx="2"/>
-    <cs:fontRef idx="minor">
-      <a:schemeClr val="tx2"/>
-    </cs:fontRef>
-    <cs:spPr>
-      <a:ln w="9525" cap="rnd">
-        <a:solidFill>
-          <a:schemeClr val="phClr"/>
-        </a:solidFill>
-        <a:round/>
-      </a:ln>
-    </cs:spPr>
-  </cs:dataPointWireframe>
-  <cs:dataTable>
-    <cs:lnRef idx="0"/>
-    <cs:fillRef idx="0"/>
-    <cs:effectRef idx="0"/>
-    <cs:fontRef idx="minor">
-      <a:schemeClr val="tx2"/>
-    </cs:fontRef>
-    <cs:spPr>
-      <a:ln w="9525">
-        <a:solidFill>
-          <a:schemeClr val="tx2">
-            <a:lumMod val="15000"/>
-            <a:lumOff val="85000"/>
-          </a:schemeClr>
-        </a:solidFill>
-      </a:ln>
-    </cs:spPr>
-    <cs:defRPr sz="1197" kern="1200"/>
-  </cs:dataTable>
-  <cs:downBar>
-    <cs:lnRef idx="0"/>
-    <cs:fillRef idx="0"/>
-    <cs:effectRef idx="0"/>
-    <cs:fontRef idx="minor">
-      <a:schemeClr val="dk1"/>
-    </cs:fontRef>
-    <cs:spPr>
-      <a:solidFill>
-        <a:schemeClr val="dk1">
-          <a:lumMod val="65000"/>
-          <a:lumOff val="35000"/>
-        </a:schemeClr>
-      </a:solidFill>
-      <a:ln w="9525">
-        <a:solidFill>
-          <a:schemeClr val="tx1">
-            <a:lumMod val="65000"/>
-            <a:lumOff val="35000"/>
-          </a:schemeClr>
-        </a:solidFill>
-      </a:ln>
-    </cs:spPr>
-  </cs:downBar>
-  <cs:dropLine>
-    <cs:lnRef idx="0"/>
-    <cs:fillRef idx="0"/>
-    <cs:effectRef idx="0"/>
-    <cs:fontRef idx="minor">
-      <a:schemeClr val="tx2"/>
-    </cs:fontRef>
-    <cs:spPr>
-      <a:ln w="9525">
-        <a:solidFill>
-          <a:schemeClr val="tx2">
-            <a:lumMod val="60000"/>
-            <a:lumOff val="40000"/>
-          </a:schemeClr>
-        </a:solidFill>
-        <a:prstDash val="dash"/>
-      </a:ln>
-    </cs:spPr>
-  </cs:dropLine>
-  <cs:errorBar>
-    <cs:lnRef idx="0"/>
-    <cs:fillRef idx="0"/>
-    <cs:effectRef idx="0"/>
-    <cs:fontRef idx="minor">
-      <a:schemeClr val="tx2"/>
-    </cs:fontRef>
-    <cs:spPr>
-      <a:ln w="9525">
-        <a:solidFill>
-          <a:schemeClr val="tx2">
-            <a:lumMod val="75000"/>
-          </a:schemeClr>
-        </a:solidFill>
-        <a:round/>
-      </a:ln>
-    </cs:spPr>
-  </cs:errorBar>
-  <cs:floor>
-    <cs:lnRef idx="0"/>
-    <cs:fillRef idx="0"/>
-    <cs:effectRef idx="0"/>
-    <cs:fontRef idx="minor">
-      <a:schemeClr val="tx2"/>
-    </cs:fontRef>
-  </cs:floor>
-  <cs:gridlineMajor>
-    <cs:lnRef idx="0"/>
-    <cs:fillRef idx="0"/>
-    <cs:effectRef idx="0"/>
-    <cs:fontRef idx="minor">
-      <a:schemeClr val="tx2"/>
-    </cs:fontRef>
-    <cs:spPr>
-      <a:ln w="9525" cap="flat" cmpd="sng" algn="ctr">
-        <a:solidFill>
-          <a:schemeClr val="tx2">
-            <a:lumMod val="15000"/>
-            <a:lumOff val="85000"/>
-          </a:schemeClr>
-        </a:solidFill>
-        <a:round/>
-      </a:ln>
-    </cs:spPr>
-  </cs:gridlineMajor>
-  <cs:gridlineMinor>
-    <cs:lnRef idx="0"/>
-    <cs:fillRef idx="0"/>
-    <cs:effectRef idx="0"/>
-    <cs:fontRef idx="minor">
-      <a:schemeClr val="tx2"/>
-    </cs:fontRef>
-    <cs:spPr>
-      <a:ln>
-        <a:solidFill>
-          <a:schemeClr val="tx2">
-            <a:lumMod val="5000"/>
-            <a:lumOff val="95000"/>
-          </a:schemeClr>
-        </a:solidFill>
-      </a:ln>
-    </cs:spPr>
-  </cs:gridlineMinor>
-  <cs:hiLoLine>
-    <cs:lnRef idx="0"/>
-    <cs:fillRef idx="0"/>
-    <cs:effectRef idx="0"/>
-    <cs:fontRef idx="minor">
-      <a:schemeClr val="tx2"/>
-    </cs:fontRef>
-    <cs:spPr>
-      <a:ln w="9525">
-        <a:solidFill>
-          <a:schemeClr val="tx2">
-            <a:lumMod val="60000"/>
-            <a:lumOff val="40000"/>
-          </a:schemeClr>
-        </a:solidFill>
-        <a:prstDash val="dash"/>
-      </a:ln>
-    </cs:spPr>
-  </cs:hiLoLine>
-  <cs:leaderLine>
-    <cs:lnRef idx="0"/>
-    <cs:fillRef idx="0"/>
-    <cs:effectRef idx="0"/>
-    <cs:fontRef idx="minor">
-      <a:schemeClr val="tx2"/>
-    </cs:fontRef>
-    <cs:spPr>
-      <a:ln w="9525">
-        <a:solidFill>
-          <a:schemeClr val="tx2">
-            <a:lumMod val="35000"/>
-            <a:lumOff val="65000"/>
-          </a:schemeClr>
-        </a:solidFill>
-      </a:ln>
-    </cs:spPr>
-  </cs:leaderLine>
-  <cs:legend>
-    <cs:lnRef idx="0"/>
-    <cs:fillRef idx="0"/>
-    <cs:effectRef idx="0"/>
-    <cs:fontRef idx="minor">
-      <a:schemeClr val="tx2"/>
-    </cs:fontRef>
-    <cs:defRPr sz="1197" kern="1200"/>
-  </cs:legend>
-  <cs:plotArea>
-    <cs:lnRef idx="0"/>
-    <cs:fillRef idx="0"/>
-    <cs:effectRef idx="0"/>
-    <cs:fontRef idx="minor">
-      <a:schemeClr val="tx2"/>
-    </cs:fontRef>
-  </cs:plotArea>
-  <cs:plotArea3D>
-    <cs:lnRef idx="0"/>
-    <cs:fillRef idx="0"/>
-    <cs:effectRef idx="0"/>
-    <cs:fontRef idx="minor">
-      <a:schemeClr val="tx2"/>
-    </cs:fontRef>
-  </cs:plotArea3D>
-  <cs:seriesAxis>
-    <cs:lnRef idx="0"/>
-    <cs:fillRef idx="0"/>
-    <cs:effectRef idx="0"/>
-    <cs:fontRef idx="minor">
-      <a:schemeClr val="tx2"/>
-    </cs:fontRef>
-    <cs:spPr>
-      <a:ln w="9525" cap="flat" cmpd="sng" algn="ctr">
-        <a:solidFill>
-          <a:schemeClr val="tx2">
-            <a:lumMod val="15000"/>
-            <a:lumOff val="85000"/>
-          </a:schemeClr>
-        </a:solidFill>
-        <a:round/>
-      </a:ln>
-    </cs:spPr>
-    <cs:defRPr sz="1197" kern="1200"/>
-  </cs:seriesAxis>
-  <cs:seriesLine>
-    <cs:lnRef idx="0"/>
-    <cs:fillRef idx="0"/>
-    <cs:effectRef idx="0"/>
-    <cs:fontRef idx="minor">
-      <a:schemeClr val="tx2"/>
-    </cs:fontRef>
-    <cs:spPr>
-      <a:ln w="9525">
-        <a:solidFill>
-          <a:schemeClr val="tx2">
-            <a:lumMod val="60000"/>
-            <a:lumOff val="40000"/>
-          </a:schemeClr>
-        </a:solidFill>
-        <a:prstDash val="dash"/>
-      </a:ln>
-    </cs:spPr>
-  </cs:seriesLine>
-  <cs:title>
-    <cs:lnRef idx="0"/>
-    <cs:fillRef idx="0"/>
-    <cs:effectRef idx="0"/>
-    <cs:fontRef idx="minor">
-      <a:schemeClr val="tx2"/>
-    </cs:fontRef>
-    <cs:defRPr sz="2128" b="1" kern="1200"/>
-  </cs:title>
-  <cs:trendline>
-    <cs:lnRef idx="0">
-      <cs:styleClr val="auto"/>
-    </cs:lnRef>
-    <cs:fillRef idx="0"/>
-    <cs:effectRef idx="0"/>
-    <cs:fontRef idx="minor">
-      <a:schemeClr val="tx2"/>
-    </cs:fontRef>
-    <cs:spPr>
-      <a:ln w="19050" cap="rnd">
-        <a:solidFill>
-          <a:schemeClr val="phClr"/>
-        </a:solidFill>
-        <a:prstDash val="sysDash"/>
-      </a:ln>
-    </cs:spPr>
-  </cs:trendline>
-  <cs:trendlineLabel>
-    <cs:lnRef idx="0"/>
-    <cs:fillRef idx="0"/>
-    <cs:effectRef idx="0"/>
-    <cs:fontRef idx="minor">
-      <a:schemeClr val="tx2"/>
-    </cs:fontRef>
-    <cs:defRPr sz="1197" kern="1200"/>
-  </cs:trendlineLabel>
-  <cs:upBar>
-    <cs:lnRef idx="0"/>
-    <cs:fillRef idx="0"/>
-    <cs:effectRef idx="0"/>
-    <cs:fontRef idx="minor">
-      <a:schemeClr val="tx2"/>
-    </cs:fontRef>
-    <cs:spPr>
-      <a:solidFill>
-        <a:schemeClr val="lt1"/>
-      </a:solidFill>
-      <a:ln w="9525">
-        <a:solidFill>
-          <a:schemeClr val="tx1">
-            <a:lumMod val="15000"/>
-            <a:lumOff val="85000"/>
-          </a:schemeClr>
-        </a:solidFill>
-      </a:ln>
-    </cs:spPr>
-  </cs:upBar>
-  <cs:valueAxis>
-    <cs:lnRef idx="0"/>
-    <cs:fillRef idx="0"/>
-    <cs:effectRef idx="0"/>
-    <cs:fontRef idx="minor">
-      <a:schemeClr val="tx2"/>
-    </cs:fontRef>
-    <cs:defRPr sz="1197" kern="1200"/>
-  </cs:valueAxis>
-  <cs:wall>
-    <cs:lnRef idx="0"/>
-    <cs:fillRef idx="0"/>
-    <cs:effectRef idx="0"/>
-    <cs:fontRef idx="minor">
-      <a:schemeClr val="tx2"/>
-    </cs:fontRef>
-  </cs:wall>
-</cs:chartStyle>
-</file>
-
 <file path=ppt/handoutMasters/handoutMaster1.xml><?xml version="1.0" encoding="utf-8"?>
 <p:handoutMaster xmlns:a="http://schemas.openxmlformats.org/drawingml/2006/main" xmlns:r="http://schemas.openxmlformats.org/officeDocument/2006/relationships" xmlns:p="http://schemas.openxmlformats.org/presentationml/2006/main">
   <p:cSld>
@@ -2906,7 +2117,7 @@
             </a:pPr>
             <a:fld id="{9243BF99-14F5-42DE-BA49-2D78B4AB83FD}" type="datetime1">
               <a:rPr lang="fi-FI" smtClean="0"/>
-              <a:t>1.9.2016</a:t>
+              <a:t>18.1.2017</a:t>
             </a:fld>
             <a:endParaRPr lang="en-US"/>
           </a:p>
@@ -3106,7 +2317,7 @@
             </a:pPr>
             <a:fld id="{BA7AF33B-D368-4943-9C88-C07E2A466AD4}" type="datetime1">
               <a:rPr lang="fi-FI" smtClean="0"/>
-              <a:t>1.9.2016</a:t>
+              <a:t>18.1.2017</a:t>
             </a:fld>
             <a:endParaRPr lang="en-US"/>
           </a:p>
@@ -3315,7 +2526,7 @@
             </a:pPr>
             <a:fld id="{1BE11728-E41A-41B3-ADC5-28DF3929F2A2}" type="datetime1">
               <a:rPr lang="fi-FI" smtClean="0"/>
-              <a:t>1.9.2016</a:t>
+              <a:t>18.1.2017</a:t>
             </a:fld>
             <a:endParaRPr lang="en-US"/>
           </a:p>
@@ -3581,7 +2792,7 @@
             </a:pPr>
             <a:fld id="{45FB7A60-24F7-4607-818C-8101B1F6544A}" type="datetime1">
               <a:rPr lang="fi-FI" smtClean="0"/>
-              <a:t>1.9.2016</a:t>
+              <a:t>18.1.2017</a:t>
             </a:fld>
             <a:endParaRPr lang="en-US"/>
           </a:p>
@@ -3780,7 +2991,7 @@
             </a:pPr>
             <a:fld id="{A0917F03-5761-4994-BC05-FEA56BB55142}" type="datetime1">
               <a:rPr lang="fi-FI" smtClean="0"/>
-              <a:t>1.9.2016</a:t>
+              <a:t>18.1.2017</a:t>
             </a:fld>
             <a:endParaRPr lang="en-US"/>
           </a:p>
@@ -4005,7 +3216,7 @@
             </a:pPr>
             <a:fld id="{C3BB86B7-8B70-4AA0-AC4B-C8FC14664528}" type="datetime1">
               <a:rPr lang="fi-FI" smtClean="0"/>
-              <a:t>1.9.2016</a:t>
+              <a:t>18.1.2017</a:t>
             </a:fld>
             <a:endParaRPr lang="en-US"/>
           </a:p>
@@ -4326,7 +3537,7 @@
             </a:pPr>
             <a:fld id="{EE0145AC-00E1-4C94-8D6B-EE0ED85AAD1D}" type="datetime1">
               <a:rPr lang="fi-FI" smtClean="0"/>
-              <a:t>1.9.2016</a:t>
+              <a:t>18.1.2017</a:t>
             </a:fld>
             <a:endParaRPr lang="en-US"/>
           </a:p>
@@ -4786,7 +3997,7 @@
             </a:pPr>
             <a:fld id="{AB79CDDC-2D01-4F6C-AC4E-45C12704A4EF}" type="datetime1">
               <a:rPr lang="fi-FI" smtClean="0"/>
-              <a:t>1.9.2016</a:t>
+              <a:t>18.1.2017</a:t>
             </a:fld>
             <a:endParaRPr lang="en-US"/>
           </a:p>
@@ -4933,7 +4144,7 @@
             </a:pPr>
             <a:fld id="{44D4A43D-066C-4DA6-A3D1-A856365AB286}" type="datetime1">
               <a:rPr lang="fi-FI" smtClean="0"/>
-              <a:t>1.9.2016</a:t>
+              <a:t>18.1.2017</a:t>
             </a:fld>
             <a:endParaRPr lang="en-US"/>
           </a:p>
@@ -5057,7 +4268,7 @@
             </a:pPr>
             <a:fld id="{27543B41-9C0A-4AD9-B30E-E7A298F534E9}" type="datetime1">
               <a:rPr lang="fi-FI" smtClean="0"/>
-              <a:t>1.9.2016</a:t>
+              <a:t>18.1.2017</a:t>
             </a:fld>
             <a:endParaRPr lang="en-US"/>
           </a:p>
@@ -5363,7 +4574,7 @@
             </a:pPr>
             <a:fld id="{08DD5A7E-E79C-4271-9C38-02656C0B8982}" type="datetime1">
               <a:rPr lang="fi-FI" smtClean="0"/>
-              <a:t>1.9.2016</a:t>
+              <a:t>18.1.2017</a:t>
             </a:fld>
             <a:endParaRPr lang="en-US"/>
           </a:p>
@@ -5646,7 +4857,7 @@
             </a:pPr>
             <a:fld id="{F4BAE4AA-8E38-4576-8A0C-10C1F477ABCA}" type="datetime1">
               <a:rPr lang="fi-FI" smtClean="0"/>
-              <a:t>1.9.2016</a:t>
+              <a:t>18.1.2017</a:t>
             </a:fld>
             <a:endParaRPr lang="en-US"/>
           </a:p>
@@ -5908,7 +5119,7 @@
             </a:pPr>
             <a:fld id="{D1907589-2AC4-4C60-B385-280C9D0298FA}" type="datetime1">
               <a:rPr lang="fi-FI" smtClean="0"/>
-              <a:t>1.9.2016</a:t>
+              <a:t>18.1.2017</a:t>
             </a:fld>
             <a:endParaRPr lang="en-US"/>
           </a:p>
@@ -6640,31 +5851,6 @@
       </p:grpSpPr>
       <p:sp>
         <p:nvSpPr>
-          <p:cNvPr id="5122" name="Rectangle 4"/>
-          <p:cNvSpPr>
-            <a:spLocks noGrp="1" noChangeArrowheads="1"/>
-          </p:cNvSpPr>
-          <p:nvPr>
-            <p:ph type="dt" sz="quarter" idx="10"/>
-          </p:nvPr>
-        </p:nvSpPr>
-        <p:spPr>
-          <a:noFill/>
-        </p:spPr>
-        <p:txBody>
-          <a:bodyPr/>
-          <a:lstStyle/>
-          <a:p>
-            <a:fld id="{237F7CAA-72F8-4BB2-917B-6675001428D3}" type="datetime1">
-              <a:rPr lang="fi-FI" smtClean="0"/>
-              <a:t>1.9.2016</a:t>
-            </a:fld>
-            <a:endParaRPr lang="en-US" smtClean="0"/>
-          </a:p>
-        </p:txBody>
-      </p:sp>
-      <p:sp>
-        <p:nvSpPr>
           <p:cNvPr id="5123" name="Rectangle 5"/>
           <p:cNvSpPr>
             <a:spLocks noGrp="1" noChangeArrowheads="1"/>
@@ -6688,32 +5874,6 @@
               <a:rPr lang="en-US" dirty="0" smtClean="0"/>
               <a:t>Laurea  |  Mika Stenberg (modified by Antonius Camara)</a:t>
             </a:r>
-          </a:p>
-        </p:txBody>
-      </p:sp>
-      <p:sp>
-        <p:nvSpPr>
-          <p:cNvPr id="5124" name="Rectangle 6"/>
-          <p:cNvSpPr>
-            <a:spLocks noGrp="1" noChangeArrowheads="1"/>
-          </p:cNvSpPr>
-          <p:nvPr>
-            <p:ph type="sldNum" sz="quarter" idx="12"/>
-          </p:nvPr>
-        </p:nvSpPr>
-        <p:spPr>
-          <a:noFill/>
-        </p:spPr>
-        <p:txBody>
-          <a:bodyPr/>
-          <a:lstStyle/>
-          <a:p>
-            <a:fld id="{B785C0EA-0D81-4364-8829-DC6493F44774}" type="slidenum">
-              <a:rPr lang="en-US" smtClean="0"/>
-              <a:pPr/>
-              <a:t>1</a:t>
-            </a:fld>
-            <a:endParaRPr lang="en-US" smtClean="0"/>
           </a:p>
         </p:txBody>
       </p:sp>
@@ -6851,7 +6011,7 @@
           <a:p>
             <a:fld id="{F188AE5C-8E4C-4AA5-AC57-3EE1C6E26226}" type="datetime1">
               <a:rPr lang="fi-FI" smtClean="0"/>
-              <a:t>1.9.2016</a:t>
+              <a:t>18.1.2017</a:t>
             </a:fld>
             <a:endParaRPr lang="en-US" smtClean="0"/>
           </a:p>
@@ -6969,42 +6129,14 @@
             <a:endParaRPr lang="en-US" sz="2000" dirty="0" smtClean="0"/>
           </a:p>
           <a:p>
-            <a:pPr lvl="1" eaLnBrk="1" hangingPunct="1"/>
-            <a:r>
-              <a:rPr lang="en-US" sz="2000" dirty="0" err="1" smtClean="0"/>
-              <a:t>Sosiaalinen</a:t>
-            </a:r>
-            <a:r>
-              <a:rPr lang="en-US" sz="2000" dirty="0" smtClean="0"/>
-              <a:t> </a:t>
-            </a:r>
-            <a:r>
-              <a:rPr lang="en-US" sz="2000" dirty="0" err="1" smtClean="0"/>
-              <a:t>paine</a:t>
-            </a:r>
-            <a:r>
-              <a:rPr lang="en-US" sz="2000" dirty="0" smtClean="0"/>
-              <a:t> </a:t>
-            </a:r>
-            <a:r>
-              <a:rPr lang="en-US" sz="2000" dirty="0" err="1" smtClean="0"/>
-              <a:t>vähentää</a:t>
-            </a:r>
-            <a:r>
-              <a:rPr lang="en-US" sz="2000" dirty="0" smtClean="0"/>
-              <a:t> </a:t>
-            </a:r>
-            <a:r>
-              <a:rPr lang="en-US" sz="2000" dirty="0" err="1" smtClean="0"/>
-              <a:t>laiskottelua</a:t>
-            </a:r>
-            <a:endParaRPr lang="en-US" sz="2000" dirty="0" smtClean="0"/>
-          </a:p>
-          <a:p>
             <a:pPr eaLnBrk="1" hangingPunct="1"/>
             <a:r>
               <a:rPr lang="fi-FI" sz="2400" dirty="0" smtClean="0"/>
-              <a:t>Yksinkin tekeminen on mahdollista</a:t>
+              <a:t>Yksinkin </a:t>
+            </a:r>
+            <a:r>
+              <a:rPr lang="fi-FI" sz="2400" dirty="0" smtClean="0"/>
+              <a:t>tekeminen on mahdollista</a:t>
             </a:r>
           </a:p>
           <a:p>
@@ -7217,13 +6349,8 @@
           <a:p>
             <a:r>
               <a:rPr lang="en-US" dirty="0" smtClean="0"/>
-              <a:t>Laurea  | </a:t>
-            </a:r>
-            <a:r>
-              <a:rPr lang="en-US" dirty="0" smtClean="0"/>
-              <a:t> Antonius Camara</a:t>
-            </a:r>
-            <a:endParaRPr lang="en-US" dirty="0" smtClean="0"/>
+              <a:t>Laurea  |  Antonius Camara</a:t>
+            </a:r>
           </a:p>
         </p:txBody>
       </p:sp>
@@ -7278,7 +6405,7 @@
           <a:p>
             <a:fld id="{77738779-5726-4341-BD31-3F113364D60D}" type="datetime1">
               <a:rPr lang="fi-FI" smtClean="0"/>
-              <a:t>1.9.2016</a:t>
+              <a:t>18.1.2017</a:t>
             </a:fld>
             <a:endParaRPr lang="en-US" smtClean="0"/>
           </a:p>
@@ -7402,8 +6529,17 @@
             </a:pPr>
             <a:r>
               <a:rPr lang="fi-FI" sz="1600" b="1" dirty="0" smtClean="0"/>
-              <a:t>Kehittämisharjoitukset</a:t>
-            </a:r>
+              <a:t>Kehittämisharjoitukset (Workshop </a:t>
+            </a:r>
+            <a:r>
+              <a:rPr lang="fi-FI" sz="1600" b="1" dirty="0" err="1" smtClean="0"/>
+              <a:t>exercises</a:t>
+            </a:r>
+            <a:r>
+              <a:rPr lang="fi-FI" sz="1600" b="1" dirty="0" smtClean="0"/>
+              <a:t>)</a:t>
+            </a:r>
+            <a:endParaRPr lang="fi-FI" sz="1600" b="1" dirty="0" smtClean="0"/>
           </a:p>
           <a:p>
             <a:pPr lvl="1" eaLnBrk="1" hangingPunct="1">
@@ -7645,57 +6781,6 @@
       </p:grpSpPr>
       <p:sp>
         <p:nvSpPr>
-          <p:cNvPr id="17410" name="Date Placeholder 3"/>
-          <p:cNvSpPr>
-            <a:spLocks noGrp="1"/>
-          </p:cNvSpPr>
-          <p:nvPr>
-            <p:ph type="dt" sz="quarter" idx="10"/>
-          </p:nvPr>
-        </p:nvSpPr>
-        <p:spPr>
-          <a:noFill/>
-        </p:spPr>
-        <p:txBody>
-          <a:bodyPr/>
-          <a:lstStyle/>
-          <a:p>
-            <a:fld id="{8641893C-0906-4639-8B3E-6285FB164162}" type="datetime1">
-              <a:rPr lang="fi-FI" smtClean="0"/>
-              <a:t>1.9.2016</a:t>
-            </a:fld>
-            <a:endParaRPr lang="en-US" smtClean="0"/>
-          </a:p>
-        </p:txBody>
-      </p:sp>
-      <p:sp>
-        <p:nvSpPr>
-          <p:cNvPr id="17412" name="Slide Number Placeholder 5"/>
-          <p:cNvSpPr>
-            <a:spLocks noGrp="1"/>
-          </p:cNvSpPr>
-          <p:nvPr>
-            <p:ph type="sldNum" sz="quarter" idx="12"/>
-          </p:nvPr>
-        </p:nvSpPr>
-        <p:spPr>
-          <a:noFill/>
-        </p:spPr>
-        <p:txBody>
-          <a:bodyPr/>
-          <a:lstStyle/>
-          <a:p>
-            <a:fld id="{E1321B63-C486-4586-8E5C-9474705F85C1}" type="slidenum">
-              <a:rPr lang="en-US" smtClean="0"/>
-              <a:pPr/>
-              <a:t>13</a:t>
-            </a:fld>
-            <a:endParaRPr lang="en-US" smtClean="0"/>
-          </a:p>
-        </p:txBody>
-      </p:sp>
-      <p:sp>
-        <p:nvSpPr>
           <p:cNvPr id="17413" name="Rectangle 2"/>
           <p:cNvSpPr>
             <a:spLocks noGrp="1" noChangeArrowheads="1"/>
@@ -7964,57 +7049,6 @@
       </p:grpSpPr>
       <p:sp>
         <p:nvSpPr>
-          <p:cNvPr id="18434" name="Rectangle 4"/>
-          <p:cNvSpPr>
-            <a:spLocks noGrp="1" noChangeArrowheads="1"/>
-          </p:cNvSpPr>
-          <p:nvPr>
-            <p:ph type="dt" sz="quarter" idx="10"/>
-          </p:nvPr>
-        </p:nvSpPr>
-        <p:spPr>
-          <a:noFill/>
-        </p:spPr>
-        <p:txBody>
-          <a:bodyPr/>
-          <a:lstStyle/>
-          <a:p>
-            <a:fld id="{113C59C9-EE4F-4065-8972-F709B9DD4C7F}" type="datetime1">
-              <a:rPr lang="fi-FI" smtClean="0"/>
-              <a:t>1.9.2016</a:t>
-            </a:fld>
-            <a:endParaRPr lang="en-US" smtClean="0"/>
-          </a:p>
-        </p:txBody>
-      </p:sp>
-      <p:sp>
-        <p:nvSpPr>
-          <p:cNvPr id="18436" name="Rectangle 6"/>
-          <p:cNvSpPr>
-            <a:spLocks noGrp="1" noChangeArrowheads="1"/>
-          </p:cNvSpPr>
-          <p:nvPr>
-            <p:ph type="sldNum" sz="quarter" idx="12"/>
-          </p:nvPr>
-        </p:nvSpPr>
-        <p:spPr>
-          <a:noFill/>
-        </p:spPr>
-        <p:txBody>
-          <a:bodyPr/>
-          <a:lstStyle/>
-          <a:p>
-            <a:fld id="{FF786AAB-7B53-41EC-89C4-FEEA51ED29BB}" type="slidenum">
-              <a:rPr lang="en-US" smtClean="0"/>
-              <a:pPr/>
-              <a:t>14</a:t>
-            </a:fld>
-            <a:endParaRPr lang="en-US" smtClean="0"/>
-          </a:p>
-        </p:txBody>
-      </p:sp>
-      <p:sp>
-        <p:nvSpPr>
           <p:cNvPr id="18437" name="Rectangle 7"/>
           <p:cNvSpPr>
             <a:spLocks noGrp="1" noChangeArrowheads="1"/>
@@ -8141,57 +7175,6 @@
       </p:grpSpPr>
       <p:sp>
         <p:nvSpPr>
-          <p:cNvPr id="19458" name="Date Placeholder 3"/>
-          <p:cNvSpPr>
-            <a:spLocks noGrp="1"/>
-          </p:cNvSpPr>
-          <p:nvPr>
-            <p:ph type="dt" sz="quarter" idx="10"/>
-          </p:nvPr>
-        </p:nvSpPr>
-        <p:spPr>
-          <a:noFill/>
-        </p:spPr>
-        <p:txBody>
-          <a:bodyPr/>
-          <a:lstStyle/>
-          <a:p>
-            <a:fld id="{03BFB815-677D-44D5-B9E5-DDF7FAF108AB}" type="datetime1">
-              <a:rPr lang="fi-FI" smtClean="0"/>
-              <a:t>1.9.2016</a:t>
-            </a:fld>
-            <a:endParaRPr lang="en-US" smtClean="0"/>
-          </a:p>
-        </p:txBody>
-      </p:sp>
-      <p:sp>
-        <p:nvSpPr>
-          <p:cNvPr id="19460" name="Slide Number Placeholder 5"/>
-          <p:cNvSpPr>
-            <a:spLocks noGrp="1"/>
-          </p:cNvSpPr>
-          <p:nvPr>
-            <p:ph type="sldNum" sz="quarter" idx="12"/>
-          </p:nvPr>
-        </p:nvSpPr>
-        <p:spPr>
-          <a:noFill/>
-        </p:spPr>
-        <p:txBody>
-          <a:bodyPr/>
-          <a:lstStyle/>
-          <a:p>
-            <a:fld id="{0BCE3F57-A0A1-4006-8A27-D916EDEBE52C}" type="slidenum">
-              <a:rPr lang="en-US" smtClean="0"/>
-              <a:pPr/>
-              <a:t>15</a:t>
-            </a:fld>
-            <a:endParaRPr lang="en-US" smtClean="0"/>
-          </a:p>
-        </p:txBody>
-      </p:sp>
-      <p:sp>
-        <p:nvSpPr>
           <p:cNvPr id="19461" name="Rectangle 2"/>
           <p:cNvSpPr>
             <a:spLocks noGrp="1" noChangeArrowheads="1"/>
@@ -8319,57 +7302,6 @@
           <a:chExt cx="0" cy="0"/>
         </a:xfrm>
       </p:grpSpPr>
-      <p:sp>
-        <p:nvSpPr>
-          <p:cNvPr id="20482" name="Date Placeholder 1"/>
-          <p:cNvSpPr>
-            <a:spLocks noGrp="1"/>
-          </p:cNvSpPr>
-          <p:nvPr>
-            <p:ph type="dt" sz="quarter" idx="10"/>
-          </p:nvPr>
-        </p:nvSpPr>
-        <p:spPr>
-          <a:noFill/>
-        </p:spPr>
-        <p:txBody>
-          <a:bodyPr/>
-          <a:lstStyle/>
-          <a:p>
-            <a:fld id="{5DE26ADE-3FC4-4BCE-B707-3A5404383570}" type="datetime1">
-              <a:rPr lang="fi-FI" smtClean="0"/>
-              <a:t>1.9.2016</a:t>
-            </a:fld>
-            <a:endParaRPr lang="en-US" smtClean="0"/>
-          </a:p>
-        </p:txBody>
-      </p:sp>
-      <p:sp>
-        <p:nvSpPr>
-          <p:cNvPr id="20484" name="Slide Number Placeholder 3"/>
-          <p:cNvSpPr>
-            <a:spLocks noGrp="1"/>
-          </p:cNvSpPr>
-          <p:nvPr>
-            <p:ph type="sldNum" sz="quarter" idx="12"/>
-          </p:nvPr>
-        </p:nvSpPr>
-        <p:spPr>
-          <a:noFill/>
-        </p:spPr>
-        <p:txBody>
-          <a:bodyPr/>
-          <a:lstStyle/>
-          <a:p>
-            <a:fld id="{B1AD192A-9C39-41AB-B44C-89CF65B4839E}" type="slidenum">
-              <a:rPr lang="en-US" smtClean="0"/>
-              <a:pPr/>
-              <a:t>16</a:t>
-            </a:fld>
-            <a:endParaRPr lang="en-US" smtClean="0"/>
-          </a:p>
-        </p:txBody>
-      </p:sp>
       <p:sp>
         <p:nvSpPr>
           <p:cNvPr id="20485" name="Rectangle 2"/>
@@ -8561,57 +7493,6 @@
       </p:grpSpPr>
       <p:sp>
         <p:nvSpPr>
-          <p:cNvPr id="21506" name="Date Placeholder 4"/>
-          <p:cNvSpPr>
-            <a:spLocks noGrp="1"/>
-          </p:cNvSpPr>
-          <p:nvPr>
-            <p:ph type="dt" sz="quarter" idx="10"/>
-          </p:nvPr>
-        </p:nvSpPr>
-        <p:spPr>
-          <a:noFill/>
-        </p:spPr>
-        <p:txBody>
-          <a:bodyPr/>
-          <a:lstStyle/>
-          <a:p>
-            <a:fld id="{413EFE74-752E-4BE5-8A29-0EF4D7C870B1}" type="datetime1">
-              <a:rPr lang="fi-FI" smtClean="0"/>
-              <a:t>1.9.2016</a:t>
-            </a:fld>
-            <a:endParaRPr lang="en-US" smtClean="0"/>
-          </a:p>
-        </p:txBody>
-      </p:sp>
-      <p:sp>
-        <p:nvSpPr>
-          <p:cNvPr id="21508" name="Slide Number Placeholder 6"/>
-          <p:cNvSpPr>
-            <a:spLocks noGrp="1"/>
-          </p:cNvSpPr>
-          <p:nvPr>
-            <p:ph type="sldNum" sz="quarter" idx="12"/>
-          </p:nvPr>
-        </p:nvSpPr>
-        <p:spPr>
-          <a:noFill/>
-        </p:spPr>
-        <p:txBody>
-          <a:bodyPr/>
-          <a:lstStyle/>
-          <a:p>
-            <a:fld id="{11B9FFF2-4B68-470D-8F3A-3A91ED622CFA}" type="slidenum">
-              <a:rPr lang="en-US" smtClean="0"/>
-              <a:pPr/>
-              <a:t>17</a:t>
-            </a:fld>
-            <a:endParaRPr lang="en-US" smtClean="0"/>
-          </a:p>
-        </p:txBody>
-      </p:sp>
-      <p:sp>
-        <p:nvSpPr>
           <p:cNvPr id="21509" name="Rectangle 2"/>
           <p:cNvSpPr>
             <a:spLocks noChangeArrowheads="1"/>
@@ -8691,7 +7572,7 @@
             <a:pPr lvl="1" eaLnBrk="1" hangingPunct="1"/>
             <a:r>
               <a:rPr lang="fi-FI" sz="2000" dirty="0" err="1" smtClean="0"/>
-              <a:t>Minesweeper</a:t>
+              <a:t>Calculator</a:t>
             </a:r>
             <a:endParaRPr lang="fi-FI" sz="2000" dirty="0" smtClean="0"/>
           </a:p>
@@ -8751,34 +7632,6 @@
               <a:t>Mobiilisovellukset</a:t>
             </a:r>
             <a:endParaRPr lang="fi-FI" sz="2300" dirty="0" smtClean="0"/>
-          </a:p>
-          <a:p>
-            <a:pPr lvl="1" eaLnBrk="1" hangingPunct="1"/>
-            <a:r>
-              <a:rPr lang="fi-FI" sz="2000" dirty="0" smtClean="0"/>
-              <a:t>Applikaatio (</a:t>
-            </a:r>
-            <a:r>
-              <a:rPr lang="fi-FI" sz="2000" dirty="0" err="1" smtClean="0"/>
-              <a:t>natiivi</a:t>
-            </a:r>
-            <a:r>
-              <a:rPr lang="fi-FI" sz="2000" dirty="0" smtClean="0"/>
-              <a:t>, </a:t>
-            </a:r>
-            <a:r>
-              <a:rPr lang="fi-FI" sz="2000" dirty="0" err="1" smtClean="0"/>
-              <a:t>hybriidi</a:t>
-            </a:r>
-            <a:r>
-              <a:rPr lang="fi-FI" sz="2000" dirty="0" smtClean="0"/>
-              <a:t>)</a:t>
-            </a:r>
-            <a:endParaRPr lang="fi-FI" sz="2000" dirty="0" smtClean="0"/>
-          </a:p>
-          <a:p>
-            <a:pPr eaLnBrk="1" hangingPunct="1"/>
-            <a:endParaRPr lang="en-US" sz="2400" dirty="0" smtClean="0"/>
           </a:p>
         </p:txBody>
       </p:sp>
@@ -9285,23 +8138,41 @@
                                   </p:childTnLst>
                                 </p:cTn>
                               </p:par>
+                            </p:childTnLst>
+                          </p:cTn>
+                        </p:par>
+                      </p:childTnLst>
+                    </p:cTn>
+                  </p:par>
+                  <p:par>
+                    <p:cTn id="31" fill="hold">
+                      <p:stCondLst>
+                        <p:cond delay="indefinite"/>
+                      </p:stCondLst>
+                      <p:childTnLst>
+                        <p:par>
+                          <p:cTn id="32" fill="hold">
+                            <p:stCondLst>
+                              <p:cond delay="0"/>
+                            </p:stCondLst>
+                            <p:childTnLst>
                               <p:par>
-                                <p:cTn id="31" presetID="1" presetClass="entr" presetSubtype="0" fill="hold" grpId="0" nodeType="withEffect">
+                                <p:cTn id="33" presetID="1" presetClass="entr" presetSubtype="0" fill="hold" grpId="0" nodeType="clickEffect">
                                   <p:stCondLst>
                                     <p:cond delay="0"/>
                                   </p:stCondLst>
                                   <p:childTnLst>
                                     <p:set>
                                       <p:cBhvr>
-                                        <p:cTn id="32" dur="1" fill="hold">
+                                        <p:cTn id="34" dur="1" fill="hold">
                                           <p:stCondLst>
                                             <p:cond delay="0"/>
                                           </p:stCondLst>
                                         </p:cTn>
                                         <p:tgtEl>
-                                          <p:spTgt spid="252932">
+                                          <p:spTgt spid="252933">
                                             <p:txEl>
-                                              <p:pRg st="10" end="10"/>
+                                              <p:pRg st="0" end="0"/>
                                             </p:txEl>
                                           </p:spTgt>
                                         </p:tgtEl>
@@ -9316,26 +8187,8 @@
                                   </p:childTnLst>
                                 </p:cTn>
                               </p:par>
-                            </p:childTnLst>
-                          </p:cTn>
-                        </p:par>
-                      </p:childTnLst>
-                    </p:cTn>
-                  </p:par>
-                  <p:par>
-                    <p:cTn id="33" fill="hold">
-                      <p:stCondLst>
-                        <p:cond delay="indefinite"/>
-                      </p:stCondLst>
-                      <p:childTnLst>
-                        <p:par>
-                          <p:cTn id="34" fill="hold">
-                            <p:stCondLst>
-                              <p:cond delay="0"/>
-                            </p:stCondLst>
-                            <p:childTnLst>
                               <p:par>
-                                <p:cTn id="35" presetID="1" presetClass="entr" presetSubtype="0" fill="hold" grpId="0" nodeType="clickEffect">
+                                <p:cTn id="35" presetID="1" presetClass="entr" presetSubtype="0" fill="hold" grpId="0" nodeType="withEffect">
                                   <p:stCondLst>
                                     <p:cond delay="0"/>
                                   </p:stCondLst>
@@ -9350,7 +8203,7 @@
                                         <p:tgtEl>
                                           <p:spTgt spid="252933">
                                             <p:txEl>
-                                              <p:pRg st="0" end="0"/>
+                                              <p:pRg st="1" end="1"/>
                                             </p:txEl>
                                           </p:spTgt>
                                         </p:tgtEl>
@@ -9381,37 +8234,6 @@
                                         <p:tgtEl>
                                           <p:spTgt spid="252933">
                                             <p:txEl>
-                                              <p:pRg st="1" end="1"/>
-                                            </p:txEl>
-                                          </p:spTgt>
-                                        </p:tgtEl>
-                                        <p:attrNameLst>
-                                          <p:attrName>style.visibility</p:attrName>
-                                        </p:attrNameLst>
-                                      </p:cBhvr>
-                                      <p:to>
-                                        <p:strVal val="visible"/>
-                                      </p:to>
-                                    </p:set>
-                                  </p:childTnLst>
-                                </p:cTn>
-                              </p:par>
-                              <p:par>
-                                <p:cTn id="39" presetID="1" presetClass="entr" presetSubtype="0" fill="hold" grpId="0" nodeType="withEffect">
-                                  <p:stCondLst>
-                                    <p:cond delay="0"/>
-                                  </p:stCondLst>
-                                  <p:childTnLst>
-                                    <p:set>
-                                      <p:cBhvr>
-                                        <p:cTn id="40" dur="1" fill="hold">
-                                          <p:stCondLst>
-                                            <p:cond delay="0"/>
-                                          </p:stCondLst>
-                                        </p:cTn>
-                                        <p:tgtEl>
-                                          <p:spTgt spid="252933">
-                                            <p:txEl>
                                               <p:pRg st="2" end="2"/>
                                             </p:txEl>
                                           </p:spTgt>
@@ -9434,19 +8256,50 @@
                     </p:cTn>
                   </p:par>
                   <p:par>
-                    <p:cTn id="41" fill="hold">
+                    <p:cTn id="39" fill="hold">
                       <p:stCondLst>
                         <p:cond delay="indefinite"/>
                       </p:stCondLst>
                       <p:childTnLst>
                         <p:par>
-                          <p:cTn id="42" fill="hold">
+                          <p:cTn id="40" fill="hold">
                             <p:stCondLst>
                               <p:cond delay="0"/>
                             </p:stCondLst>
                             <p:childTnLst>
                               <p:par>
-                                <p:cTn id="43" presetID="1" presetClass="entr" presetSubtype="0" fill="hold" grpId="0" nodeType="clickEffect">
+                                <p:cTn id="41" presetID="1" presetClass="entr" presetSubtype="0" fill="hold" grpId="0" nodeType="clickEffect">
+                                  <p:stCondLst>
+                                    <p:cond delay="0"/>
+                                  </p:stCondLst>
+                                  <p:childTnLst>
+                                    <p:set>
+                                      <p:cBhvr>
+                                        <p:cTn id="42" dur="1" fill="hold">
+                                          <p:stCondLst>
+                                            <p:cond delay="0"/>
+                                          </p:stCondLst>
+                                        </p:cTn>
+                                        <p:tgtEl>
+                                          <p:spTgt spid="252933">
+                                            <p:txEl>
+                                              <p:pRg st="3" end="3"/>
+                                            </p:txEl>
+                                          </p:spTgt>
+                                        </p:tgtEl>
+                                        <p:attrNameLst>
+                                          <p:attrName>style.visibility</p:attrName>
+                                        </p:attrNameLst>
+                                      </p:cBhvr>
+                                      <p:to>
+                                        <p:strVal val="visible"/>
+                                      </p:to>
+                                    </p:set>
+                                  </p:childTnLst>
+                                </p:cTn>
+                              </p:par>
+                              <p:par>
+                                <p:cTn id="43" presetID="1" presetClass="entr" presetSubtype="0" fill="hold" grpId="0" nodeType="withEffect">
                                   <p:stCondLst>
                                     <p:cond delay="0"/>
                                   </p:stCondLst>
@@ -9461,7 +8314,7 @@
                                         <p:tgtEl>
                                           <p:spTgt spid="252933">
                                             <p:txEl>
-                                              <p:pRg st="3" end="3"/>
+                                              <p:pRg st="4" end="4"/>
                                             </p:txEl>
                                           </p:spTgt>
                                         </p:tgtEl>
@@ -9492,37 +8345,6 @@
                                         <p:tgtEl>
                                           <p:spTgt spid="252933">
                                             <p:txEl>
-                                              <p:pRg st="4" end="4"/>
-                                            </p:txEl>
-                                          </p:spTgt>
-                                        </p:tgtEl>
-                                        <p:attrNameLst>
-                                          <p:attrName>style.visibility</p:attrName>
-                                        </p:attrNameLst>
-                                      </p:cBhvr>
-                                      <p:to>
-                                        <p:strVal val="visible"/>
-                                      </p:to>
-                                    </p:set>
-                                  </p:childTnLst>
-                                </p:cTn>
-                              </p:par>
-                              <p:par>
-                                <p:cTn id="47" presetID="1" presetClass="entr" presetSubtype="0" fill="hold" grpId="0" nodeType="withEffect">
-                                  <p:stCondLst>
-                                    <p:cond delay="0"/>
-                                  </p:stCondLst>
-                                  <p:childTnLst>
-                                    <p:set>
-                                      <p:cBhvr>
-                                        <p:cTn id="48" dur="1" fill="hold">
-                                          <p:stCondLst>
-                                            <p:cond delay="0"/>
-                                          </p:stCondLst>
-                                        </p:cTn>
-                                        <p:tgtEl>
-                                          <p:spTgt spid="252933">
-                                            <p:txEl>
                                               <p:pRg st="5" end="5"/>
                                             </p:txEl>
                                           </p:spTgt>
@@ -9545,26 +8367,26 @@
                     </p:cTn>
                   </p:par>
                   <p:par>
-                    <p:cTn id="49" fill="hold">
+                    <p:cTn id="47" fill="hold">
                       <p:stCondLst>
                         <p:cond delay="indefinite"/>
                       </p:stCondLst>
                       <p:childTnLst>
                         <p:par>
-                          <p:cTn id="50" fill="hold">
+                          <p:cTn id="48" fill="hold">
                             <p:stCondLst>
                               <p:cond delay="0"/>
                             </p:stCondLst>
                             <p:childTnLst>
                               <p:par>
-                                <p:cTn id="51" presetID="1" presetClass="entr" presetSubtype="0" fill="hold" grpId="0" nodeType="clickEffect">
+                                <p:cTn id="49" presetID="1" presetClass="entr" presetSubtype="0" fill="hold" grpId="0" nodeType="clickEffect">
                                   <p:stCondLst>
                                     <p:cond delay="0"/>
                                   </p:stCondLst>
                                   <p:childTnLst>
                                     <p:set>
                                       <p:cBhvr>
-                                        <p:cTn id="52" dur="1" fill="hold">
+                                        <p:cTn id="50" dur="1" fill="hold">
                                           <p:stCondLst>
                                             <p:cond delay="0"/>
                                           </p:stCondLst>
@@ -9588,14 +8410,14 @@
                                 </p:cTn>
                               </p:par>
                               <p:par>
-                                <p:cTn id="53" presetID="1" presetClass="entr" presetSubtype="0" fill="hold" grpId="0" nodeType="withEffect">
+                                <p:cTn id="51" presetID="1" presetClass="entr" presetSubtype="0" fill="hold" grpId="0" nodeType="withEffect">
                                   <p:stCondLst>
                                     <p:cond delay="0"/>
                                   </p:stCondLst>
                                   <p:childTnLst>
                                     <p:set>
                                       <p:cBhvr>
-                                        <p:cTn id="54" dur="1" fill="hold">
+                                        <p:cTn id="52" dur="1" fill="hold">
                                           <p:stCondLst>
                                             <p:cond delay="0"/>
                                           </p:stCondLst>
@@ -9619,14 +8441,14 @@
                                 </p:cTn>
                               </p:par>
                               <p:par>
-                                <p:cTn id="55" presetID="1" presetClass="entr" presetSubtype="0" fill="hold" grpId="0" nodeType="withEffect">
+                                <p:cTn id="53" presetID="1" presetClass="entr" presetSubtype="0" fill="hold" grpId="0" nodeType="withEffect">
                                   <p:stCondLst>
                                     <p:cond delay="0"/>
                                   </p:stCondLst>
                                   <p:childTnLst>
                                     <p:set>
                                       <p:cBhvr>
-                                        <p:cTn id="56" dur="1" fill="hold">
+                                        <p:cTn id="54" dur="1" fill="hold">
                                           <p:stCondLst>
                                             <p:cond delay="0"/>
                                           </p:stCondLst>
@@ -9703,12 +8525,12 @@
       </p:grpSpPr>
       <p:sp>
         <p:nvSpPr>
-          <p:cNvPr id="26626" name="Date Placeholder 3"/>
+          <p:cNvPr id="26627" name="Footer Placeholder 4"/>
           <p:cNvSpPr>
             <a:spLocks noGrp="1"/>
           </p:cNvSpPr>
           <p:nvPr>
-            <p:ph type="dt" sz="quarter" idx="10"/>
+            <p:ph type="ftr" sz="quarter" idx="11"/>
           </p:nvPr>
         </p:nvSpPr>
         <p:spPr>
@@ -9718,79 +8540,28 @@
           <a:bodyPr/>
           <a:lstStyle/>
           <a:p>
-            <a:fld id="{A61BD88A-38EF-457F-899F-31691F1004EC}" type="datetime1">
-              <a:rPr lang="fi-FI" smtClean="0"/>
-              <a:t>1.9.2016</a:t>
-            </a:fld>
-            <a:endParaRPr lang="en-US" smtClean="0"/>
-          </a:p>
-        </p:txBody>
-      </p:sp>
-      <p:sp>
-        <p:nvSpPr>
-          <p:cNvPr id="26627" name="Footer Placeholder 4"/>
-          <p:cNvSpPr>
-            <a:spLocks noGrp="1"/>
-          </p:cNvSpPr>
-          <p:nvPr>
-            <p:ph type="ftr" sz="quarter" idx="11"/>
-          </p:nvPr>
-        </p:nvSpPr>
-        <p:spPr>
-          <a:noFill/>
-        </p:spPr>
+            <a:r>
+              <a:rPr lang="en-US" dirty="0" smtClean="0"/>
+              <a:t>Laurea  |  Mika Stenberg</a:t>
+            </a:r>
+          </a:p>
+        </p:txBody>
+      </p:sp>
+      <p:sp>
+        <p:nvSpPr>
+          <p:cNvPr id="26629" name="Rectangle 2"/>
+          <p:cNvSpPr>
+            <a:spLocks noGrp="1" noChangeArrowheads="1"/>
+          </p:cNvSpPr>
+          <p:nvPr>
+            <p:ph type="title"/>
+          </p:nvPr>
+        </p:nvSpPr>
+        <p:spPr/>
         <p:txBody>
           <a:bodyPr/>
           <a:lstStyle/>
           <a:p>
-            <a:r>
-              <a:rPr lang="en-US" dirty="0" smtClean="0"/>
-              <a:t>Laurea  |  Mika Stenberg</a:t>
-            </a:r>
-          </a:p>
-        </p:txBody>
-      </p:sp>
-      <p:sp>
-        <p:nvSpPr>
-          <p:cNvPr id="26628" name="Slide Number Placeholder 5"/>
-          <p:cNvSpPr>
-            <a:spLocks noGrp="1"/>
-          </p:cNvSpPr>
-          <p:nvPr>
-            <p:ph type="sldNum" sz="quarter" idx="12"/>
-          </p:nvPr>
-        </p:nvSpPr>
-        <p:spPr>
-          <a:noFill/>
-        </p:spPr>
-        <p:txBody>
-          <a:bodyPr/>
-          <a:lstStyle/>
-          <a:p>
-            <a:fld id="{8598013F-DFA8-410D-A492-5A526CC57A4B}" type="slidenum">
-              <a:rPr lang="en-US" smtClean="0"/>
-              <a:pPr/>
-              <a:t>18</a:t>
-            </a:fld>
-            <a:endParaRPr lang="en-US" smtClean="0"/>
-          </a:p>
-        </p:txBody>
-      </p:sp>
-      <p:sp>
-        <p:nvSpPr>
-          <p:cNvPr id="26629" name="Rectangle 2"/>
-          <p:cNvSpPr>
-            <a:spLocks noGrp="1" noChangeArrowheads="1"/>
-          </p:cNvSpPr>
-          <p:nvPr>
-            <p:ph type="title"/>
-          </p:nvPr>
-        </p:nvSpPr>
-        <p:spPr/>
-        <p:txBody>
-          <a:bodyPr/>
-          <a:lstStyle/>
-          <a:p>
             <a:pPr eaLnBrk="1" hangingPunct="1"/>
             <a:r>
               <a:rPr lang="fi-FI" smtClean="0"/>
@@ -9810,7 +8581,12 @@
             <p:ph type="body" idx="1"/>
           </p:nvPr>
         </p:nvSpPr>
-        <p:spPr/>
+        <p:spPr>
+          <a:xfrm>
+            <a:off x="457200" y="1600201"/>
+            <a:ext cx="8229600" cy="4114800"/>
+          </a:xfrm>
+        </p:spPr>
         <p:txBody>
           <a:bodyPr/>
           <a:lstStyle/>
@@ -9866,7 +8642,11 @@
             </a:pPr>
             <a:r>
               <a:rPr lang="fi-FI" dirty="0" smtClean="0"/>
-              <a:t>Ohjelmointikielillä voidaan siis määrätä kone tekemään jotain helposti</a:t>
+              <a:t>Ohjelmointikielillä voidaan siis määrätä kone tekemään </a:t>
+            </a:r>
+            <a:r>
+              <a:rPr lang="fi-FI" dirty="0" smtClean="0"/>
+              <a:t>jotain</a:t>
             </a:r>
             <a:endParaRPr lang="en-US" dirty="0" smtClean="0"/>
           </a:p>
@@ -9906,12 +8686,12 @@
       </p:grpSpPr>
       <p:sp>
         <p:nvSpPr>
-          <p:cNvPr id="27650" name="Date Placeholder 4"/>
+          <p:cNvPr id="27651" name="Footer Placeholder 5"/>
           <p:cNvSpPr>
             <a:spLocks noGrp="1"/>
           </p:cNvSpPr>
           <p:nvPr>
-            <p:ph type="dt" sz="quarter" idx="10"/>
+            <p:ph type="ftr" sz="quarter" idx="11"/>
           </p:nvPr>
         </p:nvSpPr>
         <p:spPr>
@@ -9921,72 +8701,122 @@
           <a:bodyPr/>
           <a:lstStyle/>
           <a:p>
-            <a:fld id="{33B17173-6556-4348-994B-CE08AF79596A}" type="datetime1">
-              <a:rPr lang="fi-FI" smtClean="0"/>
-              <a:t>1.9.2016</a:t>
-            </a:fld>
-            <a:endParaRPr lang="en-US" smtClean="0"/>
-          </a:p>
-        </p:txBody>
-      </p:sp>
-      <p:sp>
-        <p:nvSpPr>
-          <p:cNvPr id="27651" name="Footer Placeholder 5"/>
-          <p:cNvSpPr>
-            <a:spLocks noGrp="1"/>
-          </p:cNvSpPr>
-          <p:nvPr>
-            <p:ph type="ftr" sz="quarter" idx="11"/>
-          </p:nvPr>
-        </p:nvSpPr>
-        <p:spPr>
-          <a:noFill/>
-        </p:spPr>
+            <a:r>
+              <a:rPr lang="en-US" smtClean="0"/>
+              <a:t>Laurea  |  Mika Stenberg</a:t>
+            </a:r>
+          </a:p>
+        </p:txBody>
+      </p:sp>
+      <p:sp>
+        <p:nvSpPr>
+          <p:cNvPr id="27653" name="Rectangle 2"/>
+          <p:cNvSpPr>
+            <a:spLocks noGrp="1" noChangeArrowheads="1"/>
+          </p:cNvSpPr>
+          <p:nvPr>
+            <p:ph type="title"/>
+          </p:nvPr>
+        </p:nvSpPr>
+        <p:spPr/>
         <p:txBody>
           <a:bodyPr/>
           <a:lstStyle/>
           <a:p>
-            <a:r>
-              <a:rPr lang="en-US" smtClean="0"/>
-              <a:t>Laurea  |  Mika Stenberg</a:t>
-            </a:r>
-          </a:p>
-        </p:txBody>
-      </p:sp>
-      <p:sp>
-        <p:nvSpPr>
-          <p:cNvPr id="27652" name="Slide Number Placeholder 6"/>
-          <p:cNvSpPr>
-            <a:spLocks noGrp="1"/>
-          </p:cNvSpPr>
-          <p:nvPr>
-            <p:ph type="sldNum" sz="quarter" idx="12"/>
-          </p:nvPr>
-        </p:nvSpPr>
-        <p:spPr>
-          <a:noFill/>
-        </p:spPr>
+            <a:pPr eaLnBrk="1" hangingPunct="1"/>
+            <a:r>
+              <a:rPr lang="fi-FI" smtClean="0"/>
+              <a:t>Erilaisia ohjelmointikieliä</a:t>
+            </a:r>
+            <a:endParaRPr lang="en-US" smtClean="0"/>
+          </a:p>
+        </p:txBody>
+      </p:sp>
+      <p:sp>
+        <p:nvSpPr>
+          <p:cNvPr id="27654" name="Rectangle 3"/>
+          <p:cNvSpPr>
+            <a:spLocks noGrp="1" noChangeArrowheads="1"/>
+          </p:cNvSpPr>
+          <p:nvPr>
+            <p:ph type="body" sz="half" idx="1"/>
+          </p:nvPr>
+        </p:nvSpPr>
+        <p:spPr/>
         <p:txBody>
           <a:bodyPr/>
           <a:lstStyle/>
           <a:p>
-            <a:fld id="{FB5F3666-8296-45E2-8B89-7553E336D312}" type="slidenum">
-              <a:rPr lang="en-US" smtClean="0"/>
-              <a:pPr/>
-              <a:t>19</a:t>
-            </a:fld>
-            <a:endParaRPr lang="en-US" smtClean="0"/>
-          </a:p>
-        </p:txBody>
-      </p:sp>
-      <p:sp>
-        <p:nvSpPr>
-          <p:cNvPr id="27653" name="Rectangle 2"/>
+            <a:pPr eaLnBrk="1" hangingPunct="1"/>
+            <a:r>
+              <a:rPr lang="fi-FI" sz="2400" smtClean="0"/>
+              <a:t>Java</a:t>
+            </a:r>
+          </a:p>
+          <a:p>
+            <a:pPr eaLnBrk="1" hangingPunct="1"/>
+            <a:r>
+              <a:rPr lang="fi-FI" sz="2400" smtClean="0"/>
+              <a:t>PHP</a:t>
+            </a:r>
+          </a:p>
+          <a:p>
+            <a:pPr eaLnBrk="1" hangingPunct="1"/>
+            <a:r>
+              <a:rPr lang="fi-FI" sz="2400" smtClean="0"/>
+              <a:t>Perl</a:t>
+            </a:r>
+          </a:p>
+          <a:p>
+            <a:pPr eaLnBrk="1" hangingPunct="1"/>
+            <a:r>
+              <a:rPr lang="fi-FI" sz="2400" smtClean="0"/>
+              <a:t>C</a:t>
+            </a:r>
+          </a:p>
+          <a:p>
+            <a:pPr eaLnBrk="1" hangingPunct="1"/>
+            <a:r>
+              <a:rPr lang="fi-FI" sz="2400" smtClean="0"/>
+              <a:t>C++</a:t>
+            </a:r>
+          </a:p>
+          <a:p>
+            <a:pPr eaLnBrk="1" hangingPunct="1"/>
+            <a:r>
+              <a:rPr lang="fi-FI" sz="2400" smtClean="0"/>
+              <a:t>C#</a:t>
+            </a:r>
+          </a:p>
+          <a:p>
+            <a:pPr eaLnBrk="1" hangingPunct="1"/>
+            <a:r>
+              <a:rPr lang="fi-FI" sz="2400" smtClean="0"/>
+              <a:t>Delphi</a:t>
+            </a:r>
+          </a:p>
+          <a:p>
+            <a:pPr eaLnBrk="1" hangingPunct="1"/>
+            <a:r>
+              <a:rPr lang="fi-FI" sz="2400" smtClean="0"/>
+              <a:t>assembly</a:t>
+            </a:r>
+            <a:endParaRPr lang="en-US" sz="2400" smtClean="0"/>
+          </a:p>
+          <a:p>
+            <a:pPr eaLnBrk="1" hangingPunct="1"/>
+            <a:endParaRPr lang="fi-FI" sz="2400" smtClean="0"/>
+          </a:p>
+        </p:txBody>
+      </p:sp>
+      <p:sp>
+        <p:nvSpPr>
+          <p:cNvPr id="27655" name="Rectangle 4"/>
           <p:cNvSpPr>
             <a:spLocks noGrp="1" noChangeArrowheads="1"/>
           </p:cNvSpPr>
           <p:nvPr>
-            <p:ph type="title"/>
+            <p:ph type="body" sz="half" idx="2"/>
           </p:nvPr>
         </p:nvSpPr>
         <p:spPr/>
@@ -9996,160 +8826,54 @@
           <a:p>
             <a:pPr eaLnBrk="1" hangingPunct="1"/>
             <a:r>
-              <a:rPr lang="fi-FI" smtClean="0"/>
-              <a:t>Erilaisia ohjelmointikieliä</a:t>
-            </a:r>
-            <a:endParaRPr lang="en-US" smtClean="0"/>
-          </a:p>
-        </p:txBody>
-      </p:sp>
-      <p:sp>
-        <p:nvSpPr>
-          <p:cNvPr id="27654" name="Rectangle 3"/>
-          <p:cNvSpPr>
-            <a:spLocks noGrp="1" noChangeArrowheads="1"/>
-          </p:cNvSpPr>
-          <p:nvPr>
-            <p:ph type="body" sz="half" idx="1"/>
-          </p:nvPr>
-        </p:nvSpPr>
-        <p:spPr/>
-        <p:txBody>
-          <a:bodyPr/>
-          <a:lstStyle/>
+              <a:rPr lang="fi-FI" sz="2400" dirty="0" smtClean="0"/>
+              <a:t>Lisp</a:t>
+            </a:r>
+          </a:p>
           <a:p>
             <a:pPr eaLnBrk="1" hangingPunct="1"/>
             <a:r>
-              <a:rPr lang="fi-FI" sz="2400" smtClean="0"/>
-              <a:t>Java</a:t>
+              <a:rPr lang="fi-FI" sz="2400" dirty="0" smtClean="0"/>
+              <a:t>Visual Basic</a:t>
             </a:r>
           </a:p>
           <a:p>
             <a:pPr eaLnBrk="1" hangingPunct="1"/>
             <a:r>
-              <a:rPr lang="fi-FI" sz="2400" smtClean="0"/>
-              <a:t>PHP</a:t>
+              <a:rPr lang="fi-FI" sz="2400" dirty="0" smtClean="0"/>
+              <a:t>Python</a:t>
             </a:r>
           </a:p>
           <a:p>
             <a:pPr eaLnBrk="1" hangingPunct="1"/>
             <a:r>
-              <a:rPr lang="fi-FI" sz="2400" smtClean="0"/>
-              <a:t>Perl</a:t>
-            </a:r>
+              <a:rPr lang="fi-FI" sz="2400" dirty="0" err="1" smtClean="0"/>
+              <a:t>Ruby</a:t>
+            </a:r>
+            <a:endParaRPr lang="fi-FI" sz="2400" dirty="0" smtClean="0"/>
           </a:p>
           <a:p>
             <a:pPr eaLnBrk="1" hangingPunct="1"/>
             <a:r>
-              <a:rPr lang="fi-FI" sz="2400" smtClean="0"/>
-              <a:t>C</a:t>
+              <a:rPr lang="fi-FI" sz="2400" dirty="0" smtClean="0"/>
+              <a:t>JavaScript</a:t>
             </a:r>
           </a:p>
           <a:p>
             <a:pPr eaLnBrk="1" hangingPunct="1"/>
             <a:r>
-              <a:rPr lang="fi-FI" sz="2400" smtClean="0"/>
-              <a:t>C++</a:t>
-            </a:r>
+              <a:rPr lang="fi-FI" sz="2400" dirty="0" smtClean="0"/>
+              <a:t>BASIC</a:t>
+            </a:r>
+            <a:endParaRPr lang="fi-FI" sz="2400" dirty="0" smtClean="0"/>
           </a:p>
           <a:p>
             <a:pPr eaLnBrk="1" hangingPunct="1"/>
             <a:r>
-              <a:rPr lang="fi-FI" sz="2400" smtClean="0"/>
-              <a:t>C#</a:t>
-            </a:r>
-          </a:p>
-          <a:p>
-            <a:pPr eaLnBrk="1" hangingPunct="1"/>
-            <a:r>
-              <a:rPr lang="fi-FI" sz="2400" smtClean="0"/>
-              <a:t>Delphi</a:t>
-            </a:r>
-          </a:p>
-          <a:p>
-            <a:pPr eaLnBrk="1" hangingPunct="1"/>
-            <a:r>
-              <a:rPr lang="fi-FI" sz="2400" smtClean="0"/>
-              <a:t>assembly</a:t>
-            </a:r>
-            <a:endParaRPr lang="en-US" sz="2400" smtClean="0"/>
-          </a:p>
-          <a:p>
-            <a:pPr eaLnBrk="1" hangingPunct="1"/>
-            <a:endParaRPr lang="fi-FI" sz="2400" smtClean="0"/>
-          </a:p>
-        </p:txBody>
-      </p:sp>
-      <p:sp>
-        <p:nvSpPr>
-          <p:cNvPr id="27655" name="Rectangle 4"/>
-          <p:cNvSpPr>
-            <a:spLocks noGrp="1" noChangeArrowheads="1"/>
-          </p:cNvSpPr>
-          <p:nvPr>
-            <p:ph type="body" sz="half" idx="2"/>
-          </p:nvPr>
-        </p:nvSpPr>
-        <p:spPr/>
-        <p:txBody>
-          <a:bodyPr/>
-          <a:lstStyle/>
-          <a:p>
-            <a:pPr eaLnBrk="1" hangingPunct="1"/>
-            <a:r>
-              <a:rPr lang="fi-FI" sz="2400" smtClean="0"/>
-              <a:t>Lisp</a:t>
-            </a:r>
-          </a:p>
-          <a:p>
-            <a:pPr eaLnBrk="1" hangingPunct="1"/>
-            <a:r>
-              <a:rPr lang="fi-FI" sz="2400" smtClean="0"/>
-              <a:t>Visual Basic</a:t>
-            </a:r>
-          </a:p>
-          <a:p>
-            <a:pPr eaLnBrk="1" hangingPunct="1"/>
-            <a:r>
-              <a:rPr lang="fi-FI" sz="2400" smtClean="0"/>
-              <a:t>Python</a:t>
-            </a:r>
-          </a:p>
-          <a:p>
-            <a:pPr eaLnBrk="1" hangingPunct="1"/>
-            <a:r>
-              <a:rPr lang="fi-FI" sz="2400" smtClean="0"/>
-              <a:t>Ruby</a:t>
-            </a:r>
-          </a:p>
-          <a:p>
-            <a:pPr eaLnBrk="1" hangingPunct="1"/>
-            <a:r>
-              <a:rPr lang="fi-FI" sz="2400" smtClean="0"/>
-              <a:t>JavaScript</a:t>
-            </a:r>
-          </a:p>
-          <a:p>
-            <a:pPr eaLnBrk="1" hangingPunct="1"/>
-            <a:r>
-              <a:rPr lang="fi-FI" sz="2400" smtClean="0"/>
-              <a:t>BASIC</a:t>
-            </a:r>
-          </a:p>
-          <a:p>
-            <a:pPr eaLnBrk="1" hangingPunct="1"/>
-            <a:r>
-              <a:rPr lang="fi-FI" sz="2400" smtClean="0"/>
-              <a:t>Ruby</a:t>
-            </a:r>
-          </a:p>
-          <a:p>
-            <a:pPr eaLnBrk="1" hangingPunct="1"/>
-            <a:r>
-              <a:rPr lang="fi-FI" sz="2400" smtClean="0"/>
+              <a:rPr lang="fi-FI" sz="2400" dirty="0" smtClean="0"/>
               <a:t>COBOL</a:t>
             </a:r>
-            <a:endParaRPr lang="en-US" sz="2400" smtClean="0"/>
+            <a:endParaRPr lang="en-US" sz="2400" dirty="0" smtClean="0"/>
           </a:p>
         </p:txBody>
       </p:sp>
@@ -10187,57 +8911,6 @@
       </p:grpSpPr>
       <p:sp>
         <p:nvSpPr>
-          <p:cNvPr id="6146" name="Date Placeholder 3"/>
-          <p:cNvSpPr>
-            <a:spLocks noGrp="1"/>
-          </p:cNvSpPr>
-          <p:nvPr>
-            <p:ph type="dt" sz="quarter" idx="10"/>
-          </p:nvPr>
-        </p:nvSpPr>
-        <p:spPr>
-          <a:noFill/>
-        </p:spPr>
-        <p:txBody>
-          <a:bodyPr/>
-          <a:lstStyle/>
-          <a:p>
-            <a:fld id="{AF1C84B2-971B-421D-9860-EA6B197BE5A7}" type="datetime1">
-              <a:rPr lang="fi-FI" smtClean="0"/>
-              <a:t>1.9.2016</a:t>
-            </a:fld>
-            <a:endParaRPr lang="en-US" smtClean="0"/>
-          </a:p>
-        </p:txBody>
-      </p:sp>
-      <p:sp>
-        <p:nvSpPr>
-          <p:cNvPr id="6148" name="Slide Number Placeholder 5"/>
-          <p:cNvSpPr>
-            <a:spLocks noGrp="1"/>
-          </p:cNvSpPr>
-          <p:nvPr>
-            <p:ph type="sldNum" sz="quarter" idx="12"/>
-          </p:nvPr>
-        </p:nvSpPr>
-        <p:spPr>
-          <a:noFill/>
-        </p:spPr>
-        <p:txBody>
-          <a:bodyPr/>
-          <a:lstStyle/>
-          <a:p>
-            <a:fld id="{B7A0A9BC-D504-4AB7-A6BD-F5F896780FE4}" type="slidenum">
-              <a:rPr lang="en-US" smtClean="0"/>
-              <a:pPr/>
-              <a:t>2</a:t>
-            </a:fld>
-            <a:endParaRPr lang="en-US" smtClean="0"/>
-          </a:p>
-        </p:txBody>
-      </p:sp>
-      <p:sp>
-        <p:nvSpPr>
           <p:cNvPr id="6149" name="Rectangle 2"/>
           <p:cNvSpPr>
             <a:spLocks noGrp="1" noChangeArrowheads="1"/>
@@ -10419,12 +9092,12 @@
       </p:grpSpPr>
       <p:sp>
         <p:nvSpPr>
-          <p:cNvPr id="28674" name="Date Placeholder 4"/>
+          <p:cNvPr id="28675" name="Footer Placeholder 5"/>
           <p:cNvSpPr>
             <a:spLocks noGrp="1"/>
           </p:cNvSpPr>
           <p:nvPr>
-            <p:ph type="dt" sz="quarter" idx="10"/>
+            <p:ph type="ftr" sz="quarter" idx="11"/>
           </p:nvPr>
         </p:nvSpPr>
         <p:spPr>
@@ -10434,61 +9107,10 @@
           <a:bodyPr/>
           <a:lstStyle/>
           <a:p>
-            <a:fld id="{9B180F2B-5169-410F-9945-F1FF9218995F}" type="datetime1">
-              <a:rPr lang="fi-FI" smtClean="0"/>
-              <a:t>1.9.2016</a:t>
-            </a:fld>
-            <a:endParaRPr lang="en-US" smtClean="0"/>
-          </a:p>
-        </p:txBody>
-      </p:sp>
-      <p:sp>
-        <p:nvSpPr>
-          <p:cNvPr id="28675" name="Footer Placeholder 5"/>
-          <p:cNvSpPr>
-            <a:spLocks noGrp="1"/>
-          </p:cNvSpPr>
-          <p:nvPr>
-            <p:ph type="ftr" sz="quarter" idx="11"/>
-          </p:nvPr>
-        </p:nvSpPr>
-        <p:spPr>
-          <a:noFill/>
-        </p:spPr>
-        <p:txBody>
-          <a:bodyPr/>
-          <a:lstStyle/>
-          <a:p>
             <a:r>
               <a:rPr lang="en-US" smtClean="0"/>
               <a:t>Laurea  |  Mika Stenberg</a:t>
             </a:r>
-          </a:p>
-        </p:txBody>
-      </p:sp>
-      <p:sp>
-        <p:nvSpPr>
-          <p:cNvPr id="28676" name="Slide Number Placeholder 6"/>
-          <p:cNvSpPr>
-            <a:spLocks noGrp="1"/>
-          </p:cNvSpPr>
-          <p:nvPr>
-            <p:ph type="sldNum" sz="quarter" idx="12"/>
-          </p:nvPr>
-        </p:nvSpPr>
-        <p:spPr>
-          <a:noFill/>
-        </p:spPr>
-        <p:txBody>
-          <a:bodyPr/>
-          <a:lstStyle/>
-          <a:p>
-            <a:fld id="{F234D85E-69DA-4350-9915-CA4E4CB7269B}" type="slidenum">
-              <a:rPr lang="en-US" smtClean="0"/>
-              <a:pPr/>
-              <a:t>20</a:t>
-            </a:fld>
-            <a:endParaRPr lang="en-US" smtClean="0"/>
           </a:p>
         </p:txBody>
       </p:sp>
@@ -10663,12 +9285,12 @@
       </p:grpSpPr>
       <p:sp>
         <p:nvSpPr>
-          <p:cNvPr id="29698" name="Date Placeholder 3"/>
+          <p:cNvPr id="29699" name="Footer Placeholder 4"/>
           <p:cNvSpPr>
             <a:spLocks noGrp="1"/>
           </p:cNvSpPr>
           <p:nvPr>
-            <p:ph type="dt" sz="quarter" idx="10"/>
+            <p:ph type="ftr" sz="quarter" idx="11"/>
           </p:nvPr>
         </p:nvSpPr>
         <p:spPr>
@@ -10678,61 +9300,10 @@
           <a:bodyPr/>
           <a:lstStyle/>
           <a:p>
-            <a:fld id="{668FBA76-4D57-4F49-AF93-4DD967672804}" type="datetime1">
-              <a:rPr lang="fi-FI" smtClean="0"/>
-              <a:t>1.9.2016</a:t>
-            </a:fld>
-            <a:endParaRPr lang="en-US" smtClean="0"/>
-          </a:p>
-        </p:txBody>
-      </p:sp>
-      <p:sp>
-        <p:nvSpPr>
-          <p:cNvPr id="29699" name="Footer Placeholder 4"/>
-          <p:cNvSpPr>
-            <a:spLocks noGrp="1"/>
-          </p:cNvSpPr>
-          <p:nvPr>
-            <p:ph type="ftr" sz="quarter" idx="11"/>
-          </p:nvPr>
-        </p:nvSpPr>
-        <p:spPr>
-          <a:noFill/>
-        </p:spPr>
-        <p:txBody>
-          <a:bodyPr/>
-          <a:lstStyle/>
-          <a:p>
             <a:r>
               <a:rPr lang="en-US" smtClean="0"/>
               <a:t>Laurea  |  Mika Stenberg</a:t>
             </a:r>
-          </a:p>
-        </p:txBody>
-      </p:sp>
-      <p:sp>
-        <p:nvSpPr>
-          <p:cNvPr id="29700" name="Slide Number Placeholder 5"/>
-          <p:cNvSpPr>
-            <a:spLocks noGrp="1"/>
-          </p:cNvSpPr>
-          <p:nvPr>
-            <p:ph type="sldNum" sz="quarter" idx="12"/>
-          </p:nvPr>
-        </p:nvSpPr>
-        <p:spPr>
-          <a:noFill/>
-        </p:spPr>
-        <p:txBody>
-          <a:bodyPr/>
-          <a:lstStyle/>
-          <a:p>
-            <a:fld id="{CA2A7E30-25EC-4A9B-BEF5-35071D2B4D16}" type="slidenum">
-              <a:rPr lang="en-US" smtClean="0"/>
-              <a:pPr/>
-              <a:t>21</a:t>
-            </a:fld>
-            <a:endParaRPr lang="en-US" smtClean="0"/>
           </a:p>
         </p:txBody>
       </p:sp>
@@ -11078,12 +9649,12 @@
       </p:grpSpPr>
       <p:sp>
         <p:nvSpPr>
-          <p:cNvPr id="30722" name="Date Placeholder 3"/>
+          <p:cNvPr id="30723" name="Footer Placeholder 4"/>
           <p:cNvSpPr>
             <a:spLocks noGrp="1"/>
           </p:cNvSpPr>
           <p:nvPr>
-            <p:ph type="dt" sz="quarter" idx="10"/>
+            <p:ph type="ftr" sz="quarter" idx="11"/>
           </p:nvPr>
         </p:nvSpPr>
         <p:spPr>
@@ -11093,61 +9664,10 @@
           <a:bodyPr/>
           <a:lstStyle/>
           <a:p>
-            <a:fld id="{9F204D6E-EF62-42F8-8916-77E51B871069}" type="datetime1">
-              <a:rPr lang="fi-FI" smtClean="0"/>
-              <a:t>1.9.2016</a:t>
-            </a:fld>
-            <a:endParaRPr lang="en-US" smtClean="0"/>
-          </a:p>
-        </p:txBody>
-      </p:sp>
-      <p:sp>
-        <p:nvSpPr>
-          <p:cNvPr id="30723" name="Footer Placeholder 4"/>
-          <p:cNvSpPr>
-            <a:spLocks noGrp="1"/>
-          </p:cNvSpPr>
-          <p:nvPr>
-            <p:ph type="ftr" sz="quarter" idx="11"/>
-          </p:nvPr>
-        </p:nvSpPr>
-        <p:spPr>
-          <a:noFill/>
-        </p:spPr>
-        <p:txBody>
-          <a:bodyPr/>
-          <a:lstStyle/>
-          <a:p>
             <a:r>
               <a:rPr lang="en-US" smtClean="0"/>
               <a:t>Laurea  |  Mika Stenberg</a:t>
             </a:r>
-          </a:p>
-        </p:txBody>
-      </p:sp>
-      <p:sp>
-        <p:nvSpPr>
-          <p:cNvPr id="30724" name="Slide Number Placeholder 5"/>
-          <p:cNvSpPr>
-            <a:spLocks noGrp="1"/>
-          </p:cNvSpPr>
-          <p:nvPr>
-            <p:ph type="sldNum" sz="quarter" idx="12"/>
-          </p:nvPr>
-        </p:nvSpPr>
-        <p:spPr>
-          <a:noFill/>
-        </p:spPr>
-        <p:txBody>
-          <a:bodyPr/>
-          <a:lstStyle/>
-          <a:p>
-            <a:fld id="{630905C8-DC40-4E12-9716-5F6F44C9F2F1}" type="slidenum">
-              <a:rPr lang="en-US" smtClean="0"/>
-              <a:pPr/>
-              <a:t>22</a:t>
-            </a:fld>
-            <a:endParaRPr lang="en-US" smtClean="0"/>
           </a:p>
         </p:txBody>
       </p:sp>
@@ -11247,12 +9767,12 @@
       </p:grpSpPr>
       <p:sp>
         <p:nvSpPr>
-          <p:cNvPr id="31746" name="Date Placeholder 3"/>
+          <p:cNvPr id="31747" name="Footer Placeholder 4"/>
           <p:cNvSpPr>
             <a:spLocks noGrp="1"/>
           </p:cNvSpPr>
           <p:nvPr>
-            <p:ph type="dt" sz="quarter" idx="10"/>
+            <p:ph type="ftr" sz="quarter" idx="11"/>
           </p:nvPr>
         </p:nvSpPr>
         <p:spPr>
@@ -11262,61 +9782,10 @@
           <a:bodyPr/>
           <a:lstStyle/>
           <a:p>
-            <a:fld id="{F37FCB9C-E678-413F-8F15-BA963F94D8DE}" type="datetime1">
-              <a:rPr lang="fi-FI" smtClean="0"/>
-              <a:t>1.9.2016</a:t>
-            </a:fld>
-            <a:endParaRPr lang="en-US" smtClean="0"/>
-          </a:p>
-        </p:txBody>
-      </p:sp>
-      <p:sp>
-        <p:nvSpPr>
-          <p:cNvPr id="31747" name="Footer Placeholder 4"/>
-          <p:cNvSpPr>
-            <a:spLocks noGrp="1"/>
-          </p:cNvSpPr>
-          <p:nvPr>
-            <p:ph type="ftr" sz="quarter" idx="11"/>
-          </p:nvPr>
-        </p:nvSpPr>
-        <p:spPr>
-          <a:noFill/>
-        </p:spPr>
-        <p:txBody>
-          <a:bodyPr/>
-          <a:lstStyle/>
-          <a:p>
             <a:r>
               <a:rPr lang="en-US" smtClean="0"/>
               <a:t>Laurea  |  Mika Stenberg</a:t>
             </a:r>
-          </a:p>
-        </p:txBody>
-      </p:sp>
-      <p:sp>
-        <p:nvSpPr>
-          <p:cNvPr id="31748" name="Slide Number Placeholder 5"/>
-          <p:cNvSpPr>
-            <a:spLocks noGrp="1"/>
-          </p:cNvSpPr>
-          <p:nvPr>
-            <p:ph type="sldNum" sz="quarter" idx="12"/>
-          </p:nvPr>
-        </p:nvSpPr>
-        <p:spPr>
-          <a:noFill/>
-        </p:spPr>
-        <p:txBody>
-          <a:bodyPr/>
-          <a:lstStyle/>
-          <a:p>
-            <a:fld id="{5EE050DD-0B50-403D-BF2A-7397791615EA}" type="slidenum">
-              <a:rPr lang="en-US" smtClean="0"/>
-              <a:pPr/>
-              <a:t>23</a:t>
-            </a:fld>
-            <a:endParaRPr lang="en-US" smtClean="0"/>
           </a:p>
         </p:txBody>
       </p:sp>
@@ -11726,6 +10195,66 @@
           </a:ln>
         </p:spPr>
       </p:cxnSp>
+      <p:sp>
+        <p:nvSpPr>
+          <p:cNvPr id="2" name="TextBox 1"/>
+          <p:cNvSpPr txBox="1"/>
+          <p:nvPr/>
+        </p:nvSpPr>
+        <p:spPr>
+          <a:xfrm>
+            <a:off x="1143000" y="3689350"/>
+            <a:ext cx="753861" cy="369332"/>
+          </a:xfrm>
+          <a:prstGeom prst="rect">
+            <a:avLst/>
+          </a:prstGeom>
+          <a:noFill/>
+        </p:spPr>
+        <p:txBody>
+          <a:bodyPr wrap="none" rtlCol="0">
+            <a:spAutoFit/>
+          </a:bodyPr>
+          <a:lstStyle/>
+          <a:p>
+            <a:r>
+              <a:rPr lang="en-US" dirty="0" smtClean="0"/>
+              <a:t>.java</a:t>
+            </a:r>
+            <a:endParaRPr lang="en-US" dirty="0"/>
+          </a:p>
+        </p:txBody>
+      </p:sp>
+      <p:sp>
+        <p:nvSpPr>
+          <p:cNvPr id="16" name="TextBox 15"/>
+          <p:cNvSpPr txBox="1"/>
+          <p:nvPr/>
+        </p:nvSpPr>
+        <p:spPr>
+          <a:xfrm>
+            <a:off x="3187700" y="3687246"/>
+            <a:ext cx="830677" cy="369332"/>
+          </a:xfrm>
+          <a:prstGeom prst="rect">
+            <a:avLst/>
+          </a:prstGeom>
+          <a:noFill/>
+        </p:spPr>
+        <p:txBody>
+          <a:bodyPr wrap="none" rtlCol="0">
+            <a:spAutoFit/>
+          </a:bodyPr>
+          <a:lstStyle/>
+          <a:p>
+            <a:r>
+              <a:rPr lang="en-US" dirty="0" smtClean="0"/>
+              <a:t>.class</a:t>
+            </a:r>
+            <a:endParaRPr lang="en-US" dirty="0"/>
+          </a:p>
+        </p:txBody>
+      </p:sp>
     </p:spTree>
   </p:cSld>
   <p:clrMapOvr>
@@ -11760,12 +10289,12 @@
       </p:grpSpPr>
       <p:sp>
         <p:nvSpPr>
-          <p:cNvPr id="32770" name="Date Placeholder 4"/>
+          <p:cNvPr id="32771" name="Footer Placeholder 5"/>
           <p:cNvSpPr>
             <a:spLocks noGrp="1"/>
           </p:cNvSpPr>
           <p:nvPr>
-            <p:ph type="dt" sz="quarter" idx="10"/>
+            <p:ph type="ftr" sz="quarter" idx="11"/>
           </p:nvPr>
         </p:nvSpPr>
         <p:spPr>
@@ -11775,61 +10304,10 @@
           <a:bodyPr/>
           <a:lstStyle/>
           <a:p>
-            <a:fld id="{EE5E0075-3429-4213-8F53-87DD707413CB}" type="datetime1">
-              <a:rPr lang="fi-FI" smtClean="0"/>
-              <a:t>1.9.2016</a:t>
-            </a:fld>
-            <a:endParaRPr lang="en-US" smtClean="0"/>
-          </a:p>
-        </p:txBody>
-      </p:sp>
-      <p:sp>
-        <p:nvSpPr>
-          <p:cNvPr id="32771" name="Footer Placeholder 5"/>
-          <p:cNvSpPr>
-            <a:spLocks noGrp="1"/>
-          </p:cNvSpPr>
-          <p:nvPr>
-            <p:ph type="ftr" sz="quarter" idx="11"/>
-          </p:nvPr>
-        </p:nvSpPr>
-        <p:spPr>
-          <a:noFill/>
-        </p:spPr>
-        <p:txBody>
-          <a:bodyPr/>
-          <a:lstStyle/>
-          <a:p>
             <a:r>
               <a:rPr lang="en-US" smtClean="0"/>
               <a:t>Laurea  |  Mika Stenberg</a:t>
             </a:r>
-          </a:p>
-        </p:txBody>
-      </p:sp>
-      <p:sp>
-        <p:nvSpPr>
-          <p:cNvPr id="32772" name="Slide Number Placeholder 6"/>
-          <p:cNvSpPr>
-            <a:spLocks noGrp="1"/>
-          </p:cNvSpPr>
-          <p:nvPr>
-            <p:ph type="sldNum" sz="quarter" idx="12"/>
-          </p:nvPr>
-        </p:nvSpPr>
-        <p:spPr>
-          <a:noFill/>
-        </p:spPr>
-        <p:txBody>
-          <a:bodyPr/>
-          <a:lstStyle/>
-          <a:p>
-            <a:fld id="{CED6B1DE-FEFA-4860-8B76-5F8747522C19}" type="slidenum">
-              <a:rPr lang="en-US" smtClean="0"/>
-              <a:pPr/>
-              <a:t>24</a:t>
-            </a:fld>
-            <a:endParaRPr lang="en-US" smtClean="0"/>
           </a:p>
         </p:txBody>
       </p:sp>
@@ -12014,12 +10492,12 @@
       </p:grpSpPr>
       <p:sp>
         <p:nvSpPr>
-          <p:cNvPr id="33794" name="Date Placeholder 3"/>
+          <p:cNvPr id="33795" name="Footer Placeholder 4"/>
           <p:cNvSpPr>
             <a:spLocks noGrp="1"/>
           </p:cNvSpPr>
           <p:nvPr>
-            <p:ph type="dt" sz="quarter" idx="10"/>
+            <p:ph type="ftr" sz="quarter" idx="11"/>
           </p:nvPr>
         </p:nvSpPr>
         <p:spPr>
@@ -12029,61 +10507,10 @@
           <a:bodyPr/>
           <a:lstStyle/>
           <a:p>
-            <a:fld id="{7DF04657-9138-4AF8-887B-29650C66CFF9}" type="datetime1">
-              <a:rPr lang="fi-FI" smtClean="0"/>
-              <a:t>1.9.2016</a:t>
-            </a:fld>
-            <a:endParaRPr lang="en-US" smtClean="0"/>
-          </a:p>
-        </p:txBody>
-      </p:sp>
-      <p:sp>
-        <p:nvSpPr>
-          <p:cNvPr id="33795" name="Footer Placeholder 4"/>
-          <p:cNvSpPr>
-            <a:spLocks noGrp="1"/>
-          </p:cNvSpPr>
-          <p:nvPr>
-            <p:ph type="ftr" sz="quarter" idx="11"/>
-          </p:nvPr>
-        </p:nvSpPr>
-        <p:spPr>
-          <a:noFill/>
-        </p:spPr>
-        <p:txBody>
-          <a:bodyPr/>
-          <a:lstStyle/>
-          <a:p>
             <a:r>
               <a:rPr lang="en-US" smtClean="0"/>
               <a:t>Laurea  |  Mika Stenberg</a:t>
             </a:r>
-          </a:p>
-        </p:txBody>
-      </p:sp>
-      <p:sp>
-        <p:nvSpPr>
-          <p:cNvPr id="33796" name="Slide Number Placeholder 5"/>
-          <p:cNvSpPr>
-            <a:spLocks noGrp="1"/>
-          </p:cNvSpPr>
-          <p:nvPr>
-            <p:ph type="sldNum" sz="quarter" idx="12"/>
-          </p:nvPr>
-        </p:nvSpPr>
-        <p:spPr>
-          <a:noFill/>
-        </p:spPr>
-        <p:txBody>
-          <a:bodyPr/>
-          <a:lstStyle/>
-          <a:p>
-            <a:fld id="{3C1B303A-3AFC-489D-8E90-8B25D61E6D19}" type="slidenum">
-              <a:rPr lang="en-US" smtClean="0"/>
-              <a:pPr/>
-              <a:t>25</a:t>
-            </a:fld>
-            <a:endParaRPr lang="en-US" smtClean="0"/>
           </a:p>
         </p:txBody>
       </p:sp>
@@ -12252,12 +10679,12 @@
       </p:grpSpPr>
       <p:sp>
         <p:nvSpPr>
-          <p:cNvPr id="34818" name="Date Placeholder 3"/>
+          <p:cNvPr id="34819" name="Footer Placeholder 4"/>
           <p:cNvSpPr>
             <a:spLocks noGrp="1"/>
           </p:cNvSpPr>
           <p:nvPr>
-            <p:ph type="dt" sz="quarter" idx="10"/>
+            <p:ph type="ftr" sz="quarter" idx="11"/>
           </p:nvPr>
         </p:nvSpPr>
         <p:spPr>
@@ -12267,61 +10694,10 @@
           <a:bodyPr/>
           <a:lstStyle/>
           <a:p>
-            <a:fld id="{B20A17AC-97D0-43A0-9754-C576D50DEAA3}" type="datetime1">
-              <a:rPr lang="fi-FI" smtClean="0"/>
-              <a:t>1.9.2016</a:t>
-            </a:fld>
-            <a:endParaRPr lang="en-US" smtClean="0"/>
-          </a:p>
-        </p:txBody>
-      </p:sp>
-      <p:sp>
-        <p:nvSpPr>
-          <p:cNvPr id="34819" name="Footer Placeholder 4"/>
-          <p:cNvSpPr>
-            <a:spLocks noGrp="1"/>
-          </p:cNvSpPr>
-          <p:nvPr>
-            <p:ph type="ftr" sz="quarter" idx="11"/>
-          </p:nvPr>
-        </p:nvSpPr>
-        <p:spPr>
-          <a:noFill/>
-        </p:spPr>
-        <p:txBody>
-          <a:bodyPr/>
-          <a:lstStyle/>
-          <a:p>
             <a:r>
               <a:rPr lang="en-US" smtClean="0"/>
               <a:t>Laurea  |  Mika Stenberg</a:t>
             </a:r>
-          </a:p>
-        </p:txBody>
-      </p:sp>
-      <p:sp>
-        <p:nvSpPr>
-          <p:cNvPr id="34820" name="Slide Number Placeholder 5"/>
-          <p:cNvSpPr>
-            <a:spLocks noGrp="1"/>
-          </p:cNvSpPr>
-          <p:nvPr>
-            <p:ph type="sldNum" sz="quarter" idx="12"/>
-          </p:nvPr>
-        </p:nvSpPr>
-        <p:spPr>
-          <a:noFill/>
-        </p:spPr>
-        <p:txBody>
-          <a:bodyPr/>
-          <a:lstStyle/>
-          <a:p>
-            <a:fld id="{8B641BAE-D6B3-4F08-9B11-1A85AE4A736B}" type="slidenum">
-              <a:rPr lang="en-US" smtClean="0"/>
-              <a:pPr/>
-              <a:t>26</a:t>
-            </a:fld>
-            <a:endParaRPr lang="en-US" smtClean="0"/>
           </a:p>
         </p:txBody>
       </p:sp>
@@ -12463,7 +10839,11 @@
             </a:r>
             <a:r>
               <a:rPr lang="fi-FI" dirty="0" smtClean="0"/>
-              <a:t>) ja muita hyödyllisiä apuvälineitä</a:t>
+              <a:t>) ja muita </a:t>
+            </a:r>
+            <a:r>
+              <a:rPr lang="fi-FI" dirty="0" smtClean="0"/>
+              <a:t>apuvälineitä</a:t>
             </a:r>
             <a:endParaRPr lang="en-US" dirty="0" smtClean="0"/>
           </a:p>
@@ -12503,12 +10883,12 @@
       </p:grpSpPr>
       <p:sp>
         <p:nvSpPr>
-          <p:cNvPr id="35842" name="Date Placeholder 3"/>
+          <p:cNvPr id="35843" name="Footer Placeholder 4"/>
           <p:cNvSpPr>
             <a:spLocks noGrp="1"/>
           </p:cNvSpPr>
           <p:nvPr>
-            <p:ph type="dt" sz="quarter" idx="10"/>
+            <p:ph type="ftr" sz="quarter" idx="11"/>
           </p:nvPr>
         </p:nvSpPr>
         <p:spPr>
@@ -12518,61 +10898,10 @@
           <a:bodyPr/>
           <a:lstStyle/>
           <a:p>
-            <a:fld id="{75F809F9-93C0-4941-A4E5-D6E3285F111A}" type="datetime1">
-              <a:rPr lang="fi-FI" smtClean="0"/>
-              <a:t>1.9.2016</a:t>
-            </a:fld>
-            <a:endParaRPr lang="en-US" smtClean="0"/>
-          </a:p>
-        </p:txBody>
-      </p:sp>
-      <p:sp>
-        <p:nvSpPr>
-          <p:cNvPr id="35843" name="Footer Placeholder 4"/>
-          <p:cNvSpPr>
-            <a:spLocks noGrp="1"/>
-          </p:cNvSpPr>
-          <p:nvPr>
-            <p:ph type="ftr" sz="quarter" idx="11"/>
-          </p:nvPr>
-        </p:nvSpPr>
-        <p:spPr>
-          <a:noFill/>
-        </p:spPr>
-        <p:txBody>
-          <a:bodyPr/>
-          <a:lstStyle/>
-          <a:p>
             <a:r>
               <a:rPr lang="en-US" smtClean="0"/>
               <a:t>Laurea  |  Mika Stenberg</a:t>
             </a:r>
-          </a:p>
-        </p:txBody>
-      </p:sp>
-      <p:sp>
-        <p:nvSpPr>
-          <p:cNvPr id="35844" name="Slide Number Placeholder 5"/>
-          <p:cNvSpPr>
-            <a:spLocks noGrp="1"/>
-          </p:cNvSpPr>
-          <p:nvPr>
-            <p:ph type="sldNum" sz="quarter" idx="12"/>
-          </p:nvPr>
-        </p:nvSpPr>
-        <p:spPr>
-          <a:noFill/>
-        </p:spPr>
-        <p:txBody>
-          <a:bodyPr/>
-          <a:lstStyle/>
-          <a:p>
-            <a:fld id="{2FDCC37F-6DB5-4B95-B7BD-690AC2DB331A}" type="slidenum">
-              <a:rPr lang="en-US" smtClean="0"/>
-              <a:pPr/>
-              <a:t>27</a:t>
-            </a:fld>
-            <a:endParaRPr lang="en-US" smtClean="0"/>
           </a:p>
         </p:txBody>
       </p:sp>
@@ -12642,6 +10971,18 @@
               <a:rPr lang="fi-FI" sz="2000" b="1" dirty="0" err="1" smtClean="0"/>
               <a:t>Notepad</a:t>
             </a:r>
+            <a:r>
+              <a:rPr lang="fi-FI" sz="2000" b="1" dirty="0" smtClean="0"/>
+              <a:t>, </a:t>
+            </a:r>
+            <a:r>
+              <a:rPr lang="fi-FI" sz="2000" b="1" dirty="0" err="1" smtClean="0"/>
+              <a:t>Notepad</a:t>
+            </a:r>
+            <a:r>
+              <a:rPr lang="fi-FI" sz="2000" b="1" dirty="0" smtClean="0"/>
+              <a:t>++</a:t>
+            </a:r>
             <a:endParaRPr lang="fi-FI" sz="2000" b="1" dirty="0" smtClean="0"/>
           </a:p>
           <a:p>
@@ -12768,22 +11109,7 @@
               <a:rPr lang="fi-FI" sz="2000" dirty="0" smtClean="0"/>
               <a:t>…</a:t>
             </a:r>
-          </a:p>
-          <a:p>
-            <a:pPr eaLnBrk="1" hangingPunct="1">
-              <a:lnSpc>
-                <a:spcPct val="90000"/>
-              </a:lnSpc>
-            </a:pPr>
-            <a:endParaRPr lang="fi-FI" sz="2400" dirty="0" smtClean="0"/>
-          </a:p>
-          <a:p>
-            <a:pPr eaLnBrk="1" hangingPunct="1">
-              <a:lnSpc>
-                <a:spcPct val="90000"/>
-              </a:lnSpc>
-            </a:pPr>
-            <a:endParaRPr lang="en-US" sz="2400" dirty="0" smtClean="0"/>
+            <a:endParaRPr lang="fi-FI" sz="2000" dirty="0" smtClean="0"/>
           </a:p>
         </p:txBody>
       </p:sp>
@@ -12821,12 +11147,12 @@
       </p:grpSpPr>
       <p:sp>
         <p:nvSpPr>
-          <p:cNvPr id="36866" name="Date Placeholder 3"/>
+          <p:cNvPr id="36867" name="Footer Placeholder 4"/>
           <p:cNvSpPr>
             <a:spLocks noGrp="1"/>
           </p:cNvSpPr>
           <p:nvPr>
-            <p:ph type="dt" sz="quarter" idx="10"/>
+            <p:ph type="ftr" sz="quarter" idx="11"/>
           </p:nvPr>
         </p:nvSpPr>
         <p:spPr>
@@ -12836,61 +11162,10 @@
           <a:bodyPr/>
           <a:lstStyle/>
           <a:p>
-            <a:fld id="{701D51A5-8F1C-44E9-84F6-F8F7935EF88A}" type="datetime1">
-              <a:rPr lang="fi-FI" smtClean="0"/>
-              <a:t>1.9.2016</a:t>
-            </a:fld>
-            <a:endParaRPr lang="en-US" smtClean="0"/>
-          </a:p>
-        </p:txBody>
-      </p:sp>
-      <p:sp>
-        <p:nvSpPr>
-          <p:cNvPr id="36867" name="Footer Placeholder 4"/>
-          <p:cNvSpPr>
-            <a:spLocks noGrp="1"/>
-          </p:cNvSpPr>
-          <p:nvPr>
-            <p:ph type="ftr" sz="quarter" idx="11"/>
-          </p:nvPr>
-        </p:nvSpPr>
-        <p:spPr>
-          <a:noFill/>
-        </p:spPr>
-        <p:txBody>
-          <a:bodyPr/>
-          <a:lstStyle/>
-          <a:p>
             <a:r>
               <a:rPr lang="en-US" smtClean="0"/>
               <a:t>Laurea  |  Mika Stenberg</a:t>
             </a:r>
-          </a:p>
-        </p:txBody>
-      </p:sp>
-      <p:sp>
-        <p:nvSpPr>
-          <p:cNvPr id="36868" name="Slide Number Placeholder 5"/>
-          <p:cNvSpPr>
-            <a:spLocks noGrp="1"/>
-          </p:cNvSpPr>
-          <p:nvPr>
-            <p:ph type="sldNum" sz="quarter" idx="12"/>
-          </p:nvPr>
-        </p:nvSpPr>
-        <p:spPr>
-          <a:noFill/>
-        </p:spPr>
-        <p:txBody>
-          <a:bodyPr/>
-          <a:lstStyle/>
-          <a:p>
-            <a:fld id="{80938693-0FF4-42D3-84A8-63347C1D0C98}" type="slidenum">
-              <a:rPr lang="en-US" smtClean="0"/>
-              <a:pPr/>
-              <a:t>28</a:t>
-            </a:fld>
-            <a:endParaRPr lang="en-US" smtClean="0"/>
           </a:p>
         </p:txBody>
       </p:sp>
@@ -13545,12 +11820,12 @@
       </p:grpSpPr>
       <p:sp>
         <p:nvSpPr>
-          <p:cNvPr id="37890" name="Date Placeholder 3"/>
+          <p:cNvPr id="37891" name="Footer Placeholder 4"/>
           <p:cNvSpPr>
             <a:spLocks noGrp="1"/>
           </p:cNvSpPr>
           <p:nvPr>
-            <p:ph type="dt" sz="quarter" idx="10"/>
+            <p:ph type="ftr" sz="quarter" idx="11"/>
           </p:nvPr>
         </p:nvSpPr>
         <p:spPr>
@@ -13560,61 +11835,10 @@
           <a:bodyPr/>
           <a:lstStyle/>
           <a:p>
-            <a:fld id="{FC1B6D09-65AE-477F-B7E5-2DDF19BB69A1}" type="datetime1">
-              <a:rPr lang="fi-FI" smtClean="0"/>
-              <a:t>1.9.2016</a:t>
-            </a:fld>
-            <a:endParaRPr lang="en-US" smtClean="0"/>
-          </a:p>
-        </p:txBody>
-      </p:sp>
-      <p:sp>
-        <p:nvSpPr>
-          <p:cNvPr id="37891" name="Footer Placeholder 4"/>
-          <p:cNvSpPr>
-            <a:spLocks noGrp="1"/>
-          </p:cNvSpPr>
-          <p:nvPr>
-            <p:ph type="ftr" sz="quarter" idx="11"/>
-          </p:nvPr>
-        </p:nvSpPr>
-        <p:spPr>
-          <a:noFill/>
-        </p:spPr>
-        <p:txBody>
-          <a:bodyPr/>
-          <a:lstStyle/>
-          <a:p>
             <a:r>
               <a:rPr lang="en-US" smtClean="0"/>
               <a:t>Laurea  |  Mika Stenberg</a:t>
             </a:r>
-          </a:p>
-        </p:txBody>
-      </p:sp>
-      <p:sp>
-        <p:nvSpPr>
-          <p:cNvPr id="37892" name="Slide Number Placeholder 5"/>
-          <p:cNvSpPr>
-            <a:spLocks noGrp="1"/>
-          </p:cNvSpPr>
-          <p:nvPr>
-            <p:ph type="sldNum" sz="quarter" idx="12"/>
-          </p:nvPr>
-        </p:nvSpPr>
-        <p:spPr>
-          <a:noFill/>
-        </p:spPr>
-        <p:txBody>
-          <a:bodyPr/>
-          <a:lstStyle/>
-          <a:p>
-            <a:fld id="{0AAA94C7-9449-48E2-935F-ED578ED18002}" type="slidenum">
-              <a:rPr lang="en-US" smtClean="0"/>
-              <a:pPr/>
-              <a:t>29</a:t>
-            </a:fld>
-            <a:endParaRPr lang="en-US" smtClean="0"/>
           </a:p>
         </p:txBody>
       </p:sp>
@@ -13766,57 +11990,6 @@
       </p:grpSpPr>
       <p:sp>
         <p:nvSpPr>
-          <p:cNvPr id="9218" name="Date Placeholder 3"/>
-          <p:cNvSpPr>
-            <a:spLocks noGrp="1"/>
-          </p:cNvSpPr>
-          <p:nvPr>
-            <p:ph type="dt" sz="quarter" idx="10"/>
-          </p:nvPr>
-        </p:nvSpPr>
-        <p:spPr>
-          <a:noFill/>
-        </p:spPr>
-        <p:txBody>
-          <a:bodyPr/>
-          <a:lstStyle/>
-          <a:p>
-            <a:fld id="{32EB7BD5-0D99-459A-91D6-8EC891EAB032}" type="datetime1">
-              <a:rPr lang="fi-FI" smtClean="0"/>
-              <a:t>1.9.2016</a:t>
-            </a:fld>
-            <a:endParaRPr lang="en-US" smtClean="0"/>
-          </a:p>
-        </p:txBody>
-      </p:sp>
-      <p:sp>
-        <p:nvSpPr>
-          <p:cNvPr id="9220" name="Slide Number Placeholder 5"/>
-          <p:cNvSpPr>
-            <a:spLocks noGrp="1"/>
-          </p:cNvSpPr>
-          <p:nvPr>
-            <p:ph type="sldNum" sz="quarter" idx="12"/>
-          </p:nvPr>
-        </p:nvSpPr>
-        <p:spPr>
-          <a:noFill/>
-        </p:spPr>
-        <p:txBody>
-          <a:bodyPr/>
-          <a:lstStyle/>
-          <a:p>
-            <a:fld id="{089762FE-909D-47E0-8408-2A35ED9967A7}" type="slidenum">
-              <a:rPr lang="en-US" smtClean="0"/>
-              <a:pPr/>
-              <a:t>3</a:t>
-            </a:fld>
-            <a:endParaRPr lang="en-US" smtClean="0"/>
-          </a:p>
-        </p:txBody>
-      </p:sp>
-      <p:sp>
-        <p:nvSpPr>
           <p:cNvPr id="9221" name="Rectangle 2"/>
           <p:cNvSpPr>
             <a:spLocks noGrp="1" noChangeArrowheads="1"/>
@@ -13977,12 +12150,12 @@
       </p:grpSpPr>
       <p:sp>
         <p:nvSpPr>
-          <p:cNvPr id="38914" name="Date Placeholder 3"/>
+          <p:cNvPr id="38915" name="Footer Placeholder 4"/>
           <p:cNvSpPr>
             <a:spLocks noGrp="1"/>
           </p:cNvSpPr>
           <p:nvPr>
-            <p:ph type="dt" sz="quarter" idx="10"/>
+            <p:ph type="ftr" sz="quarter" idx="11"/>
           </p:nvPr>
         </p:nvSpPr>
         <p:spPr>
@@ -13992,61 +12165,10 @@
           <a:bodyPr/>
           <a:lstStyle/>
           <a:p>
-            <a:fld id="{1BD8B00C-83CB-43B8-B676-67A9CE862C03}" type="datetime1">
-              <a:rPr lang="fi-FI" smtClean="0"/>
-              <a:t>1.9.2016</a:t>
-            </a:fld>
-            <a:endParaRPr lang="en-US" smtClean="0"/>
-          </a:p>
-        </p:txBody>
-      </p:sp>
-      <p:sp>
-        <p:nvSpPr>
-          <p:cNvPr id="38915" name="Footer Placeholder 4"/>
-          <p:cNvSpPr>
-            <a:spLocks noGrp="1"/>
-          </p:cNvSpPr>
-          <p:nvPr>
-            <p:ph type="ftr" sz="quarter" idx="11"/>
-          </p:nvPr>
-        </p:nvSpPr>
-        <p:spPr>
-          <a:noFill/>
-        </p:spPr>
-        <p:txBody>
-          <a:bodyPr/>
-          <a:lstStyle/>
-          <a:p>
             <a:r>
               <a:rPr lang="en-US" smtClean="0"/>
               <a:t>Laurea  |  Mika Stenberg</a:t>
             </a:r>
-          </a:p>
-        </p:txBody>
-      </p:sp>
-      <p:sp>
-        <p:nvSpPr>
-          <p:cNvPr id="38916" name="Slide Number Placeholder 5"/>
-          <p:cNvSpPr>
-            <a:spLocks noGrp="1"/>
-          </p:cNvSpPr>
-          <p:nvPr>
-            <p:ph type="sldNum" sz="quarter" idx="12"/>
-          </p:nvPr>
-        </p:nvSpPr>
-        <p:spPr>
-          <a:noFill/>
-        </p:spPr>
-        <p:txBody>
-          <a:bodyPr/>
-          <a:lstStyle/>
-          <a:p>
-            <a:fld id="{8493E56A-B377-4983-A7F4-CFD71D1498CC}" type="slidenum">
-              <a:rPr lang="en-US" smtClean="0"/>
-              <a:pPr/>
-              <a:t>30</a:t>
-            </a:fld>
-            <a:endParaRPr lang="en-US" smtClean="0"/>
           </a:p>
         </p:txBody>
       </p:sp>
@@ -14764,12 +12886,12 @@
       </p:grpSpPr>
       <p:sp>
         <p:nvSpPr>
-          <p:cNvPr id="39938" name="Date Placeholder 3"/>
+          <p:cNvPr id="39939" name="Footer Placeholder 4"/>
           <p:cNvSpPr>
             <a:spLocks noGrp="1"/>
           </p:cNvSpPr>
           <p:nvPr>
-            <p:ph type="dt" sz="quarter" idx="10"/>
+            <p:ph type="ftr" sz="quarter" idx="11"/>
           </p:nvPr>
         </p:nvSpPr>
         <p:spPr>
@@ -14779,61 +12901,10 @@
           <a:bodyPr/>
           <a:lstStyle/>
           <a:p>
-            <a:fld id="{7BAC889A-3684-4816-A2B2-30DBCBFE949E}" type="datetime1">
-              <a:rPr lang="fi-FI" smtClean="0"/>
-              <a:t>1.9.2016</a:t>
-            </a:fld>
-            <a:endParaRPr lang="en-US" smtClean="0"/>
-          </a:p>
-        </p:txBody>
-      </p:sp>
-      <p:sp>
-        <p:nvSpPr>
-          <p:cNvPr id="39939" name="Footer Placeholder 4"/>
-          <p:cNvSpPr>
-            <a:spLocks noGrp="1"/>
-          </p:cNvSpPr>
-          <p:nvPr>
-            <p:ph type="ftr" sz="quarter" idx="11"/>
-          </p:nvPr>
-        </p:nvSpPr>
-        <p:spPr>
-          <a:noFill/>
-        </p:spPr>
-        <p:txBody>
-          <a:bodyPr/>
-          <a:lstStyle/>
-          <a:p>
             <a:r>
               <a:rPr lang="en-US" smtClean="0"/>
               <a:t>Laurea  |  Mika Stenberg</a:t>
             </a:r>
-          </a:p>
-        </p:txBody>
-      </p:sp>
-      <p:sp>
-        <p:nvSpPr>
-          <p:cNvPr id="39940" name="Slide Number Placeholder 5"/>
-          <p:cNvSpPr>
-            <a:spLocks noGrp="1"/>
-          </p:cNvSpPr>
-          <p:nvPr>
-            <p:ph type="sldNum" sz="quarter" idx="12"/>
-          </p:nvPr>
-        </p:nvSpPr>
-        <p:spPr>
-          <a:noFill/>
-        </p:spPr>
-        <p:txBody>
-          <a:bodyPr/>
-          <a:lstStyle/>
-          <a:p>
-            <a:fld id="{1DCCAA57-4DCE-4C6D-B2B0-5AD8B16B49DB}" type="slidenum">
-              <a:rPr lang="en-US" smtClean="0"/>
-              <a:pPr/>
-              <a:t>31</a:t>
-            </a:fld>
-            <a:endParaRPr lang="en-US" smtClean="0"/>
           </a:p>
         </p:txBody>
       </p:sp>
@@ -14960,12 +13031,12 @@
       </p:grpSpPr>
       <p:sp>
         <p:nvSpPr>
-          <p:cNvPr id="40962" name="Date Placeholder 3"/>
+          <p:cNvPr id="40963" name="Footer Placeholder 4"/>
           <p:cNvSpPr>
             <a:spLocks noGrp="1"/>
           </p:cNvSpPr>
           <p:nvPr>
-            <p:ph type="dt" sz="quarter" idx="10"/>
+            <p:ph type="ftr" sz="quarter" idx="11"/>
           </p:nvPr>
         </p:nvSpPr>
         <p:spPr>
@@ -14975,61 +13046,10 @@
           <a:bodyPr/>
           <a:lstStyle/>
           <a:p>
-            <a:fld id="{2DC04A3E-8A74-4443-8512-2AA39CAE3CB7}" type="datetime1">
-              <a:rPr lang="fi-FI" smtClean="0"/>
-              <a:t>1.9.2016</a:t>
-            </a:fld>
-            <a:endParaRPr lang="en-US" smtClean="0"/>
-          </a:p>
-        </p:txBody>
-      </p:sp>
-      <p:sp>
-        <p:nvSpPr>
-          <p:cNvPr id="40963" name="Footer Placeholder 4"/>
-          <p:cNvSpPr>
-            <a:spLocks noGrp="1"/>
-          </p:cNvSpPr>
-          <p:nvPr>
-            <p:ph type="ftr" sz="quarter" idx="11"/>
-          </p:nvPr>
-        </p:nvSpPr>
-        <p:spPr>
-          <a:noFill/>
-        </p:spPr>
-        <p:txBody>
-          <a:bodyPr/>
-          <a:lstStyle/>
-          <a:p>
             <a:r>
               <a:rPr lang="en-US" smtClean="0"/>
               <a:t>Laurea  |  Mika Stenberg</a:t>
             </a:r>
-          </a:p>
-        </p:txBody>
-      </p:sp>
-      <p:sp>
-        <p:nvSpPr>
-          <p:cNvPr id="40964" name="Slide Number Placeholder 5"/>
-          <p:cNvSpPr>
-            <a:spLocks noGrp="1"/>
-          </p:cNvSpPr>
-          <p:nvPr>
-            <p:ph type="sldNum" sz="quarter" idx="12"/>
-          </p:nvPr>
-        </p:nvSpPr>
-        <p:spPr>
-          <a:noFill/>
-        </p:spPr>
-        <p:txBody>
-          <a:bodyPr/>
-          <a:lstStyle/>
-          <a:p>
-            <a:fld id="{C79C8668-5B5E-40A2-BD6D-0F131FC188A4}" type="slidenum">
-              <a:rPr lang="en-US" smtClean="0"/>
-              <a:pPr/>
-              <a:t>32</a:t>
-            </a:fld>
-            <a:endParaRPr lang="en-US" smtClean="0"/>
           </a:p>
         </p:txBody>
       </p:sp>
@@ -15316,12 +13336,12 @@
       </p:grpSpPr>
       <p:sp>
         <p:nvSpPr>
-          <p:cNvPr id="41986" name="Date Placeholder 3"/>
+          <p:cNvPr id="41987" name="Footer Placeholder 4"/>
           <p:cNvSpPr>
             <a:spLocks noGrp="1"/>
           </p:cNvSpPr>
           <p:nvPr>
-            <p:ph type="dt" sz="quarter" idx="10"/>
+            <p:ph type="ftr" sz="quarter" idx="11"/>
           </p:nvPr>
         </p:nvSpPr>
         <p:spPr>
@@ -15331,122 +13351,131 @@
           <a:bodyPr/>
           <a:lstStyle/>
           <a:p>
-            <a:fld id="{A2AD4A10-94E1-48A1-BAF1-EC2A7991EE1A}" type="datetime1">
-              <a:rPr lang="fi-FI" smtClean="0"/>
-              <a:t>1.9.2016</a:t>
-            </a:fld>
-            <a:endParaRPr lang="en-US" smtClean="0"/>
-          </a:p>
-        </p:txBody>
-      </p:sp>
-      <p:sp>
-        <p:nvSpPr>
-          <p:cNvPr id="41987" name="Footer Placeholder 4"/>
-          <p:cNvSpPr>
-            <a:spLocks noGrp="1"/>
-          </p:cNvSpPr>
-          <p:nvPr>
-            <p:ph type="ftr" sz="quarter" idx="11"/>
-          </p:nvPr>
-        </p:nvSpPr>
-        <p:spPr>
-          <a:noFill/>
-        </p:spPr>
+            <a:r>
+              <a:rPr lang="en-US" smtClean="0"/>
+              <a:t>Laurea  |  Mika Stenberg</a:t>
+            </a:r>
+          </a:p>
+        </p:txBody>
+      </p:sp>
+      <p:sp>
+        <p:nvSpPr>
+          <p:cNvPr id="41989" name="Rectangle 2"/>
+          <p:cNvSpPr>
+            <a:spLocks noGrp="1" noChangeArrowheads="1"/>
+          </p:cNvSpPr>
+          <p:nvPr>
+            <p:ph type="body" idx="1"/>
+          </p:nvPr>
+        </p:nvSpPr>
+        <p:spPr/>
         <p:txBody>
           <a:bodyPr/>
           <a:lstStyle/>
           <a:p>
-            <a:r>
-              <a:rPr lang="en-US" smtClean="0"/>
-              <a:t>Laurea  |  Mika Stenberg</a:t>
-            </a:r>
-          </a:p>
-        </p:txBody>
-      </p:sp>
-      <p:sp>
-        <p:nvSpPr>
-          <p:cNvPr id="41988" name="Slide Number Placeholder 5"/>
-          <p:cNvSpPr>
-            <a:spLocks noGrp="1"/>
-          </p:cNvSpPr>
-          <p:nvPr>
-            <p:ph type="sldNum" sz="quarter" idx="12"/>
-          </p:nvPr>
-        </p:nvSpPr>
-        <p:spPr>
-          <a:noFill/>
-        </p:spPr>
-        <p:txBody>
-          <a:bodyPr/>
-          <a:lstStyle/>
-          <a:p>
-            <a:fld id="{678AF9BC-15ED-4E91-98BC-5237D54FF0E3}" type="slidenum">
-              <a:rPr lang="en-US" smtClean="0"/>
-              <a:pPr/>
-              <a:t>33</a:t>
-            </a:fld>
-            <a:endParaRPr lang="en-US" smtClean="0"/>
-          </a:p>
-        </p:txBody>
-      </p:sp>
-      <p:sp>
-        <p:nvSpPr>
-          <p:cNvPr id="41989" name="Rectangle 2"/>
-          <p:cNvSpPr>
-            <a:spLocks noGrp="1" noChangeArrowheads="1"/>
-          </p:cNvSpPr>
-          <p:nvPr>
-            <p:ph type="body" idx="1"/>
-          </p:nvPr>
-        </p:nvSpPr>
-        <p:spPr/>
-        <p:txBody>
-          <a:bodyPr/>
-          <a:lstStyle/>
-          <a:p>
             <a:pPr eaLnBrk="1" hangingPunct="1"/>
             <a:r>
-              <a:rPr lang="en-US" sz="2400" smtClean="0"/>
-              <a:t>Esimerkissä luokkaan on kirjoitettu vain yksi metodi eli päämetodi.</a:t>
+              <a:rPr lang="en-US" sz="2400" dirty="0" err="1" smtClean="0"/>
+              <a:t>Esimerkissä</a:t>
+            </a:r>
+            <a:r>
+              <a:rPr lang="en-US" sz="2400" dirty="0" smtClean="0"/>
+              <a:t> </a:t>
+            </a:r>
+            <a:r>
+              <a:rPr lang="en-US" sz="2400" dirty="0" err="1" smtClean="0"/>
+              <a:t>luokkaan</a:t>
+            </a:r>
+            <a:r>
+              <a:rPr lang="en-US" sz="2400" dirty="0" smtClean="0"/>
+              <a:t> on </a:t>
+            </a:r>
+            <a:r>
+              <a:rPr lang="en-US" sz="2400" dirty="0" err="1" smtClean="0"/>
+              <a:t>kirjoitettu</a:t>
+            </a:r>
+            <a:r>
+              <a:rPr lang="en-US" sz="2400" dirty="0" smtClean="0"/>
+              <a:t> vain </a:t>
+            </a:r>
+            <a:r>
+              <a:rPr lang="en-US" sz="2400" dirty="0" err="1" smtClean="0"/>
+              <a:t>yksi</a:t>
+            </a:r>
+            <a:r>
+              <a:rPr lang="en-US" sz="2400" dirty="0" smtClean="0"/>
+              <a:t> </a:t>
+            </a:r>
+            <a:r>
+              <a:rPr lang="en-US" sz="2400" dirty="0" err="1" smtClean="0"/>
+              <a:t>metodi</a:t>
+            </a:r>
+            <a:r>
+              <a:rPr lang="en-US" sz="2400" dirty="0" smtClean="0"/>
+              <a:t> </a:t>
+            </a:r>
+            <a:r>
+              <a:rPr lang="en-US" sz="2400" dirty="0" err="1" smtClean="0"/>
+              <a:t>eli</a:t>
+            </a:r>
+            <a:r>
+              <a:rPr lang="en-US" sz="2400" dirty="0" smtClean="0"/>
+              <a:t> </a:t>
+            </a:r>
+            <a:r>
+              <a:rPr lang="en-US" sz="2400" dirty="0" err="1" smtClean="0"/>
+              <a:t>päämetodi</a:t>
+            </a:r>
+            <a:r>
+              <a:rPr lang="en-US" sz="2400" dirty="0" smtClean="0"/>
+              <a:t>.</a:t>
             </a:r>
           </a:p>
           <a:p>
             <a:pPr eaLnBrk="1" hangingPunct="1"/>
-            <a:endParaRPr lang="fi-FI" sz="2400" smtClean="0"/>
+            <a:endParaRPr lang="fi-FI" sz="2400" dirty="0" smtClean="0"/>
           </a:p>
           <a:p>
             <a:pPr eaLnBrk="1" hangingPunct="1"/>
-            <a:endParaRPr lang="fi-FI" sz="2400" smtClean="0"/>
+            <a:endParaRPr lang="fi-FI" sz="2400" dirty="0" smtClean="0"/>
           </a:p>
           <a:p>
             <a:pPr eaLnBrk="1" hangingPunct="1"/>
-            <a:endParaRPr lang="fi-FI" sz="2400" smtClean="0"/>
+            <a:endParaRPr lang="fi-FI" sz="2400" dirty="0" smtClean="0"/>
           </a:p>
           <a:p>
             <a:pPr eaLnBrk="1" hangingPunct="1"/>
-            <a:endParaRPr lang="fi-FI" sz="2400" smtClean="0"/>
+            <a:endParaRPr lang="fi-FI" sz="2400" dirty="0" smtClean="0"/>
           </a:p>
           <a:p>
             <a:pPr eaLnBrk="1" hangingPunct="1"/>
             <a:r>
-              <a:rPr lang="fi-FI" sz="2400" smtClean="0"/>
+              <a:rPr lang="fi-FI" sz="2400" dirty="0" smtClean="0"/>
               <a:t>Sinun ei tarvitse vielä ymmärtää sen tarkoitusta.</a:t>
             </a:r>
           </a:p>
           <a:p>
             <a:pPr eaLnBrk="1" hangingPunct="1"/>
             <a:r>
-              <a:rPr lang="fi-FI" sz="2400" smtClean="0"/>
-              <a:t>Ensimmäisten ohjelmiesi algoritmit kirjoitetaan päämetodin aaltosulkujen sisään</a:t>
+              <a:rPr lang="fi-FI" sz="2400" dirty="0" smtClean="0"/>
+              <a:t>Ensimmäisten ohjelmiesi </a:t>
+            </a:r>
+            <a:r>
+              <a:rPr lang="fi-FI" sz="2400" dirty="0" smtClean="0"/>
+              <a:t>koodi kirjoitetaan </a:t>
+            </a:r>
+            <a:r>
+              <a:rPr lang="fi-FI" sz="2400" dirty="0" smtClean="0"/>
+              <a:t>päämetodin aaltosulkujen sisään</a:t>
             </a:r>
           </a:p>
           <a:p>
             <a:pPr eaLnBrk="1" hangingPunct="1"/>
             <a:r>
-              <a:rPr lang="fi-FI" sz="2400" smtClean="0"/>
+              <a:rPr lang="fi-FI" sz="2400" dirty="0" smtClean="0"/>
               <a:t>Kirjoita päämetodin otsikko toistaiseksi aina näin</a:t>
             </a:r>
-            <a:endParaRPr lang="en-US" sz="2400" smtClean="0"/>
+            <a:endParaRPr lang="en-US" sz="2400" dirty="0" smtClean="0"/>
           </a:p>
         </p:txBody>
       </p:sp>
@@ -15595,12 +13624,12 @@
       </p:grpSpPr>
       <p:sp>
         <p:nvSpPr>
-          <p:cNvPr id="43010" name="Date Placeholder 3"/>
+          <p:cNvPr id="43011" name="Footer Placeholder 4"/>
           <p:cNvSpPr>
             <a:spLocks noGrp="1"/>
           </p:cNvSpPr>
           <p:nvPr>
-            <p:ph type="dt" sz="quarter" idx="10"/>
+            <p:ph type="ftr" sz="quarter" idx="11"/>
           </p:nvPr>
         </p:nvSpPr>
         <p:spPr>
@@ -15610,61 +13639,10 @@
           <a:bodyPr/>
           <a:lstStyle/>
           <a:p>
-            <a:fld id="{6ACA8FA6-C3C6-4A18-BDBC-78C6A1EEF636}" type="datetime1">
-              <a:rPr lang="fi-FI" smtClean="0"/>
-              <a:t>1.9.2016</a:t>
-            </a:fld>
-            <a:endParaRPr lang="en-US" smtClean="0"/>
-          </a:p>
-        </p:txBody>
-      </p:sp>
-      <p:sp>
-        <p:nvSpPr>
-          <p:cNvPr id="43011" name="Footer Placeholder 4"/>
-          <p:cNvSpPr>
-            <a:spLocks noGrp="1"/>
-          </p:cNvSpPr>
-          <p:nvPr>
-            <p:ph type="ftr" sz="quarter" idx="11"/>
-          </p:nvPr>
-        </p:nvSpPr>
-        <p:spPr>
-          <a:noFill/>
-        </p:spPr>
-        <p:txBody>
-          <a:bodyPr/>
-          <a:lstStyle/>
-          <a:p>
             <a:r>
               <a:rPr lang="en-US" smtClean="0"/>
               <a:t>Laurea  |  Mika Stenberg</a:t>
             </a:r>
-          </a:p>
-        </p:txBody>
-      </p:sp>
-      <p:sp>
-        <p:nvSpPr>
-          <p:cNvPr id="43012" name="Slide Number Placeholder 5"/>
-          <p:cNvSpPr>
-            <a:spLocks noGrp="1"/>
-          </p:cNvSpPr>
-          <p:nvPr>
-            <p:ph type="sldNum" sz="quarter" idx="12"/>
-          </p:nvPr>
-        </p:nvSpPr>
-        <p:spPr>
-          <a:noFill/>
-        </p:spPr>
-        <p:txBody>
-          <a:bodyPr/>
-          <a:lstStyle/>
-          <a:p>
-            <a:fld id="{F6B864A5-4C5C-46A7-B136-F6B9B1A35CCF}" type="slidenum">
-              <a:rPr lang="en-US" smtClean="0"/>
-              <a:pPr/>
-              <a:t>34</a:t>
-            </a:fld>
-            <a:endParaRPr lang="en-US" smtClean="0"/>
           </a:p>
         </p:txBody>
       </p:sp>
@@ -15909,57 +13887,6 @@
       </p:grpSpPr>
       <p:sp>
         <p:nvSpPr>
-          <p:cNvPr id="10242" name="Date Placeholder 3"/>
-          <p:cNvSpPr>
-            <a:spLocks noGrp="1"/>
-          </p:cNvSpPr>
-          <p:nvPr>
-            <p:ph type="dt" sz="quarter" idx="10"/>
-          </p:nvPr>
-        </p:nvSpPr>
-        <p:spPr>
-          <a:noFill/>
-        </p:spPr>
-        <p:txBody>
-          <a:bodyPr/>
-          <a:lstStyle/>
-          <a:p>
-            <a:fld id="{F8A2B5A2-51E2-4B5B-A9ED-7FED651B824D}" type="datetime1">
-              <a:rPr lang="fi-FI" smtClean="0"/>
-              <a:t>1.9.2016</a:t>
-            </a:fld>
-            <a:endParaRPr lang="en-US" smtClean="0"/>
-          </a:p>
-        </p:txBody>
-      </p:sp>
-      <p:sp>
-        <p:nvSpPr>
-          <p:cNvPr id="10244" name="Slide Number Placeholder 5"/>
-          <p:cNvSpPr>
-            <a:spLocks noGrp="1"/>
-          </p:cNvSpPr>
-          <p:nvPr>
-            <p:ph type="sldNum" sz="quarter" idx="12"/>
-          </p:nvPr>
-        </p:nvSpPr>
-        <p:spPr>
-          <a:noFill/>
-        </p:spPr>
-        <p:txBody>
-          <a:bodyPr/>
-          <a:lstStyle/>
-          <a:p>
-            <a:fld id="{E29C32D2-B16C-4ABC-AF05-FB7E30D03AEC}" type="slidenum">
-              <a:rPr lang="en-US" smtClean="0"/>
-              <a:pPr/>
-              <a:t>4</a:t>
-            </a:fld>
-            <a:endParaRPr lang="en-US" smtClean="0"/>
-          </a:p>
-        </p:txBody>
-      </p:sp>
-      <p:sp>
-        <p:nvSpPr>
           <p:cNvPr id="10245" name="Rectangle 2"/>
           <p:cNvSpPr>
             <a:spLocks noGrp="1" noChangeArrowheads="1"/>
@@ -16108,57 +14035,6 @@
       </p:grpSpPr>
       <p:sp>
         <p:nvSpPr>
-          <p:cNvPr id="11266" name="Date Placeholder 3"/>
-          <p:cNvSpPr>
-            <a:spLocks noGrp="1"/>
-          </p:cNvSpPr>
-          <p:nvPr>
-            <p:ph type="dt" sz="quarter" idx="10"/>
-          </p:nvPr>
-        </p:nvSpPr>
-        <p:spPr>
-          <a:noFill/>
-        </p:spPr>
-        <p:txBody>
-          <a:bodyPr/>
-          <a:lstStyle/>
-          <a:p>
-            <a:fld id="{B2DC9701-373E-4916-A741-C76FF652AC3F}" type="datetime1">
-              <a:rPr lang="fi-FI" smtClean="0"/>
-              <a:t>1.9.2016</a:t>
-            </a:fld>
-            <a:endParaRPr lang="en-US" smtClean="0"/>
-          </a:p>
-        </p:txBody>
-      </p:sp>
-      <p:sp>
-        <p:nvSpPr>
-          <p:cNvPr id="11268" name="Slide Number Placeholder 5"/>
-          <p:cNvSpPr>
-            <a:spLocks noGrp="1"/>
-          </p:cNvSpPr>
-          <p:nvPr>
-            <p:ph type="sldNum" sz="quarter" idx="12"/>
-          </p:nvPr>
-        </p:nvSpPr>
-        <p:spPr>
-          <a:noFill/>
-        </p:spPr>
-        <p:txBody>
-          <a:bodyPr/>
-          <a:lstStyle/>
-          <a:p>
-            <a:fld id="{7DC55A3A-C61E-4620-A0F5-87578BCE1A6C}" type="slidenum">
-              <a:rPr lang="en-US" smtClean="0"/>
-              <a:pPr/>
-              <a:t>5</a:t>
-            </a:fld>
-            <a:endParaRPr lang="en-US" smtClean="0"/>
-          </a:p>
-        </p:txBody>
-      </p:sp>
-      <p:sp>
-        <p:nvSpPr>
           <p:cNvPr id="11269" name="Rectangle 2"/>
           <p:cNvSpPr>
             <a:spLocks noGrp="1" noChangeArrowheads="1"/>
@@ -16477,61 +14353,6 @@
           </a:p>
         </p:txBody>
       </p:sp>
-      <p:sp>
-        <p:nvSpPr>
-          <p:cNvPr id="4" name="Date Placeholder 3"/>
-          <p:cNvSpPr>
-            <a:spLocks noGrp="1"/>
-          </p:cNvSpPr>
-          <p:nvPr>
-            <p:ph type="dt" sz="half" idx="10"/>
-          </p:nvPr>
-        </p:nvSpPr>
-        <p:spPr/>
-        <p:txBody>
-          <a:bodyPr/>
-          <a:lstStyle/>
-          <a:p>
-            <a:pPr>
-              <a:defRPr/>
-            </a:pPr>
-            <a:fld id="{97D7147A-2C6C-424C-B003-717D51088C09}" type="datetime1">
-              <a:rPr lang="fi-FI" smtClean="0"/>
-              <a:t>1.9.2016</a:t>
-            </a:fld>
-            <a:endParaRPr lang="en-US"/>
-          </a:p>
-        </p:txBody>
-      </p:sp>
-      <p:sp>
-        <p:nvSpPr>
-          <p:cNvPr id="6" name="Slide Number Placeholder 5"/>
-          <p:cNvSpPr>
-            <a:spLocks noGrp="1"/>
-          </p:cNvSpPr>
-          <p:nvPr>
-            <p:ph type="sldNum" sz="quarter" idx="12"/>
-          </p:nvPr>
-        </p:nvSpPr>
-        <p:spPr/>
-        <p:txBody>
-          <a:bodyPr/>
-          <a:lstStyle/>
-          <a:p>
-            <a:pPr>
-              <a:defRPr/>
-            </a:pPr>
-            <a:fld id="{0DDFC326-9D39-40F5-B59F-39218C82FCE9}" type="slidenum">
-              <a:rPr lang="en-US" smtClean="0"/>
-              <a:pPr>
-                <a:defRPr/>
-              </a:pPr>
-              <a:t>6</a:t>
-            </a:fld>
-            <a:endParaRPr lang="en-US"/>
-          </a:p>
-        </p:txBody>
-      </p:sp>
       <p:pic>
         <p:nvPicPr>
           <p:cNvPr id="76804" name="Picture 4" descr="C:\Documents and Settings\jaaleik\Local Settings\Temporary Internet Files\Content.IE5\ULUKRTTA\MC900436998[1].wmf"/>
@@ -16711,64 +14532,13 @@
             </a:r>
             <a:r>
               <a:rPr lang="fi-FI" sz="2000" b="1" i="1" dirty="0" smtClean="0"/>
-              <a:t>Syksy 16)</a:t>
+              <a:t>Kevät</a:t>
+            </a:r>
+            <a:r>
+              <a:rPr lang="fi-FI" sz="2000" b="1" i="1" dirty="0" smtClean="0"/>
+              <a:t> 17)</a:t>
             </a:r>
             <a:endParaRPr lang="en-GB" sz="2000" b="1" i="1" dirty="0" smtClean="0"/>
-          </a:p>
-        </p:txBody>
-      </p:sp>
-      <p:sp>
-        <p:nvSpPr>
-          <p:cNvPr id="4" name="Date Placeholder 3"/>
-          <p:cNvSpPr>
-            <a:spLocks noGrp="1"/>
-          </p:cNvSpPr>
-          <p:nvPr>
-            <p:ph type="dt" sz="half" idx="10"/>
-          </p:nvPr>
-        </p:nvSpPr>
-        <p:spPr/>
-        <p:txBody>
-          <a:bodyPr/>
-          <a:lstStyle/>
-          <a:p>
-            <a:pPr>
-              <a:defRPr/>
-            </a:pPr>
-            <a:fld id="{DFFE92DA-BBB9-4F06-8F84-D27B422FBAD2}" type="datetime1">
-              <a:rPr lang="fi-FI" smtClean="0"/>
-              <a:t>1.9.2016</a:t>
-            </a:fld>
-            <a:endParaRPr lang="en-US"/>
-          </a:p>
-        </p:txBody>
-      </p:sp>
-      <p:sp>
-        <p:nvSpPr>
-          <p:cNvPr id="6" name="Slide Number Placeholder 5"/>
-          <p:cNvSpPr>
-            <a:spLocks noGrp="1"/>
-          </p:cNvSpPr>
-          <p:nvPr>
-            <p:ph type="sldNum" sz="quarter" idx="12"/>
-          </p:nvPr>
-        </p:nvSpPr>
-        <p:spPr/>
-        <p:txBody>
-          <a:bodyPr/>
-          <a:lstStyle/>
-          <a:p>
-            <a:pPr>
-              <a:defRPr/>
-            </a:pPr>
-            <a:fld id="{0DDFC326-9D39-40F5-B59F-39218C82FCE9}" type="slidenum">
-              <a:rPr lang="en-US" smtClean="0"/>
-              <a:pPr>
-                <a:defRPr/>
-              </a:pPr>
-              <a:t>7</a:t>
-            </a:fld>
-            <a:endParaRPr lang="en-US"/>
           </a:p>
         </p:txBody>
       </p:sp>
@@ -16855,7 +14625,7 @@
           <a:p>
             <a:fld id="{AFDED2E8-740F-43D4-96A1-4ED0B44158FD}" type="datetime1">
               <a:rPr lang="fi-FI" smtClean="0"/>
-              <a:t>1.9.2016</a:t>
+              <a:t>18.1.2017</a:t>
             </a:fld>
             <a:endParaRPr lang="en-US" dirty="0" smtClean="0"/>
           </a:p>
@@ -16943,13 +14713,8 @@
           <a:p>
             <a:r>
               <a:rPr lang="en-US" dirty="0" smtClean="0"/>
-              <a:t>Laurea  |  </a:t>
-            </a:r>
-            <a:r>
-              <a:rPr lang="en-US" dirty="0" smtClean="0"/>
-              <a:t>Antonius Camara</a:t>
-            </a:r>
-            <a:endParaRPr lang="en-US" dirty="0" smtClean="0"/>
+              <a:t>Laurea  |  Antonius Camara</a:t>
+            </a:r>
           </a:p>
         </p:txBody>
       </p:sp>
@@ -17162,7 +14927,7 @@
                 </a:solidFill>
                 <a:latin typeface="Calibri" panose="020F0502020204030204"/>
               </a:rPr>
-              <a:t>13 </a:t>
+              <a:t>11 </a:t>
             </a:r>
             <a:r>
               <a:rPr lang="fi-FI" sz="1200" b="1" dirty="0" err="1" smtClean="0">
@@ -17262,40 +15027,18 @@
           <p:nvPr>
             <p:extLst>
               <p:ext uri="{D42A27DB-BD31-4B8C-83A1-F6EECF244321}">
-                <p14:modId xmlns:p14="http://schemas.microsoft.com/office/powerpoint/2010/main" val="435596789"/>
+                <p14:modId xmlns:p14="http://schemas.microsoft.com/office/powerpoint/2010/main" val="2145803079"/>
               </p:ext>
             </p:extLst>
           </p:nvPr>
         </p:nvGraphicFramePr>
         <p:xfrm>
-          <a:off x="127535" y="2885634"/>
-          <a:ext cx="4673065" cy="2776116"/>
+          <a:off x="94823" y="2882915"/>
+          <a:ext cx="4292065" cy="2776116"/>
         </p:xfrm>
         <a:graphic>
           <a:graphicData uri="http://schemas.openxmlformats.org/drawingml/2006/chart">
             <c:chart xmlns:c="http://schemas.openxmlformats.org/drawingml/2006/chart" xmlns:r="http://schemas.openxmlformats.org/officeDocument/2006/relationships" r:id="rId2"/>
-          </a:graphicData>
-        </a:graphic>
-      </p:graphicFrame>
-      <p:graphicFrame>
-        <p:nvGraphicFramePr>
-          <p:cNvPr id="30" name="Chart 29"/>
-          <p:cNvGraphicFramePr/>
-          <p:nvPr>
-            <p:extLst>
-              <p:ext uri="{D42A27DB-BD31-4B8C-83A1-F6EECF244321}">
-                <p14:modId xmlns:p14="http://schemas.microsoft.com/office/powerpoint/2010/main" val="2601349955"/>
-              </p:ext>
-            </p:extLst>
-          </p:nvPr>
-        </p:nvGraphicFramePr>
-        <p:xfrm>
-          <a:off x="4845379" y="2885634"/>
-          <a:ext cx="4479868" cy="2973879"/>
-        </p:xfrm>
-        <a:graphic>
-          <a:graphicData uri="http://schemas.openxmlformats.org/drawingml/2006/chart">
-            <c:chart xmlns:c="http://schemas.openxmlformats.org/drawingml/2006/chart" xmlns:r="http://schemas.openxmlformats.org/officeDocument/2006/relationships" r:id="rId3"/>
           </a:graphicData>
         </a:graphic>
       </p:graphicFrame>
@@ -17705,7 +15448,43 @@
                 </a:solidFill>
                 <a:latin typeface="Calibri" panose="020F0502020204030204"/>
               </a:rPr>
-              <a:t>(</a:t>
+              <a:t>– </a:t>
+            </a:r>
+            <a:r>
+              <a:rPr lang="fi-FI" sz="1200" dirty="0" err="1" smtClean="0">
+                <a:solidFill>
+                  <a:prstClr val="black"/>
+                </a:solidFill>
+                <a:latin typeface="Calibri" panose="020F0502020204030204"/>
+              </a:rPr>
+              <a:t>programming</a:t>
+            </a:r>
+            <a:r>
+              <a:rPr lang="fi-FI" sz="1200" dirty="0" smtClean="0">
+                <a:solidFill>
+                  <a:prstClr val="black"/>
+                </a:solidFill>
+                <a:latin typeface="Calibri" panose="020F0502020204030204"/>
+              </a:rPr>
+              <a:t> </a:t>
+            </a:r>
+            <a:r>
+              <a:rPr lang="fi-FI" sz="1200" dirty="0" err="1" smtClean="0">
+                <a:solidFill>
+                  <a:prstClr val="black"/>
+                </a:solidFill>
+                <a:latin typeface="Calibri" panose="020F0502020204030204"/>
+              </a:rPr>
+              <a:t>exercises</a:t>
+            </a:r>
+            <a:r>
+              <a:rPr lang="fi-FI" sz="1200" dirty="0" smtClean="0">
+                <a:solidFill>
+                  <a:prstClr val="black"/>
+                </a:solidFill>
+                <a:latin typeface="Calibri" panose="020F0502020204030204"/>
+              </a:rPr>
+              <a:t> (</a:t>
             </a:r>
             <a:r>
               <a:rPr lang="fi-FI" sz="1200" dirty="0" err="1" smtClean="0">
@@ -17736,13 +15515,13 @@
       </p:sp>
       <p:sp>
         <p:nvSpPr>
-          <p:cNvPr id="36" name="Oval 35"/>
+          <p:cNvPr id="38" name="Oval 37"/>
           <p:cNvSpPr/>
           <p:nvPr/>
         </p:nvSpPr>
         <p:spPr>
           <a:xfrm>
-            <a:off x="5694661" y="716508"/>
+            <a:off x="5922564" y="1846478"/>
             <a:ext cx="706836" cy="655092"/>
           </a:xfrm>
           <a:prstGeom prst="ellipse">
@@ -17800,13 +15579,13 @@
       </p:sp>
       <p:sp>
         <p:nvSpPr>
-          <p:cNvPr id="37" name="TextBox 36"/>
+          <p:cNvPr id="39" name="TextBox 38"/>
           <p:cNvSpPr txBox="1"/>
           <p:nvPr/>
         </p:nvSpPr>
         <p:spPr>
           <a:xfrm>
-            <a:off x="5743164" y="740741"/>
+            <a:off x="5971067" y="1884786"/>
             <a:ext cx="651076" cy="523220"/>
           </a:xfrm>
           <a:prstGeom prst="rect">
@@ -17835,8 +15614,14 @@
                 </a:solidFill>
                 <a:latin typeface="Calibri" panose="020F0502020204030204"/>
               </a:rPr>
-              <a:t>25</a:t>
-            </a:r>
+              <a:t>30</a:t>
+            </a:r>
+            <a:endParaRPr lang="fi-FI" sz="1400" b="1" dirty="0" smtClean="0">
+              <a:solidFill>
+                <a:prstClr val="black"/>
+              </a:solidFill>
+              <a:latin typeface="Calibri" panose="020F0502020204030204"/>
+            </a:endParaRPr>
           </a:p>
           <a:p>
             <a:pPr algn="ctr" eaLnBrk="1" fontAlgn="auto" hangingPunct="1">
@@ -17867,13 +15652,13 @@
       </p:sp>
       <p:sp>
         <p:nvSpPr>
-          <p:cNvPr id="38" name="Oval 37"/>
+          <p:cNvPr id="40" name="Oval 39"/>
           <p:cNvSpPr/>
           <p:nvPr/>
         </p:nvSpPr>
         <p:spPr>
           <a:xfrm>
-            <a:off x="5718405" y="1806962"/>
+            <a:off x="7463850" y="634117"/>
             <a:ext cx="706836" cy="655092"/>
           </a:xfrm>
           <a:prstGeom prst="ellipse">
@@ -17931,13 +15716,13 @@
       </p:sp>
       <p:sp>
         <p:nvSpPr>
-          <p:cNvPr id="39" name="TextBox 38"/>
+          <p:cNvPr id="41" name="TextBox 40"/>
           <p:cNvSpPr txBox="1"/>
           <p:nvPr/>
         </p:nvSpPr>
         <p:spPr>
           <a:xfrm>
-            <a:off x="5766908" y="1845270"/>
+            <a:off x="7505962" y="674675"/>
             <a:ext cx="651076" cy="523220"/>
           </a:xfrm>
           <a:prstGeom prst="rect">
@@ -17966,7 +15751,7 @@
                 </a:solidFill>
                 <a:latin typeface="Calibri" panose="020F0502020204030204"/>
               </a:rPr>
-              <a:t>1</a:t>
+              <a:t>7</a:t>
             </a:r>
             <a:r>
               <a:rPr lang="fi-FI" sz="1400" b="1" dirty="0" smtClean="0">
@@ -17975,8 +15760,14 @@
                 </a:solidFill>
                 <a:latin typeface="Calibri" panose="020F0502020204030204"/>
               </a:rPr>
-              <a:t>5</a:t>
-            </a:r>
+              <a:t>0</a:t>
+            </a:r>
+            <a:endParaRPr lang="fi-FI" sz="1400" b="1" dirty="0" smtClean="0">
+              <a:solidFill>
+                <a:prstClr val="black"/>
+              </a:solidFill>
+              <a:latin typeface="Calibri" panose="020F0502020204030204"/>
+            </a:endParaRPr>
           </a:p>
           <a:p>
             <a:pPr algn="ctr" eaLnBrk="1" fontAlgn="auto" hangingPunct="1">
@@ -18007,132 +15798,349 @@
       </p:sp>
       <p:sp>
         <p:nvSpPr>
-          <p:cNvPr id="40" name="Oval 39"/>
+          <p:cNvPr id="2" name="Rectangle 1"/>
           <p:cNvSpPr/>
           <p:nvPr/>
         </p:nvSpPr>
         <p:spPr>
           <a:xfrm>
-            <a:off x="7397225" y="1794483"/>
-            <a:ext cx="706836" cy="655092"/>
-          </a:xfrm>
-          <a:prstGeom prst="ellipse">
-            <a:avLst/>
-          </a:prstGeom>
-          <a:solidFill>
-            <a:srgbClr val="FFFF00"/>
-          </a:solidFill>
-          <a:ln w="12700" cap="flat" cmpd="sng" algn="ctr">
-            <a:solidFill>
-              <a:srgbClr val="FFFF00"/>
-            </a:solidFill>
-            <a:prstDash val="solid"/>
-            <a:miter lim="800000"/>
-          </a:ln>
-          <a:effectLst/>
-        </p:spPr>
-        <p:txBody>
-          <a:bodyPr rtlCol="0" anchor="ctr"/>
-          <a:lstStyle/>
-          <a:p>
-            <a:pPr marL="0" marR="0" lvl="0" indent="0" algn="ctr" defTabSz="914400" eaLnBrk="1" fontAlgn="auto" latinLnBrk="0" hangingPunct="1">
-              <a:lnSpc>
-                <a:spcPct val="100000"/>
-              </a:lnSpc>
-              <a:spcBef>
-                <a:spcPts val="0"/>
-              </a:spcBef>
-              <a:spcAft>
-                <a:spcPts val="0"/>
-              </a:spcAft>
-              <a:buClrTx/>
-              <a:buSzTx/>
-              <a:buFontTx/>
-              <a:buNone/>
-              <a:tabLst/>
-              <a:defRPr/>
-            </a:pPr>
-            <a:endParaRPr kumimoji="0" lang="en-US" sz="1800" b="0" i="0" u="none" strike="noStrike" kern="0" cap="none" spc="0" normalizeH="0" baseline="0" noProof="0" smtClean="0">
-              <a:ln>
-                <a:noFill/>
-              </a:ln>
-              <a:solidFill>
-                <a:prstClr val="white"/>
-              </a:solidFill>
-              <a:effectLst/>
-              <a:uLnTx/>
-              <a:uFillTx/>
-              <a:latin typeface="Calibri" panose="020F0502020204030204"/>
-              <a:ea typeface="+mn-ea"/>
-              <a:cs typeface="+mn-cs"/>
-            </a:endParaRPr>
-          </a:p>
-        </p:txBody>
-      </p:sp>
-      <p:sp>
-        <p:nvSpPr>
-          <p:cNvPr id="41" name="TextBox 40"/>
-          <p:cNvSpPr txBox="1"/>
-          <p:nvPr/>
-        </p:nvSpPr>
-        <p:spPr>
-          <a:xfrm>
-            <a:off x="7439337" y="1835041"/>
-            <a:ext cx="651076" cy="523220"/>
+            <a:off x="4767889" y="2910819"/>
+            <a:ext cx="4299911" cy="3046988"/>
           </a:xfrm>
           <a:prstGeom prst="rect">
             <a:avLst/>
           </a:prstGeom>
-          <a:noFill/>
         </p:spPr>
         <p:txBody>
-          <a:bodyPr wrap="none" rtlCol="0">
+          <a:bodyPr wrap="square">
             <a:spAutoFit/>
           </a:bodyPr>
           <a:lstStyle/>
           <a:p>
-            <a:pPr algn="ctr" eaLnBrk="1" fontAlgn="auto" hangingPunct="1">
-              <a:spcBef>
-                <a:spcPts val="0"/>
-              </a:spcBef>
-              <a:spcAft>
-                <a:spcPts val="0"/>
-              </a:spcAft>
-            </a:pPr>
-            <a:r>
-              <a:rPr lang="fi-FI" sz="1400" b="1" dirty="0" smtClean="0">
+            <a:r>
+              <a:rPr lang="en-US" sz="1200" dirty="0" smtClean="0">
                 <a:solidFill>
-                  <a:prstClr val="black"/>
+                  <a:schemeClr val="accent5"/>
                 </a:solidFill>
-                <a:latin typeface="Calibri" panose="020F0502020204030204"/>
+                <a:latin typeface="Trebuchet MS" panose="020B0603020202020204" pitchFamily="34" charset="0"/>
               </a:rPr>
-              <a:t>60</a:t>
-            </a:r>
-          </a:p>
-          <a:p>
-            <a:pPr algn="ctr" eaLnBrk="1" fontAlgn="auto" hangingPunct="1">
-              <a:spcBef>
-                <a:spcPts val="0"/>
-              </a:spcBef>
-              <a:spcAft>
-                <a:spcPts val="0"/>
-              </a:spcAft>
-            </a:pPr>
-            <a:r>
-              <a:rPr lang="fi-FI" sz="1400" b="1" dirty="0" err="1" smtClean="0">
+              <a:t>EVALUATION:</a:t>
+            </a:r>
+          </a:p>
+          <a:p>
+            <a:endParaRPr lang="en-US" sz="1200" dirty="0" smtClean="0">
+              <a:solidFill>
+                <a:schemeClr val="accent5"/>
+              </a:solidFill>
+              <a:latin typeface="Trebuchet MS" panose="020B0603020202020204" pitchFamily="34" charset="0"/>
+            </a:endParaRPr>
+          </a:p>
+          <a:p>
+            <a:r>
+              <a:rPr lang="en-US" sz="1200" dirty="0" smtClean="0">
                 <a:solidFill>
-                  <a:prstClr val="black"/>
+                  <a:schemeClr val="accent5"/>
                 </a:solidFill>
-                <a:latin typeface="Calibri" panose="020F0502020204030204"/>
+                <a:latin typeface="Trebuchet MS" panose="020B0603020202020204" pitchFamily="34" charset="0"/>
               </a:rPr>
-              <a:t>points</a:t>
-            </a:r>
-            <a:endParaRPr lang="en-US" sz="1400" b="1" dirty="0">
+              <a:t>1</a:t>
+            </a:r>
+            <a:r>
+              <a:rPr lang="en-US" sz="1200" dirty="0">
+                <a:solidFill>
+                  <a:schemeClr val="accent5"/>
+                </a:solidFill>
+                <a:latin typeface="Trebuchet MS" panose="020B0603020202020204" pitchFamily="34" charset="0"/>
+              </a:rPr>
+              <a:t>) </a:t>
+            </a:r>
+            <a:r>
+              <a:rPr lang="en-US" sz="1200" dirty="0" smtClean="0">
+                <a:solidFill>
+                  <a:schemeClr val="accent5"/>
+                </a:solidFill>
+                <a:latin typeface="Trebuchet MS" panose="020B0603020202020204" pitchFamily="34" charset="0"/>
+              </a:rPr>
+              <a:t>Completing </a:t>
+            </a:r>
+            <a:r>
+              <a:rPr lang="en-US" sz="1200" dirty="0" err="1" smtClean="0">
+                <a:solidFill>
+                  <a:schemeClr val="accent5"/>
+                </a:solidFill>
+                <a:latin typeface="Trebuchet MS" panose="020B0603020202020204" pitchFamily="34" charset="0"/>
+              </a:rPr>
+              <a:t>Viope’s</a:t>
+            </a:r>
+            <a:r>
+              <a:rPr lang="en-US" sz="1200" dirty="0" smtClean="0">
+                <a:solidFill>
+                  <a:schemeClr val="accent5"/>
+                </a:solidFill>
+                <a:latin typeface="Trebuchet MS" panose="020B0603020202020204" pitchFamily="34" charset="0"/>
+              </a:rPr>
+              <a:t> </a:t>
+            </a:r>
+            <a:r>
+              <a:rPr lang="en-US" sz="1200" dirty="0">
+                <a:solidFill>
+                  <a:schemeClr val="accent5"/>
+                </a:solidFill>
+                <a:latin typeface="Trebuchet MS" panose="020B0603020202020204" pitchFamily="34" charset="0"/>
+              </a:rPr>
+              <a:t>programming </a:t>
+            </a:r>
+            <a:r>
+              <a:rPr lang="en-US" sz="1200" dirty="0" smtClean="0">
+                <a:solidFill>
+                  <a:schemeClr val="accent5"/>
+                </a:solidFill>
+                <a:latin typeface="Trebuchet MS" panose="020B0603020202020204" pitchFamily="34" charset="0"/>
+              </a:rPr>
+              <a:t>exercises: </a:t>
+            </a:r>
+            <a:r>
+              <a:rPr lang="en-US" sz="1200" dirty="0">
+                <a:solidFill>
+                  <a:schemeClr val="accent5"/>
+                </a:solidFill>
+                <a:latin typeface="Trebuchet MS" panose="020B0603020202020204" pitchFamily="34" charset="0"/>
+              </a:rPr>
+              <a:t>0-30 points</a:t>
+            </a:r>
+          </a:p>
+          <a:p>
+            <a:r>
+              <a:rPr lang="en-US" sz="1200" dirty="0" smtClean="0">
+                <a:solidFill>
+                  <a:schemeClr val="accent5"/>
+                </a:solidFill>
+                <a:latin typeface="Trebuchet MS" panose="020B0603020202020204" pitchFamily="34" charset="0"/>
+              </a:rPr>
+              <a:t>2</a:t>
+            </a:r>
+            <a:r>
+              <a:rPr lang="en-US" sz="1200" dirty="0">
+                <a:solidFill>
+                  <a:schemeClr val="accent5"/>
+                </a:solidFill>
+                <a:latin typeface="Trebuchet MS" panose="020B0603020202020204" pitchFamily="34" charset="0"/>
+              </a:rPr>
+              <a:t>) Final exam: 0-70 points</a:t>
+            </a:r>
+          </a:p>
+          <a:p>
+            <a:endParaRPr lang="en-US" sz="1200" dirty="0">
               <a:solidFill>
-                <a:prstClr val="black"/>
+                <a:schemeClr val="accent5"/>
               </a:solidFill>
-              <a:latin typeface="Calibri" panose="020F0502020204030204"/>
+              <a:latin typeface="Trebuchet MS" panose="020B0603020202020204" pitchFamily="34" charset="0"/>
             </a:endParaRPr>
+          </a:p>
+          <a:p>
+            <a:r>
+              <a:rPr lang="en-US" sz="1200" dirty="0">
+                <a:solidFill>
+                  <a:schemeClr val="accent5"/>
+                </a:solidFill>
+                <a:latin typeface="Trebuchet MS" panose="020B0603020202020204" pitchFamily="34" charset="0"/>
+              </a:rPr>
+              <a:t>FINAL POINTS: Sum of the above (0-100 points)</a:t>
+            </a:r>
+          </a:p>
+          <a:p>
+            <a:r>
+              <a:rPr lang="en-US" sz="1200" dirty="0">
+                <a:solidFill>
+                  <a:schemeClr val="accent5"/>
+                </a:solidFill>
+                <a:latin typeface="Trebuchet MS" panose="020B0603020202020204" pitchFamily="34" charset="0"/>
+              </a:rPr>
+              <a:t> </a:t>
+            </a:r>
+          </a:p>
+          <a:p>
+            <a:r>
+              <a:rPr lang="en-US" sz="1200" dirty="0">
+                <a:solidFill>
+                  <a:schemeClr val="accent5"/>
+                </a:solidFill>
+                <a:latin typeface="Trebuchet MS" panose="020B0603020202020204" pitchFamily="34" charset="0"/>
+              </a:rPr>
+              <a:t>F</a:t>
+            </a:r>
+            <a:r>
+              <a:rPr lang="en-US" sz="1200" dirty="0" smtClean="0">
+                <a:solidFill>
+                  <a:schemeClr val="accent5"/>
+                </a:solidFill>
+                <a:latin typeface="Trebuchet MS" panose="020B0603020202020204" pitchFamily="34" charset="0"/>
+              </a:rPr>
+              <a:t>inal </a:t>
+            </a:r>
+            <a:r>
+              <a:rPr lang="en-US" sz="1200" dirty="0">
+                <a:solidFill>
+                  <a:schemeClr val="accent5"/>
+                </a:solidFill>
+                <a:latin typeface="Trebuchet MS" panose="020B0603020202020204" pitchFamily="34" charset="0"/>
+              </a:rPr>
+              <a:t>grade in the </a:t>
+            </a:r>
+            <a:r>
+              <a:rPr lang="en-US" sz="1200" dirty="0" smtClean="0">
+                <a:solidFill>
+                  <a:schemeClr val="accent5"/>
+                </a:solidFill>
+                <a:latin typeface="Trebuchet MS" panose="020B0603020202020204" pitchFamily="34" charset="0"/>
+              </a:rPr>
+              <a:t>course: </a:t>
+            </a:r>
+            <a:endParaRPr lang="en-US" sz="1200" dirty="0">
+              <a:solidFill>
+                <a:schemeClr val="accent5"/>
+              </a:solidFill>
+              <a:latin typeface="Trebuchet MS" panose="020B0603020202020204" pitchFamily="34" charset="0"/>
+            </a:endParaRPr>
+          </a:p>
+          <a:p>
+            <a:endParaRPr lang="en-US" sz="1200" dirty="0" smtClean="0">
+              <a:solidFill>
+                <a:schemeClr val="accent5"/>
+              </a:solidFill>
+              <a:latin typeface="Trebuchet MS" panose="020B0603020202020204" pitchFamily="34" charset="0"/>
+            </a:endParaRPr>
+          </a:p>
+          <a:p>
+            <a:r>
+              <a:rPr lang="en-US" sz="1200" dirty="0" smtClean="0">
+                <a:solidFill>
+                  <a:schemeClr val="accent5"/>
+                </a:solidFill>
+                <a:latin typeface="Trebuchet MS" panose="020B0603020202020204" pitchFamily="34" charset="0"/>
+              </a:rPr>
+              <a:t>0-40 pts: 	Grade </a:t>
+            </a:r>
+            <a:r>
+              <a:rPr lang="en-US" sz="1200" dirty="0">
+                <a:solidFill>
+                  <a:schemeClr val="accent5"/>
+                </a:solidFill>
+                <a:latin typeface="Trebuchet MS" panose="020B0603020202020204" pitchFamily="34" charset="0"/>
+              </a:rPr>
+              <a:t>of "0" (not passing the course)</a:t>
+            </a:r>
+          </a:p>
+          <a:p>
+            <a:r>
+              <a:rPr lang="en-US" sz="1200" dirty="0" smtClean="0">
+                <a:solidFill>
+                  <a:schemeClr val="accent5"/>
+                </a:solidFill>
+                <a:latin typeface="Trebuchet MS" panose="020B0603020202020204" pitchFamily="34" charset="0"/>
+              </a:rPr>
+              <a:t>41-48 pts: 	Grade </a:t>
+            </a:r>
+            <a:r>
+              <a:rPr lang="en-US" sz="1200" dirty="0">
+                <a:solidFill>
+                  <a:schemeClr val="accent5"/>
+                </a:solidFill>
+                <a:latin typeface="Trebuchet MS" panose="020B0603020202020204" pitchFamily="34" charset="0"/>
+              </a:rPr>
+              <a:t>"1" (satisfactory)</a:t>
+            </a:r>
+          </a:p>
+          <a:p>
+            <a:r>
+              <a:rPr lang="en-US" sz="1200" dirty="0" smtClean="0">
+                <a:solidFill>
+                  <a:schemeClr val="accent5"/>
+                </a:solidFill>
+                <a:latin typeface="Trebuchet MS" panose="020B0603020202020204" pitchFamily="34" charset="0"/>
+              </a:rPr>
+              <a:t>49-59 pts: 	Grade </a:t>
+            </a:r>
+            <a:r>
+              <a:rPr lang="en-US" sz="1200" dirty="0">
+                <a:solidFill>
+                  <a:schemeClr val="accent5"/>
+                </a:solidFill>
+                <a:latin typeface="Trebuchet MS" panose="020B0603020202020204" pitchFamily="34" charset="0"/>
+              </a:rPr>
+              <a:t>"2" (satisfactory)</a:t>
+            </a:r>
+          </a:p>
+          <a:p>
+            <a:r>
+              <a:rPr lang="en-US" sz="1200" dirty="0" smtClean="0">
+                <a:solidFill>
+                  <a:schemeClr val="accent5"/>
+                </a:solidFill>
+                <a:latin typeface="Trebuchet MS" panose="020B0603020202020204" pitchFamily="34" charset="0"/>
+              </a:rPr>
+              <a:t>60-71 pts: 	Grade </a:t>
+            </a:r>
+            <a:r>
+              <a:rPr lang="en-US" sz="1200" dirty="0">
+                <a:solidFill>
+                  <a:schemeClr val="accent5"/>
+                </a:solidFill>
+                <a:latin typeface="Trebuchet MS" panose="020B0603020202020204" pitchFamily="34" charset="0"/>
+              </a:rPr>
+              <a:t>"3" (good)</a:t>
+            </a:r>
+          </a:p>
+          <a:p>
+            <a:r>
+              <a:rPr lang="en-US" sz="1200" dirty="0" smtClean="0">
+                <a:solidFill>
+                  <a:schemeClr val="accent5"/>
+                </a:solidFill>
+                <a:latin typeface="Trebuchet MS" panose="020B0603020202020204" pitchFamily="34" charset="0"/>
+              </a:rPr>
+              <a:t>72-84 pts: 	Grade </a:t>
+            </a:r>
+            <a:r>
+              <a:rPr lang="en-US" sz="1200" dirty="0">
+                <a:solidFill>
+                  <a:schemeClr val="accent5"/>
+                </a:solidFill>
+                <a:latin typeface="Trebuchet MS" panose="020B0603020202020204" pitchFamily="34" charset="0"/>
+              </a:rPr>
+              <a:t>"4" (very good)</a:t>
+            </a:r>
+          </a:p>
+          <a:p>
+            <a:r>
+              <a:rPr lang="en-US" sz="1200" dirty="0" smtClean="0">
+                <a:solidFill>
+                  <a:schemeClr val="accent5"/>
+                </a:solidFill>
+                <a:latin typeface="Trebuchet MS" panose="020B0603020202020204" pitchFamily="34" charset="0"/>
+              </a:rPr>
+              <a:t>85-100 pts: 	Grade </a:t>
+            </a:r>
+            <a:r>
+              <a:rPr lang="en-US" sz="1200" dirty="0">
+                <a:solidFill>
+                  <a:schemeClr val="accent5"/>
+                </a:solidFill>
+                <a:latin typeface="Trebuchet MS" panose="020B0603020202020204" pitchFamily="34" charset="0"/>
+              </a:rPr>
+              <a:t>"5" (excellent)</a:t>
+            </a:r>
+          </a:p>
+          <a:p>
+            <a:r>
+              <a:rPr lang="en-US" sz="1200" dirty="0">
+                <a:solidFill>
+                  <a:schemeClr val="accent5"/>
+                </a:solidFill>
+                <a:latin typeface="Trebuchet MS" panose="020B0603020202020204" pitchFamily="34" charset="0"/>
+              </a:rPr>
+              <a:t> </a:t>
+            </a:r>
           </a:p>
         </p:txBody>
       </p:sp>
@@ -18168,57 +16176,6 @@
           <a:chExt cx="0" cy="0"/>
         </a:xfrm>
       </p:grpSpPr>
-      <p:sp>
-        <p:nvSpPr>
-          <p:cNvPr id="12290" name="Date Placeholder 3"/>
-          <p:cNvSpPr>
-            <a:spLocks noGrp="1"/>
-          </p:cNvSpPr>
-          <p:nvPr>
-            <p:ph type="dt" sz="quarter" idx="10"/>
-          </p:nvPr>
-        </p:nvSpPr>
-        <p:spPr>
-          <a:noFill/>
-        </p:spPr>
-        <p:txBody>
-          <a:bodyPr/>
-          <a:lstStyle/>
-          <a:p>
-            <a:fld id="{FF896ED3-828D-413A-9483-E708204ACD18}" type="datetime1">
-              <a:rPr lang="fi-FI" smtClean="0"/>
-              <a:t>1.9.2016</a:t>
-            </a:fld>
-            <a:endParaRPr lang="en-US" smtClean="0"/>
-          </a:p>
-        </p:txBody>
-      </p:sp>
-      <p:sp>
-        <p:nvSpPr>
-          <p:cNvPr id="12292" name="Slide Number Placeholder 5"/>
-          <p:cNvSpPr>
-            <a:spLocks noGrp="1"/>
-          </p:cNvSpPr>
-          <p:nvPr>
-            <p:ph type="sldNum" sz="quarter" idx="12"/>
-          </p:nvPr>
-        </p:nvSpPr>
-        <p:spPr>
-          <a:noFill/>
-        </p:spPr>
-        <p:txBody>
-          <a:bodyPr/>
-          <a:lstStyle/>
-          <a:p>
-            <a:fld id="{12C75DA1-8404-4FC4-9C52-D01A529E4533}" type="slidenum">
-              <a:rPr lang="en-US" smtClean="0"/>
-              <a:pPr/>
-              <a:t>9</a:t>
-            </a:fld>
-            <a:endParaRPr lang="en-US" smtClean="0"/>
-          </a:p>
-        </p:txBody>
-      </p:sp>
       <p:sp>
         <p:nvSpPr>
           <p:cNvPr id="12293" name="Rectangle 2"/>
@@ -19919,256 +17876,4 @@
     </a:bgFillStyleLst>
   </a:fmtScheme>
 </a:themeOverride>
-</file>
-
-<file path=ppt/theme/themeOverride2.xml><?xml version="1.0" encoding="utf-8"?>
-<a:themeOverride xmlns:a="http://schemas.openxmlformats.org/drawingml/2006/main">
-  <a:clrScheme name="Office Theme">
-    <a:dk1>
-      <a:sysClr val="windowText" lastClr="000000"/>
-    </a:dk1>
-    <a:lt1>
-      <a:sysClr val="window" lastClr="FFFFFF"/>
-    </a:lt1>
-    <a:dk2>
-      <a:srgbClr val="44546A"/>
-    </a:dk2>
-    <a:lt2>
-      <a:srgbClr val="E7E6E6"/>
-    </a:lt2>
-    <a:accent1>
-      <a:srgbClr val="5B9BD5"/>
-    </a:accent1>
-    <a:accent2>
-      <a:srgbClr val="ED7D31"/>
-    </a:accent2>
-    <a:accent3>
-      <a:srgbClr val="A5A5A5"/>
-    </a:accent3>
-    <a:accent4>
-      <a:srgbClr val="FFC000"/>
-    </a:accent4>
-    <a:accent5>
-      <a:srgbClr val="4472C4"/>
-    </a:accent5>
-    <a:accent6>
-      <a:srgbClr val="70AD47"/>
-    </a:accent6>
-    <a:hlink>
-      <a:srgbClr val="0563C1"/>
-    </a:hlink>
-    <a:folHlink>
-      <a:srgbClr val="954F72"/>
-    </a:folHlink>
-  </a:clrScheme>
-  <a:fontScheme name="Office Theme">
-    <a:majorFont>
-      <a:latin typeface="Calibri Light" panose="020F0302020204030204"/>
-      <a:ea typeface=""/>
-      <a:cs typeface=""/>
-      <a:font script="Jpan" typeface="ＭＳ Ｐゴシック"/>
-      <a:font script="Hang" typeface="맑은 고딕"/>
-      <a:font script="Hans" typeface="宋体"/>
-      <a:font script="Hant" typeface="新細明體"/>
-      <a:font script="Arab" typeface="Times New Roman"/>
-      <a:font script="Hebr" typeface="Times New Roman"/>
-      <a:font script="Thai" typeface="Angsana New"/>
-      <a:font script="Ethi" typeface="Nyala"/>
-      <a:font script="Beng" typeface="Vrinda"/>
-      <a:font script="Gujr" typeface="Shruti"/>
-      <a:font script="Khmr" typeface="MoolBoran"/>
-      <a:font script="Knda" typeface="Tunga"/>
-      <a:font script="Guru" typeface="Raavi"/>
-      <a:font script="Cans" typeface="Euphemia"/>
-      <a:font script="Cher" typeface="Plantagenet Cherokee"/>
-      <a:font script="Yiii" typeface="Microsoft Yi Baiti"/>
-      <a:font script="Tibt" typeface="Microsoft Himalaya"/>
-      <a:font script="Thaa" typeface="MV Boli"/>
-      <a:font script="Deva" typeface="Mangal"/>
-      <a:font script="Telu" typeface="Gautami"/>
-      <a:font script="Taml" typeface="Latha"/>
-      <a:font script="Syrc" typeface="Estrangelo Edessa"/>
-      <a:font script="Orya" typeface="Kalinga"/>
-      <a:font script="Mlym" typeface="Kartika"/>
-      <a:font script="Laoo" typeface="DokChampa"/>
-      <a:font script="Sinh" typeface="Iskoola Pota"/>
-      <a:font script="Mong" typeface="Mongolian Baiti"/>
-      <a:font script="Viet" typeface="Times New Roman"/>
-      <a:font script="Uigh" typeface="Microsoft Uighur"/>
-      <a:font script="Geor" typeface="Sylfaen"/>
-    </a:majorFont>
-    <a:minorFont>
-      <a:latin typeface="Calibri" panose="020F0502020204030204"/>
-      <a:ea typeface=""/>
-      <a:cs typeface=""/>
-      <a:font script="Jpan" typeface="ＭＳ Ｐゴシック"/>
-      <a:font script="Hang" typeface="맑은 고딕"/>
-      <a:font script="Hans" typeface="宋体"/>
-      <a:font script="Hant" typeface="新細明體"/>
-      <a:font script="Arab" typeface="Arial"/>
-      <a:font script="Hebr" typeface="Arial"/>
-      <a:font script="Thai" typeface="Cordia New"/>
-      <a:font script="Ethi" typeface="Nyala"/>
-      <a:font script="Beng" typeface="Vrinda"/>
-      <a:font script="Gujr" typeface="Shruti"/>
-      <a:font script="Khmr" typeface="DaunPenh"/>
-      <a:font script="Knda" typeface="Tunga"/>
-      <a:font script="Guru" typeface="Raavi"/>
-      <a:font script="Cans" typeface="Euphemia"/>
-      <a:font script="Cher" typeface="Plantagenet Cherokee"/>
-      <a:font script="Yiii" typeface="Microsoft Yi Baiti"/>
-      <a:font script="Tibt" typeface="Microsoft Himalaya"/>
-      <a:font script="Thaa" typeface="MV Boli"/>
-      <a:font script="Deva" typeface="Mangal"/>
-      <a:font script="Telu" typeface="Gautami"/>
-      <a:font script="Taml" typeface="Latha"/>
-      <a:font script="Syrc" typeface="Estrangelo Edessa"/>
-      <a:font script="Orya" typeface="Kalinga"/>
-      <a:font script="Mlym" typeface="Kartika"/>
-      <a:font script="Laoo" typeface="DokChampa"/>
-      <a:font script="Sinh" typeface="Iskoola Pota"/>
-      <a:font script="Mong" typeface="Mongolian Baiti"/>
-      <a:font script="Viet" typeface="Arial"/>
-      <a:font script="Uigh" typeface="Microsoft Uighur"/>
-      <a:font script="Geor" typeface="Sylfaen"/>
-    </a:minorFont>
-  </a:fontScheme>
-  <a:fmtScheme name="Office Theme">
-    <a:fillStyleLst>
-      <a:solidFill>
-        <a:schemeClr val="phClr"/>
-      </a:solidFill>
-      <a:gradFill rotWithShape="1">
-        <a:gsLst>
-          <a:gs pos="0">
-            <a:schemeClr val="phClr">
-              <a:lumMod val="110000"/>
-              <a:satMod val="105000"/>
-              <a:tint val="67000"/>
-            </a:schemeClr>
-          </a:gs>
-          <a:gs pos="50000">
-            <a:schemeClr val="phClr">
-              <a:lumMod val="105000"/>
-              <a:satMod val="103000"/>
-              <a:tint val="73000"/>
-            </a:schemeClr>
-          </a:gs>
-          <a:gs pos="100000">
-            <a:schemeClr val="phClr">
-              <a:lumMod val="105000"/>
-              <a:satMod val="109000"/>
-              <a:tint val="81000"/>
-            </a:schemeClr>
-          </a:gs>
-        </a:gsLst>
-        <a:lin ang="5400000" scaled="0"/>
-      </a:gradFill>
-      <a:gradFill rotWithShape="1">
-        <a:gsLst>
-          <a:gs pos="0">
-            <a:schemeClr val="phClr">
-              <a:satMod val="103000"/>
-              <a:lumMod val="102000"/>
-              <a:tint val="94000"/>
-            </a:schemeClr>
-          </a:gs>
-          <a:gs pos="50000">
-            <a:schemeClr val="phClr">
-              <a:satMod val="110000"/>
-              <a:lumMod val="100000"/>
-              <a:shade val="100000"/>
-            </a:schemeClr>
-          </a:gs>
-          <a:gs pos="100000">
-            <a:schemeClr val="phClr">
-              <a:lumMod val="99000"/>
-              <a:satMod val="120000"/>
-              <a:shade val="78000"/>
-            </a:schemeClr>
-          </a:gs>
-        </a:gsLst>
-        <a:lin ang="5400000" scaled="0"/>
-      </a:gradFill>
-    </a:fillStyleLst>
-    <a:lnStyleLst>
-      <a:ln w="6350" cap="flat" cmpd="sng" algn="ctr">
-        <a:solidFill>
-          <a:schemeClr val="phClr"/>
-        </a:solidFill>
-        <a:prstDash val="solid"/>
-        <a:miter lim="800000"/>
-      </a:ln>
-      <a:ln w="12700" cap="flat" cmpd="sng" algn="ctr">
-        <a:solidFill>
-          <a:schemeClr val="phClr"/>
-        </a:solidFill>
-        <a:prstDash val="solid"/>
-        <a:miter lim="800000"/>
-      </a:ln>
-      <a:ln w="19050" cap="flat" cmpd="sng" algn="ctr">
-        <a:solidFill>
-          <a:schemeClr val="phClr"/>
-        </a:solidFill>
-        <a:prstDash val="solid"/>
-        <a:miter lim="800000"/>
-      </a:ln>
-    </a:lnStyleLst>
-    <a:effectStyleLst>
-      <a:effectStyle>
-        <a:effectLst/>
-      </a:effectStyle>
-      <a:effectStyle>
-        <a:effectLst/>
-      </a:effectStyle>
-      <a:effectStyle>
-        <a:effectLst>
-          <a:outerShdw blurRad="57150" dist="19050" dir="5400000" algn="ctr" rotWithShape="0">
-            <a:srgbClr val="000000">
-              <a:alpha val="63000"/>
-            </a:srgbClr>
-          </a:outerShdw>
-        </a:effectLst>
-      </a:effectStyle>
-    </a:effectStyleLst>
-    <a:bgFillStyleLst>
-      <a:solidFill>
-        <a:schemeClr val="phClr"/>
-      </a:solidFill>
-      <a:solidFill>
-        <a:schemeClr val="phClr">
-          <a:tint val="95000"/>
-          <a:satMod val="170000"/>
-        </a:schemeClr>
-      </a:solidFill>
-      <a:gradFill rotWithShape="1">
-        <a:gsLst>
-          <a:gs pos="0">
-            <a:schemeClr val="phClr">
-              <a:tint val="93000"/>
-              <a:satMod val="150000"/>
-              <a:shade val="98000"/>
-              <a:lumMod val="102000"/>
-            </a:schemeClr>
-          </a:gs>
-          <a:gs pos="50000">
-            <a:schemeClr val="phClr">
-              <a:tint val="98000"/>
-              <a:satMod val="130000"/>
-              <a:shade val="90000"/>
-              <a:lumMod val="103000"/>
-            </a:schemeClr>
-          </a:gs>
-          <a:gs pos="100000">
-            <a:schemeClr val="phClr">
-              <a:shade val="63000"/>
-              <a:satMod val="120000"/>
-            </a:schemeClr>
-          </a:gs>
-        </a:gsLst>
-        <a:lin ang="5400000" scaled="0"/>
-      </a:gradFill>
-    </a:bgFillStyleLst>
-  </a:fmtScheme>
-</a:themeOverride>
 </file>
--- a/Lecture materials (Antonius)/R0027-Luento-1-Intro.pptx
+++ b/Lecture materials (Antonius)/R0027-Luento-1-Intro.pptx
@@ -2117,7 +2117,7 @@
             </a:pPr>
             <a:fld id="{9243BF99-14F5-42DE-BA49-2D78B4AB83FD}" type="datetime1">
               <a:rPr lang="fi-FI" smtClean="0"/>
-              <a:t>18.1.2017</a:t>
+              <a:t>1.9.2017</a:t>
             </a:fld>
             <a:endParaRPr lang="en-US"/>
           </a:p>
@@ -2317,7 +2317,7 @@
             </a:pPr>
             <a:fld id="{BA7AF33B-D368-4943-9C88-C07E2A466AD4}" type="datetime1">
               <a:rPr lang="fi-FI" smtClean="0"/>
-              <a:t>18.1.2017</a:t>
+              <a:t>1.9.2017</a:t>
             </a:fld>
             <a:endParaRPr lang="en-US"/>
           </a:p>
@@ -2526,7 +2526,7 @@
             </a:pPr>
             <a:fld id="{1BE11728-E41A-41B3-ADC5-28DF3929F2A2}" type="datetime1">
               <a:rPr lang="fi-FI" smtClean="0"/>
-              <a:t>18.1.2017</a:t>
+              <a:t>1.9.2017</a:t>
             </a:fld>
             <a:endParaRPr lang="en-US"/>
           </a:p>
@@ -2792,7 +2792,7 @@
             </a:pPr>
             <a:fld id="{45FB7A60-24F7-4607-818C-8101B1F6544A}" type="datetime1">
               <a:rPr lang="fi-FI" smtClean="0"/>
-              <a:t>18.1.2017</a:t>
+              <a:t>1.9.2017</a:t>
             </a:fld>
             <a:endParaRPr lang="en-US"/>
           </a:p>
@@ -2991,7 +2991,7 @@
             </a:pPr>
             <a:fld id="{A0917F03-5761-4994-BC05-FEA56BB55142}" type="datetime1">
               <a:rPr lang="fi-FI" smtClean="0"/>
-              <a:t>18.1.2017</a:t>
+              <a:t>1.9.2017</a:t>
             </a:fld>
             <a:endParaRPr lang="en-US"/>
           </a:p>
@@ -3216,7 +3216,7 @@
             </a:pPr>
             <a:fld id="{C3BB86B7-8B70-4AA0-AC4B-C8FC14664528}" type="datetime1">
               <a:rPr lang="fi-FI" smtClean="0"/>
-              <a:t>18.1.2017</a:t>
+              <a:t>1.9.2017</a:t>
             </a:fld>
             <a:endParaRPr lang="en-US"/>
           </a:p>
@@ -3537,7 +3537,7 @@
             </a:pPr>
             <a:fld id="{EE0145AC-00E1-4C94-8D6B-EE0ED85AAD1D}" type="datetime1">
               <a:rPr lang="fi-FI" smtClean="0"/>
-              <a:t>18.1.2017</a:t>
+              <a:t>1.9.2017</a:t>
             </a:fld>
             <a:endParaRPr lang="en-US"/>
           </a:p>
@@ -3997,7 +3997,7 @@
             </a:pPr>
             <a:fld id="{AB79CDDC-2D01-4F6C-AC4E-45C12704A4EF}" type="datetime1">
               <a:rPr lang="fi-FI" smtClean="0"/>
-              <a:t>18.1.2017</a:t>
+              <a:t>1.9.2017</a:t>
             </a:fld>
             <a:endParaRPr lang="en-US"/>
           </a:p>
@@ -4144,7 +4144,7 @@
             </a:pPr>
             <a:fld id="{44D4A43D-066C-4DA6-A3D1-A856365AB286}" type="datetime1">
               <a:rPr lang="fi-FI" smtClean="0"/>
-              <a:t>18.1.2017</a:t>
+              <a:t>1.9.2017</a:t>
             </a:fld>
             <a:endParaRPr lang="en-US"/>
           </a:p>
@@ -4268,7 +4268,7 @@
             </a:pPr>
             <a:fld id="{27543B41-9C0A-4AD9-B30E-E7A298F534E9}" type="datetime1">
               <a:rPr lang="fi-FI" smtClean="0"/>
-              <a:t>18.1.2017</a:t>
+              <a:t>1.9.2017</a:t>
             </a:fld>
             <a:endParaRPr lang="en-US"/>
           </a:p>
@@ -4574,7 +4574,7 @@
             </a:pPr>
             <a:fld id="{08DD5A7E-E79C-4271-9C38-02656C0B8982}" type="datetime1">
               <a:rPr lang="fi-FI" smtClean="0"/>
-              <a:t>18.1.2017</a:t>
+              <a:t>1.9.2017</a:t>
             </a:fld>
             <a:endParaRPr lang="en-US"/>
           </a:p>
@@ -4857,7 +4857,7 @@
             </a:pPr>
             <a:fld id="{F4BAE4AA-8E38-4576-8A0C-10C1F477ABCA}" type="datetime1">
               <a:rPr lang="fi-FI" smtClean="0"/>
-              <a:t>18.1.2017</a:t>
+              <a:t>1.9.2017</a:t>
             </a:fld>
             <a:endParaRPr lang="en-US"/>
           </a:p>
@@ -5119,7 +5119,7 @@
             </a:pPr>
             <a:fld id="{D1907589-2AC4-4C60-B385-280C9D0298FA}" type="datetime1">
               <a:rPr lang="fi-FI" smtClean="0"/>
-              <a:t>18.1.2017</a:t>
+              <a:t>1.9.2017</a:t>
             </a:fld>
             <a:endParaRPr lang="en-US"/>
           </a:p>
@@ -6011,7 +6011,7 @@
           <a:p>
             <a:fld id="{F188AE5C-8E4C-4AA5-AC57-3EE1C6E26226}" type="datetime1">
               <a:rPr lang="fi-FI" smtClean="0"/>
-              <a:t>18.1.2017</a:t>
+              <a:t>1.9.2017</a:t>
             </a:fld>
             <a:endParaRPr lang="en-US" smtClean="0"/>
           </a:p>
@@ -6132,18 +6132,22 @@
             <a:pPr eaLnBrk="1" hangingPunct="1"/>
             <a:r>
               <a:rPr lang="fi-FI" sz="2400" dirty="0" smtClean="0"/>
-              <a:t>Yksinkin </a:t>
-            </a:r>
+              <a:t>Yksinkin tekeminen on mahdollista</a:t>
+            </a:r>
+          </a:p>
+          <a:p>
+            <a:pPr eaLnBrk="1" hangingPunct="1"/>
             <a:r>
               <a:rPr lang="fi-FI" sz="2400" dirty="0" smtClean="0"/>
-              <a:t>tekeminen on mahdollista</a:t>
-            </a:r>
-          </a:p>
-          <a:p>
-            <a:pPr eaLnBrk="1" hangingPunct="1"/>
+              <a:t>Kotitehtäviin saa kysyä apua, mutta niitä ei </a:t>
+            </a:r>
             <a:r>
               <a:rPr lang="fi-FI" sz="2400" dirty="0" smtClean="0"/>
-              <a:t>Kotitehtäviin saa kysyä apua, mutta niitä ei saa plagioida suoraan</a:t>
+              <a:t>kannatta plagioida </a:t>
+            </a:r>
+            <a:r>
+              <a:rPr lang="fi-FI" sz="2400" dirty="0" smtClean="0"/>
+              <a:t>suoraan</a:t>
             </a:r>
           </a:p>
           <a:p>
@@ -6405,7 +6409,7 @@
           <a:p>
             <a:fld id="{77738779-5726-4341-BD31-3F113364D60D}" type="datetime1">
               <a:rPr lang="fi-FI" smtClean="0"/>
-              <a:t>18.1.2017</a:t>
+              <a:t>1.9.2017</a:t>
             </a:fld>
             <a:endParaRPr lang="en-US" smtClean="0"/>
           </a:p>
@@ -6539,7 +6543,6 @@
               <a:rPr lang="fi-FI" sz="1600" b="1" dirty="0" smtClean="0"/>
               <a:t>)</a:t>
             </a:r>
-            <a:endParaRPr lang="fi-FI" sz="1600" b="1" dirty="0" smtClean="0"/>
           </a:p>
           <a:p>
             <a:pPr lvl="1" eaLnBrk="1" hangingPunct="1">
@@ -6892,18 +6895,18 @@
               <a:rPr lang="fi-FI" sz="1800" b="1" dirty="0" smtClean="0"/>
             </a:br>
             <a:r>
+              <a:rPr lang="fi-FI" sz="1800" dirty="0">
+                <a:hlinkClick r:id="rId3"/>
+              </a:rPr>
+              <a:t>https://docs.oracle.com/javase/7/docs/api</a:t>
+            </a:r>
+            <a:r>
               <a:rPr lang="fi-FI" sz="1800" dirty="0" smtClean="0">
                 <a:hlinkClick r:id="rId3"/>
               </a:rPr>
-              <a:t>http://download.oracle.com/javase/6/docs/api/</a:t>
-            </a:r>
-            <a:endParaRPr lang="fi-FI" sz="1800" dirty="0" smtClean="0">
-              <a:solidFill>
-                <a:schemeClr val="accent1">
-                  <a:lumMod val="75000"/>
-                </a:schemeClr>
-              </a:solidFill>
-            </a:endParaRPr>
+              <a:t>/</a:t>
+            </a:r>
+            <a:endParaRPr lang="fi-FI" sz="1800" dirty="0" smtClean="0"/>
           </a:p>
           <a:p>
             <a:pPr lvl="1" eaLnBrk="1" hangingPunct="1">
@@ -6915,7 +6918,11 @@
             </a:r>
             <a:r>
               <a:rPr lang="fi-FI" sz="1800" b="1" dirty="0" smtClean="0"/>
-              <a:t> Help</a:t>
+              <a:t> </a:t>
+            </a:r>
+            <a:r>
+              <a:rPr lang="fi-FI" sz="1800" b="1" dirty="0" smtClean="0"/>
+              <a:t>Help</a:t>
             </a:r>
             <a:br>
               <a:rPr lang="fi-FI" sz="1800" b="1" dirty="0" smtClean="0"/>
@@ -7631,7 +7638,6 @@
               <a:rPr lang="fi-FI" sz="2300" dirty="0" smtClean="0"/>
               <a:t>Mobiilisovellukset</a:t>
             </a:r>
-            <a:endParaRPr lang="fi-FI" sz="2300" dirty="0" smtClean="0"/>
           </a:p>
         </p:txBody>
       </p:sp>
@@ -8642,11 +8648,7 @@
             </a:pPr>
             <a:r>
               <a:rPr lang="fi-FI" dirty="0" smtClean="0"/>
-              <a:t>Ohjelmointikielillä voidaan siis määrätä kone tekemään </a:t>
-            </a:r>
-            <a:r>
-              <a:rPr lang="fi-FI" dirty="0" smtClean="0"/>
-              <a:t>jotain</a:t>
+              <a:t>Ohjelmointikielillä voidaan siis määrätä kone tekemään jotain</a:t>
             </a:r>
             <a:endParaRPr lang="en-US" dirty="0" smtClean="0"/>
           </a:p>
@@ -8865,7 +8867,6 @@
               <a:rPr lang="fi-FI" sz="2400" dirty="0" smtClean="0"/>
               <a:t>BASIC</a:t>
             </a:r>
-            <a:endParaRPr lang="fi-FI" sz="2400" dirty="0" smtClean="0"/>
           </a:p>
           <a:p>
             <a:pPr eaLnBrk="1" hangingPunct="1"/>
@@ -9353,9 +9354,21 @@
             </a:r>
             <a:r>
               <a:rPr lang="fi-FI" sz="2000" dirty="0" err="1" smtClean="0"/>
-              <a:t>Ohjelmani.java</a:t>
-            </a:r>
-            <a:endParaRPr lang="fi-FI" sz="2000" dirty="0" smtClean="0"/>
+              <a:t>Ohjelmani</a:t>
+            </a:r>
+            <a:r>
+              <a:rPr lang="fi-FI" sz="2000" dirty="0" err="1" smtClean="0">
+                <a:solidFill>
+                  <a:srgbClr val="FF0000"/>
+                </a:solidFill>
+              </a:rPr>
+              <a:t>.java</a:t>
+            </a:r>
+            <a:endParaRPr lang="fi-FI" sz="2000" dirty="0" smtClean="0">
+              <a:solidFill>
+                <a:srgbClr val="FF0000"/>
+              </a:solidFill>
+            </a:endParaRPr>
           </a:p>
           <a:p>
             <a:pPr eaLnBrk="1" hangingPunct="1"/>
@@ -9401,9 +9414,21 @@
               <a:rPr lang="fi-FI" sz="2000" b="1" dirty="0" err="1" smtClean="0">
                 <a:latin typeface="Lucida Console" pitchFamily="49" charset="0"/>
               </a:rPr>
-              <a:t>Ohjelmani.java</a:t>
+              <a:t>Ohjelmani</a:t>
+            </a:r>
+            <a:r>
+              <a:rPr lang="fi-FI" sz="2000" b="1" dirty="0" err="1" smtClean="0">
+                <a:solidFill>
+                  <a:srgbClr val="FF0000"/>
+                </a:solidFill>
+                <a:latin typeface="Lucida Console" pitchFamily="49" charset="0"/>
+              </a:rPr>
+              <a:t>.java</a:t>
             </a:r>
             <a:endParaRPr lang="fi-FI" sz="2000" b="1" dirty="0" smtClean="0">
+              <a:solidFill>
+                <a:srgbClr val="FF0000"/>
+              </a:solidFill>
               <a:latin typeface="Lucida Console" pitchFamily="49" charset="0"/>
             </a:endParaRPr>
           </a:p>
@@ -9423,9 +9448,21 @@
               <a:rPr lang="fi-FI" sz="2000" b="1" dirty="0" err="1" smtClean="0">
                 <a:latin typeface="Lucida Console" pitchFamily="49" charset="0"/>
               </a:rPr>
-              <a:t>Ohjelmani.class</a:t>
+              <a:t>Ohjelmani</a:t>
+            </a:r>
+            <a:r>
+              <a:rPr lang="fi-FI" sz="2000" b="1" dirty="0" err="1" smtClean="0">
+                <a:solidFill>
+                  <a:srgbClr val="FF0000"/>
+                </a:solidFill>
+                <a:latin typeface="Lucida Console" pitchFamily="49" charset="0"/>
+              </a:rPr>
+              <a:t>.class</a:t>
             </a:r>
             <a:endParaRPr lang="fi-FI" sz="2000" b="1" dirty="0" smtClean="0">
+              <a:solidFill>
+                <a:srgbClr val="FF0000"/>
+              </a:solidFill>
               <a:latin typeface="Lucida Console" pitchFamily="49" charset="0"/>
             </a:endParaRPr>
           </a:p>
@@ -9712,24 +9749,52 @@
           <a:p>
             <a:pPr eaLnBrk="1" hangingPunct="1"/>
             <a:r>
-              <a:rPr lang="fi-FI" smtClean="0"/>
-              <a:t>Ohjelmani.java on lähdekoodia</a:t>
+              <a:rPr lang="fi-FI" dirty="0" smtClean="0"/>
+              <a:t>Ohjelmani</a:t>
+            </a:r>
+            <a:r>
+              <a:rPr lang="fi-FI" dirty="0" smtClean="0">
+                <a:solidFill>
+                  <a:srgbClr val="FF0000"/>
+                </a:solidFill>
+              </a:rPr>
+              <a:t>.java</a:t>
+            </a:r>
+            <a:r>
+              <a:rPr lang="fi-FI" dirty="0" smtClean="0"/>
+              <a:t> on lähdekoodia</a:t>
             </a:r>
           </a:p>
           <a:p>
             <a:pPr eaLnBrk="1" hangingPunct="1"/>
             <a:r>
-              <a:rPr lang="fi-FI" smtClean="0"/>
-              <a:t>Ohjelmani.class on tavukoodia</a:t>
+              <a:rPr lang="fi-FI" dirty="0" err="1" smtClean="0"/>
+              <a:t>Ohjelmani</a:t>
+            </a:r>
+            <a:r>
+              <a:rPr lang="fi-FI" dirty="0" err="1" smtClean="0">
+                <a:solidFill>
+                  <a:srgbClr val="FF0000"/>
+                </a:solidFill>
+              </a:rPr>
+              <a:t>.class</a:t>
+            </a:r>
+            <a:r>
+              <a:rPr lang="fi-FI" dirty="0" smtClean="0"/>
+              <a:t> on tavukoodia</a:t>
             </a:r>
           </a:p>
           <a:p>
             <a:pPr eaLnBrk="1" hangingPunct="1"/>
             <a:r>
-              <a:rPr lang="fi-FI" smtClean="0"/>
-              <a:t>java-komento tulkkaa tavukoodin konekielelle ajonaikaisesti</a:t>
-            </a:r>
-            <a:endParaRPr lang="en-US" smtClean="0"/>
+              <a:rPr lang="fi-FI" dirty="0" err="1" smtClean="0"/>
+              <a:t>java</a:t>
+            </a:r>
+            <a:r>
+              <a:rPr lang="fi-FI" dirty="0" smtClean="0"/>
+              <a:t>-komento tulkkaa tavukoodin konekielelle ajonaikaisesti</a:t>
+            </a:r>
+            <a:endParaRPr lang="en-US" dirty="0" smtClean="0"/>
           </a:p>
         </p:txBody>
       </p:sp>
@@ -10631,9 +10696,13 @@
             </a:pPr>
             <a:r>
               <a:rPr lang="fi-FI" dirty="0" smtClean="0"/>
-              <a:t>Java-tulkkia kutsutaan myös Javan virtuaalikoneeksi</a:t>
-            </a:r>
-            <a:endParaRPr lang="en-US" dirty="0" smtClean="0"/>
+              <a:t>Java-tulkkia kutsutaan myös </a:t>
+            </a:r>
+            <a:r>
+              <a:rPr lang="fi-FI" u="sng" dirty="0" smtClean="0"/>
+              <a:t>Javan virtuaalikoneeksi</a:t>
+            </a:r>
+            <a:endParaRPr lang="en-US" u="sng" dirty="0" smtClean="0"/>
           </a:p>
           <a:p>
             <a:pPr eaLnBrk="1" hangingPunct="1">
@@ -10839,11 +10908,7 @@
             </a:r>
             <a:r>
               <a:rPr lang="fi-FI" dirty="0" smtClean="0"/>
-              <a:t>) ja muita </a:t>
-            </a:r>
-            <a:r>
-              <a:rPr lang="fi-FI" dirty="0" smtClean="0"/>
-              <a:t>apuvälineitä</a:t>
+              <a:t>) ja muita apuvälineitä</a:t>
             </a:r>
             <a:endParaRPr lang="en-US" dirty="0" smtClean="0"/>
           </a:p>
@@ -10983,7 +11048,6 @@
               <a:rPr lang="fi-FI" sz="2000" b="1" dirty="0" smtClean="0"/>
               <a:t>++</a:t>
             </a:r>
-            <a:endParaRPr lang="fi-FI" sz="2000" b="1" dirty="0" smtClean="0"/>
           </a:p>
           <a:p>
             <a:pPr lvl="1" eaLnBrk="1" hangingPunct="1">
@@ -11109,7 +11173,6 @@
               <a:rPr lang="fi-FI" sz="2000" dirty="0" smtClean="0"/>
               <a:t>…</a:t>
             </a:r>
-            <a:endParaRPr lang="fi-FI" sz="2000" dirty="0" smtClean="0"/>
           </a:p>
         </p:txBody>
       </p:sp>
@@ -13458,15 +13521,7 @@
             <a:pPr eaLnBrk="1" hangingPunct="1"/>
             <a:r>
               <a:rPr lang="fi-FI" sz="2400" dirty="0" smtClean="0"/>
-              <a:t>Ensimmäisten ohjelmiesi </a:t>
-            </a:r>
-            <a:r>
-              <a:rPr lang="fi-FI" sz="2400" dirty="0" smtClean="0"/>
-              <a:t>koodi kirjoitetaan </a:t>
-            </a:r>
-            <a:r>
-              <a:rPr lang="fi-FI" sz="2400" dirty="0" smtClean="0"/>
-              <a:t>päämetodin aaltosulkujen sisään</a:t>
+              <a:t>Ensimmäisten ohjelmiesi koodi kirjoitetaan päämetodin aaltosulkujen sisään</a:t>
             </a:r>
           </a:p>
           <a:p>
@@ -14532,11 +14587,7 @@
             </a:r>
             <a:r>
               <a:rPr lang="fi-FI" sz="2000" b="1" i="1" dirty="0" smtClean="0"/>
-              <a:t>Kevät</a:t>
-            </a:r>
-            <a:r>
-              <a:rPr lang="fi-FI" sz="2000" b="1" i="1" dirty="0" smtClean="0"/>
-              <a:t> 17)</a:t>
+              <a:t>Syksy 2017, Leppävaara)</a:t>
             </a:r>
             <a:endParaRPr lang="en-GB" sz="2000" b="1" i="1" dirty="0" smtClean="0"/>
           </a:p>
@@ -14625,7 +14676,7 @@
           <a:p>
             <a:fld id="{AFDED2E8-740F-43D4-96A1-4ED0B44158FD}" type="datetime1">
               <a:rPr lang="fi-FI" smtClean="0"/>
-              <a:t>18.1.2017</a:t>
+              <a:t>1.9.2017</a:t>
             </a:fld>
             <a:endParaRPr lang="en-US" dirty="0" smtClean="0"/>
           </a:p>
@@ -14921,13 +14972,22 @@
               <a:t>(</a:t>
             </a:r>
             <a:r>
+              <a:rPr lang="fi-FI" sz="1200" b="1" dirty="0">
+                <a:solidFill>
+                  <a:prstClr val="black"/>
+                </a:solidFill>
+                <a:latin typeface="Calibri" panose="020F0502020204030204"/>
+              </a:rPr>
+              <a:t>9</a:t>
+            </a:r>
+            <a:r>
               <a:rPr lang="fi-FI" sz="1200" b="1" dirty="0" smtClean="0">
                 <a:solidFill>
                   <a:prstClr val="black"/>
                 </a:solidFill>
                 <a:latin typeface="Calibri" panose="020F0502020204030204"/>
               </a:rPr>
-              <a:t>11 </a:t>
+              <a:t> </a:t>
             </a:r>
             <a:r>
               <a:rPr lang="fi-FI" sz="1200" b="1" dirty="0" err="1" smtClean="0">
@@ -15616,12 +15676,6 @@
               </a:rPr>
               <a:t>30</a:t>
             </a:r>
-            <a:endParaRPr lang="fi-FI" sz="1400" b="1" dirty="0" smtClean="0">
-              <a:solidFill>
-                <a:prstClr val="black"/>
-              </a:solidFill>
-              <a:latin typeface="Calibri" panose="020F0502020204030204"/>
-            </a:endParaRPr>
           </a:p>
           <a:p>
             <a:pPr algn="ctr" eaLnBrk="1" fontAlgn="auto" hangingPunct="1">
@@ -15762,12 +15816,6 @@
               </a:rPr>
               <a:t>0</a:t>
             </a:r>
-            <a:endParaRPr lang="fi-FI" sz="1400" b="1" dirty="0" smtClean="0">
-              <a:solidFill>
-                <a:prstClr val="black"/>
-              </a:solidFill>
-              <a:latin typeface="Calibri" panose="020F0502020204030204"/>
-            </a:endParaRPr>
           </a:p>
           <a:p>
             <a:pPr algn="ctr" eaLnBrk="1" fontAlgn="auto" hangingPunct="1">
